--- a/Presentations/Anthony_Olivieri_Slide Deck.pptx
+++ b/Presentations/Anthony_Olivieri_Slide Deck.pptx
@@ -1,47 +1,47 @@
 
 <file path=ppt/presentation.xml><?xml version="1.0" encoding="utf-8"?>
-<p:presentation xmlns:a="http://schemas.openxmlformats.org/drawingml/2006/main" xmlns:r="http://schemas.openxmlformats.org/officeDocument/2006/relationships" xmlns:mc="http://schemas.openxmlformats.org/markup-compatibility/2006" xmlns:mv="urn:schemas-microsoft-com:mac:vml" xmlns:p="http://schemas.openxmlformats.org/presentationml/2006/main" xmlns:c="http://schemas.openxmlformats.org/drawingml/2006/chart" xmlns:dgm="http://schemas.openxmlformats.org/drawingml/2006/diagram" xmlns:o="urn:schemas-microsoft-com:office:office" xmlns:v="urn:schemas-microsoft-com:vml" xmlns:pvml="urn:schemas-microsoft-com:office:powerpoint" xmlns:com="http://schemas.openxmlformats.org/drawingml/2006/compatibility" xmlns:p14="http://schemas.microsoft.com/office/powerpoint/2010/main" xmlns:p15="http://schemas.microsoft.com/office/powerpoint/2012/main" autoCompressPictures="0" embedTrueTypeFonts="1" strictFirstAndLastChars="0" saveSubsetFonts="1">
+<p:presentation xmlns:a="http://schemas.openxmlformats.org/drawingml/2006/main" xmlns:r="http://schemas.openxmlformats.org/officeDocument/2006/relationships" xmlns:p="http://schemas.openxmlformats.org/presentationml/2006/main" strictFirstAndLastChars="0" embedTrueTypeFonts="1" autoCompressPictures="0">
   <p:sldMasterIdLst>
-    <p:sldMasterId id="2147483659" r:id="rId3"/>
+    <p:sldMasterId id="2147483659" r:id="rId1"/>
   </p:sldMasterIdLst>
   <p:notesMasterIdLst>
-    <p:notesMasterId r:id="rId4"/>
+    <p:notesMasterId r:id="rId11"/>
   </p:notesMasterIdLst>
   <p:sldIdLst>
-    <p:sldId id="256" r:id="rId5"/>
-    <p:sldId id="257" r:id="rId6"/>
-    <p:sldId id="258" r:id="rId7"/>
-    <p:sldId id="259" r:id="rId8"/>
-    <p:sldId id="260" r:id="rId9"/>
-    <p:sldId id="261" r:id="rId10"/>
-    <p:sldId id="262" r:id="rId11"/>
-    <p:sldId id="263" r:id="rId12"/>
-    <p:sldId id="264" r:id="rId13"/>
+    <p:sldId id="256" r:id="rId2"/>
+    <p:sldId id="257" r:id="rId3"/>
+    <p:sldId id="258" r:id="rId4"/>
+    <p:sldId id="259" r:id="rId5"/>
+    <p:sldId id="260" r:id="rId6"/>
+    <p:sldId id="261" r:id="rId7"/>
+    <p:sldId id="262" r:id="rId8"/>
+    <p:sldId id="263" r:id="rId9"/>
+    <p:sldId id="264" r:id="rId10"/>
   </p:sldIdLst>
-  <p:sldSz cy="5143500" cx="9144000"/>
+  <p:sldSz cx="9144000" cy="5143500" type="screen16x9"/>
   <p:notesSz cx="6858000" cy="9144000"/>
   <p:embeddedFontLst>
     <p:embeddedFont>
-      <p:font typeface="Raleway"/>
-      <p:regular r:id="rId14"/>
-      <p:bold r:id="rId15"/>
-      <p:italic r:id="rId16"/>
-      <p:boldItalic r:id="rId17"/>
+      <p:font typeface="Lato" panose="020F0502020204030203" pitchFamily="34" charset="77"/>
+      <p:regular r:id="rId12"/>
+      <p:bold r:id="rId13"/>
+      <p:italic r:id="rId14"/>
+      <p:boldItalic r:id="rId15"/>
     </p:embeddedFont>
     <p:embeddedFont>
-      <p:font typeface="Lato"/>
-      <p:regular r:id="rId18"/>
-      <p:bold r:id="rId19"/>
-      <p:italic r:id="rId20"/>
-      <p:boldItalic r:id="rId21"/>
+      <p:font typeface="Questrial" panose="02000000000000000000" pitchFamily="2" charset="0"/>
+      <p:regular r:id="rId16"/>
     </p:embeddedFont>
     <p:embeddedFont>
-      <p:font typeface="Questrial"/>
-      <p:regular r:id="rId22"/>
+      <p:font typeface="Raleway" panose="020B0503030101060003" pitchFamily="34" charset="77"/>
+      <p:regular r:id="rId17"/>
+      <p:bold r:id="rId18"/>
+      <p:italic r:id="rId19"/>
+      <p:boldItalic r:id="rId20"/>
     </p:embeddedFont>
   </p:embeddedFontLst>
   <p:defaultTextStyle>
-    <a:defPPr lvl="0" marR="0" rtl="0" algn="l">
+    <a:defPPr marR="0" lvl="0" algn="l" rtl="0">
       <a:lnSpc>
         <a:spcPct val="100000"/>
       </a:lnSpc>
@@ -52,7 +52,7 @@
         <a:spcPts val="0"/>
       </a:spcAft>
     </a:defPPr>
-    <a:lvl1pPr lvl="0" marR="0" rtl="0" algn="l">
+    <a:lvl1pPr marR="0" lvl="0" algn="l" rtl="0">
       <a:lnSpc>
         <a:spcPct val="100000"/>
       </a:lnSpc>
@@ -66,7 +66,7 @@
         <a:srgbClr val="000000"/>
       </a:buClr>
       <a:buFont typeface="Arial"/>
-      <a:defRPr b="0" i="0" sz="1400" u="none" cap="none" strike="noStrike">
+      <a:defRPr sz="1400" b="0" i="0" u="none" strike="noStrike" cap="none">
         <a:solidFill>
           <a:srgbClr val="000000"/>
         </a:solidFill>
@@ -76,7 +76,7 @@
         <a:sym typeface="Arial"/>
       </a:defRPr>
     </a:lvl1pPr>
-    <a:lvl2pPr lvl="1" marR="0" rtl="0" algn="l">
+    <a:lvl2pPr marR="0" lvl="1" algn="l" rtl="0">
       <a:lnSpc>
         <a:spcPct val="100000"/>
       </a:lnSpc>
@@ -90,7 +90,7 @@
         <a:srgbClr val="000000"/>
       </a:buClr>
       <a:buFont typeface="Arial"/>
-      <a:defRPr b="0" i="0" sz="1400" u="none" cap="none" strike="noStrike">
+      <a:defRPr sz="1400" b="0" i="0" u="none" strike="noStrike" cap="none">
         <a:solidFill>
           <a:srgbClr val="000000"/>
         </a:solidFill>
@@ -100,7 +100,7 @@
         <a:sym typeface="Arial"/>
       </a:defRPr>
     </a:lvl2pPr>
-    <a:lvl3pPr lvl="2" marR="0" rtl="0" algn="l">
+    <a:lvl3pPr marR="0" lvl="2" algn="l" rtl="0">
       <a:lnSpc>
         <a:spcPct val="100000"/>
       </a:lnSpc>
@@ -114,7 +114,7 @@
         <a:srgbClr val="000000"/>
       </a:buClr>
       <a:buFont typeface="Arial"/>
-      <a:defRPr b="0" i="0" sz="1400" u="none" cap="none" strike="noStrike">
+      <a:defRPr sz="1400" b="0" i="0" u="none" strike="noStrike" cap="none">
         <a:solidFill>
           <a:srgbClr val="000000"/>
         </a:solidFill>
@@ -124,7 +124,7 @@
         <a:sym typeface="Arial"/>
       </a:defRPr>
     </a:lvl3pPr>
-    <a:lvl4pPr lvl="3" marR="0" rtl="0" algn="l">
+    <a:lvl4pPr marR="0" lvl="3" algn="l" rtl="0">
       <a:lnSpc>
         <a:spcPct val="100000"/>
       </a:lnSpc>
@@ -138,7 +138,7 @@
         <a:srgbClr val="000000"/>
       </a:buClr>
       <a:buFont typeface="Arial"/>
-      <a:defRPr b="0" i="0" sz="1400" u="none" cap="none" strike="noStrike">
+      <a:defRPr sz="1400" b="0" i="0" u="none" strike="noStrike" cap="none">
         <a:solidFill>
           <a:srgbClr val="000000"/>
         </a:solidFill>
@@ -148,7 +148,7 @@
         <a:sym typeface="Arial"/>
       </a:defRPr>
     </a:lvl4pPr>
-    <a:lvl5pPr lvl="4" marR="0" rtl="0" algn="l">
+    <a:lvl5pPr marR="0" lvl="4" algn="l" rtl="0">
       <a:lnSpc>
         <a:spcPct val="100000"/>
       </a:lnSpc>
@@ -162,7 +162,7 @@
         <a:srgbClr val="000000"/>
       </a:buClr>
       <a:buFont typeface="Arial"/>
-      <a:defRPr b="0" i="0" sz="1400" u="none" cap="none" strike="noStrike">
+      <a:defRPr sz="1400" b="0" i="0" u="none" strike="noStrike" cap="none">
         <a:solidFill>
           <a:srgbClr val="000000"/>
         </a:solidFill>
@@ -172,7 +172,7 @@
         <a:sym typeface="Arial"/>
       </a:defRPr>
     </a:lvl5pPr>
-    <a:lvl6pPr lvl="5" marR="0" rtl="0" algn="l">
+    <a:lvl6pPr marR="0" lvl="5" algn="l" rtl="0">
       <a:lnSpc>
         <a:spcPct val="100000"/>
       </a:lnSpc>
@@ -186,7 +186,7 @@
         <a:srgbClr val="000000"/>
       </a:buClr>
       <a:buFont typeface="Arial"/>
-      <a:defRPr b="0" i="0" sz="1400" u="none" cap="none" strike="noStrike">
+      <a:defRPr sz="1400" b="0" i="0" u="none" strike="noStrike" cap="none">
         <a:solidFill>
           <a:srgbClr val="000000"/>
         </a:solidFill>
@@ -196,7 +196,7 @@
         <a:sym typeface="Arial"/>
       </a:defRPr>
     </a:lvl6pPr>
-    <a:lvl7pPr lvl="6" marR="0" rtl="0" algn="l">
+    <a:lvl7pPr marR="0" lvl="6" algn="l" rtl="0">
       <a:lnSpc>
         <a:spcPct val="100000"/>
       </a:lnSpc>
@@ -210,7 +210,7 @@
         <a:srgbClr val="000000"/>
       </a:buClr>
       <a:buFont typeface="Arial"/>
-      <a:defRPr b="0" i="0" sz="1400" u="none" cap="none" strike="noStrike">
+      <a:defRPr sz="1400" b="0" i="0" u="none" strike="noStrike" cap="none">
         <a:solidFill>
           <a:srgbClr val="000000"/>
         </a:solidFill>
@@ -220,7 +220,7 @@
         <a:sym typeface="Arial"/>
       </a:defRPr>
     </a:lvl7pPr>
-    <a:lvl8pPr lvl="7" marR="0" rtl="0" algn="l">
+    <a:lvl8pPr marR="0" lvl="7" algn="l" rtl="0">
       <a:lnSpc>
         <a:spcPct val="100000"/>
       </a:lnSpc>
@@ -234,7 +234,7 @@
         <a:srgbClr val="000000"/>
       </a:buClr>
       <a:buFont typeface="Arial"/>
-      <a:defRPr b="0" i="0" sz="1400" u="none" cap="none" strike="noStrike">
+      <a:defRPr sz="1400" b="0" i="0" u="none" strike="noStrike" cap="none">
         <a:solidFill>
           <a:srgbClr val="000000"/>
         </a:solidFill>
@@ -244,7 +244,7 @@
         <a:sym typeface="Arial"/>
       </a:defRPr>
     </a:lvl8pPr>
-    <a:lvl9pPr lvl="8" marR="0" rtl="0" algn="l">
+    <a:lvl9pPr marR="0" lvl="8" algn="l" rtl="0">
       <a:lnSpc>
         <a:spcPct val="100000"/>
       </a:lnSpc>
@@ -258,7 +258,7 @@
         <a:srgbClr val="000000"/>
       </a:buClr>
       <a:buFont typeface="Arial"/>
-      <a:defRPr b="0" i="0" sz="1400" u="none" cap="none" strike="noStrike">
+      <a:defRPr sz="1400" b="0" i="0" u="none" strike="noStrike" cap="none">
         <a:solidFill>
           <a:srgbClr val="000000"/>
         </a:solidFill>
@@ -269,15 +269,25 @@
       </a:defRPr>
     </a:lvl9pPr>
   </p:defaultTextStyle>
+  <p:extLst>
+    <p:ext uri="{EFAFB233-063F-42B5-8137-9DF3F51BA10A}">
+      <p15:sldGuideLst xmlns:p15="http://schemas.microsoft.com/office/powerpoint/2012/main"/>
+    </p:ext>
+  </p:extLst>
 </p:presentation>
 </file>
 
 <file path=ppt/notesMasters/notesMaster1.xml><?xml version="1.0" encoding="utf-8"?>
-<p:notesMaster xmlns:a="http://schemas.openxmlformats.org/drawingml/2006/main" xmlns:r="http://schemas.openxmlformats.org/officeDocument/2006/relationships" xmlns:mc="http://schemas.openxmlformats.org/markup-compatibility/2006" xmlns:mv="urn:schemas-microsoft-com:mac:vml" xmlns:p="http://schemas.openxmlformats.org/presentationml/2006/main" xmlns:c="http://schemas.openxmlformats.org/drawingml/2006/chart" xmlns:dgm="http://schemas.openxmlformats.org/drawingml/2006/diagram" xmlns:o="urn:schemas-microsoft-com:office:office" xmlns:v="urn:schemas-microsoft-com:vml" xmlns:pvml="urn:schemas-microsoft-com:office:powerpoint" xmlns:com="http://schemas.openxmlformats.org/drawingml/2006/compatibility" xmlns:p14="http://schemas.microsoft.com/office/powerpoint/2010/main" xmlns:p15="http://schemas.microsoft.com/office/powerpoint/2012/main">
+<p:notesMaster xmlns:a="http://schemas.openxmlformats.org/drawingml/2006/main" xmlns:r="http://schemas.openxmlformats.org/officeDocument/2006/relationships" xmlns:p="http://schemas.openxmlformats.org/presentationml/2006/main">
   <p:cSld>
+    <p:bg>
+      <p:bgRef idx="1001">
+        <a:schemeClr val="bg1"/>
+      </p:bgRef>
+    </p:bg>
     <p:spTree>
       <p:nvGrpSpPr>
-        <p:cNvPr id="2" name="Shape 2"/>
+        <p:cNvPr id="1" name="Shape 2"/>
         <p:cNvGrpSpPr/>
         <p:nvPr/>
       </p:nvGrpSpPr>
@@ -292,9 +302,11 @@
       <p:sp>
         <p:nvSpPr>
           <p:cNvPr id="3" name="Google Shape;3;n"/>
-          <p:cNvSpPr/>
+          <p:cNvSpPr>
+            <a:spLocks noGrp="1" noRot="1" noChangeAspect="1"/>
+          </p:cNvSpPr>
           <p:nvPr>
-            <p:ph idx="2" type="sldImg"/>
+            <p:ph type="sldImg" idx="2"/>
           </p:nvPr>
         </p:nvSpPr>
         <p:spPr>
@@ -303,9 +315,13 @@
             <a:ext cx="6096075" cy="3429000"/>
           </a:xfrm>
           <a:custGeom>
-            <a:rect b="b" l="l" r="r" t="t"/>
+            <a:avLst/>
+            <a:gdLst/>
+            <a:ahLst/>
+            <a:cxnLst/>
+            <a:rect l="l" t="t" r="r" b="b"/>
             <a:pathLst>
-              <a:path extrusionOk="0" h="120000" w="120000">
+              <a:path w="120000" h="120000" extrusionOk="0">
                 <a:moveTo>
                   <a:pt x="0" y="0"/>
                 </a:moveTo>
@@ -323,23 +339,25 @@
             </a:pathLst>
           </a:custGeom>
           <a:noFill/>
-          <a:ln cap="flat" cmpd="sng" w="9525">
+          <a:ln w="9525" cap="flat" cmpd="sng">
             <a:solidFill>
               <a:srgbClr val="000000"/>
             </a:solidFill>
             <a:prstDash val="solid"/>
             <a:round/>
-            <a:headEnd len="sm" w="sm" type="none"/>
-            <a:tailEnd len="sm" w="sm" type="none"/>
+            <a:headEnd type="none" w="sm" len="sm"/>
+            <a:tailEnd type="none" w="sm" len="sm"/>
           </a:ln>
         </p:spPr>
       </p:sp>
       <p:sp>
         <p:nvSpPr>
           <p:cNvPr id="4" name="Google Shape;4;n"/>
-          <p:cNvSpPr txBox="1"/>
+          <p:cNvSpPr txBox="1">
+            <a:spLocks noGrp="1"/>
+          </p:cNvSpPr>
           <p:nvPr>
-            <p:ph idx="1" type="body"/>
+            <p:ph type="body" idx="1"/>
           </p:nvPr>
         </p:nvSpPr>
         <p:spPr>
@@ -356,9 +374,9 @@
           </a:ln>
         </p:spPr>
         <p:txBody>
-          <a:bodyPr anchorCtr="0" anchor="t" bIns="91425" lIns="91425" spcFirstLastPara="1" rIns="91425" wrap="square" tIns="91425"/>
+          <a:bodyPr spcFirstLastPara="1" wrap="square" lIns="91425" tIns="91425" rIns="91425" bIns="91425" anchor="t" anchorCtr="0"/>
           <a:lstStyle>
-            <a:lvl1pPr indent="-298450" lvl="0" marL="457200">
+            <a:lvl1pPr marL="457200" lvl="0" indent="-298450">
               <a:spcBef>
                 <a:spcPts val="0"/>
               </a:spcBef>
@@ -369,7 +387,7 @@
               <a:buChar char="●"/>
               <a:defRPr sz="1100"/>
             </a:lvl1pPr>
-            <a:lvl2pPr indent="-298450" lvl="1" marL="914400">
+            <a:lvl2pPr marL="914400" lvl="1" indent="-298450">
               <a:spcBef>
                 <a:spcPts val="0"/>
               </a:spcBef>
@@ -380,7 +398,7 @@
               <a:buChar char="○"/>
               <a:defRPr sz="1100"/>
             </a:lvl2pPr>
-            <a:lvl3pPr indent="-298450" lvl="2" marL="1371600">
+            <a:lvl3pPr marL="1371600" lvl="2" indent="-298450">
               <a:spcBef>
                 <a:spcPts val="0"/>
               </a:spcBef>
@@ -391,7 +409,7 @@
               <a:buChar char="■"/>
               <a:defRPr sz="1100"/>
             </a:lvl3pPr>
-            <a:lvl4pPr indent="-298450" lvl="3" marL="1828800">
+            <a:lvl4pPr marL="1828800" lvl="3" indent="-298450">
               <a:spcBef>
                 <a:spcPts val="0"/>
               </a:spcBef>
@@ -402,7 +420,7 @@
               <a:buChar char="●"/>
               <a:defRPr sz="1100"/>
             </a:lvl4pPr>
-            <a:lvl5pPr indent="-298450" lvl="4" marL="2286000">
+            <a:lvl5pPr marL="2286000" lvl="4" indent="-298450">
               <a:spcBef>
                 <a:spcPts val="0"/>
               </a:spcBef>
@@ -413,7 +431,7 @@
               <a:buChar char="○"/>
               <a:defRPr sz="1100"/>
             </a:lvl5pPr>
-            <a:lvl6pPr indent="-298450" lvl="5" marL="2743200">
+            <a:lvl6pPr marL="2743200" lvl="5" indent="-298450">
               <a:spcBef>
                 <a:spcPts val="0"/>
               </a:spcBef>
@@ -424,7 +442,7 @@
               <a:buChar char="■"/>
               <a:defRPr sz="1100"/>
             </a:lvl6pPr>
-            <a:lvl7pPr indent="-298450" lvl="6" marL="3200400">
+            <a:lvl7pPr marL="3200400" lvl="6" indent="-298450">
               <a:spcBef>
                 <a:spcPts val="0"/>
               </a:spcBef>
@@ -435,7 +453,7 @@
               <a:buChar char="●"/>
               <a:defRPr sz="1100"/>
             </a:lvl7pPr>
-            <a:lvl8pPr indent="-298450" lvl="7" marL="3657600">
+            <a:lvl8pPr marL="3657600" lvl="7" indent="-298450">
               <a:spcBef>
                 <a:spcPts val="0"/>
               </a:spcBef>
@@ -446,7 +464,7 @@
               <a:buChar char="○"/>
               <a:defRPr sz="1100"/>
             </a:lvl8pPr>
-            <a:lvl9pPr indent="-298450" lvl="8" marL="4114800">
+            <a:lvl9pPr marL="4114800" lvl="8" indent="-298450">
               <a:spcBef>
                 <a:spcPts val="0"/>
               </a:spcBef>
@@ -458,14 +476,16 @@
               <a:defRPr sz="1100"/>
             </a:lvl9pPr>
           </a:lstStyle>
-          <a:p/>
+          <a:p>
+            <a:endParaRPr/>
+          </a:p>
         </p:txBody>
       </p:sp>
     </p:spTree>
   </p:cSld>
-  <p:clrMap accent1="accent1" accent2="accent2" accent3="accent3" accent4="accent4" accent5="accent5" accent6="accent6" bg1="lt1" bg2="dk2" tx1="dk1" tx2="lt2" folHlink="folHlink" hlink="hlink"/>
+  <p:clrMap bg1="lt1" tx1="dk1" bg2="dk2" tx2="lt2" accent1="accent1" accent2="accent2" accent3="accent3" accent4="accent4" accent5="accent5" accent6="accent6" hlink="hlink" folHlink="folHlink"/>
   <p:notesStyle>
-    <a:defPPr lvl="0" marR="0" rtl="0" algn="l">
+    <a:defPPr marR="0" lvl="0" algn="l" rtl="0">
       <a:lnSpc>
         <a:spcPct val="100000"/>
       </a:lnSpc>
@@ -476,7 +496,7 @@
         <a:spcPts val="0"/>
       </a:spcAft>
     </a:defPPr>
-    <a:lvl1pPr lvl="0" marR="0" rtl="0" algn="l">
+    <a:lvl1pPr marR="0" lvl="0" algn="l" rtl="0">
       <a:lnSpc>
         <a:spcPct val="100000"/>
       </a:lnSpc>
@@ -490,7 +510,7 @@
         <a:srgbClr val="000000"/>
       </a:buClr>
       <a:buFont typeface="Arial"/>
-      <a:defRPr b="0" i="0" sz="1400" u="none" cap="none" strike="noStrike">
+      <a:defRPr sz="1400" b="0" i="0" u="none" strike="noStrike" cap="none">
         <a:solidFill>
           <a:srgbClr val="000000"/>
         </a:solidFill>
@@ -500,7 +520,7 @@
         <a:sym typeface="Arial"/>
       </a:defRPr>
     </a:lvl1pPr>
-    <a:lvl2pPr lvl="1" marR="0" rtl="0" algn="l">
+    <a:lvl2pPr marR="0" lvl="1" algn="l" rtl="0">
       <a:lnSpc>
         <a:spcPct val="100000"/>
       </a:lnSpc>
@@ -514,7 +534,7 @@
         <a:srgbClr val="000000"/>
       </a:buClr>
       <a:buFont typeface="Arial"/>
-      <a:defRPr b="0" i="0" sz="1400" u="none" cap="none" strike="noStrike">
+      <a:defRPr sz="1400" b="0" i="0" u="none" strike="noStrike" cap="none">
         <a:solidFill>
           <a:srgbClr val="000000"/>
         </a:solidFill>
@@ -524,7 +544,7 @@
         <a:sym typeface="Arial"/>
       </a:defRPr>
     </a:lvl2pPr>
-    <a:lvl3pPr lvl="2" marR="0" rtl="0" algn="l">
+    <a:lvl3pPr marR="0" lvl="2" algn="l" rtl="0">
       <a:lnSpc>
         <a:spcPct val="100000"/>
       </a:lnSpc>
@@ -538,7 +558,7 @@
         <a:srgbClr val="000000"/>
       </a:buClr>
       <a:buFont typeface="Arial"/>
-      <a:defRPr b="0" i="0" sz="1400" u="none" cap="none" strike="noStrike">
+      <a:defRPr sz="1400" b="0" i="0" u="none" strike="noStrike" cap="none">
         <a:solidFill>
           <a:srgbClr val="000000"/>
         </a:solidFill>
@@ -548,7 +568,7 @@
         <a:sym typeface="Arial"/>
       </a:defRPr>
     </a:lvl3pPr>
-    <a:lvl4pPr lvl="3" marR="0" rtl="0" algn="l">
+    <a:lvl4pPr marR="0" lvl="3" algn="l" rtl="0">
       <a:lnSpc>
         <a:spcPct val="100000"/>
       </a:lnSpc>
@@ -562,7 +582,7 @@
         <a:srgbClr val="000000"/>
       </a:buClr>
       <a:buFont typeface="Arial"/>
-      <a:defRPr b="0" i="0" sz="1400" u="none" cap="none" strike="noStrike">
+      <a:defRPr sz="1400" b="0" i="0" u="none" strike="noStrike" cap="none">
         <a:solidFill>
           <a:srgbClr val="000000"/>
         </a:solidFill>
@@ -572,7 +592,7 @@
         <a:sym typeface="Arial"/>
       </a:defRPr>
     </a:lvl4pPr>
-    <a:lvl5pPr lvl="4" marR="0" rtl="0" algn="l">
+    <a:lvl5pPr marR="0" lvl="4" algn="l" rtl="0">
       <a:lnSpc>
         <a:spcPct val="100000"/>
       </a:lnSpc>
@@ -586,7 +606,7 @@
         <a:srgbClr val="000000"/>
       </a:buClr>
       <a:buFont typeface="Arial"/>
-      <a:defRPr b="0" i="0" sz="1400" u="none" cap="none" strike="noStrike">
+      <a:defRPr sz="1400" b="0" i="0" u="none" strike="noStrike" cap="none">
         <a:solidFill>
           <a:srgbClr val="000000"/>
         </a:solidFill>
@@ -596,7 +616,7 @@
         <a:sym typeface="Arial"/>
       </a:defRPr>
     </a:lvl5pPr>
-    <a:lvl6pPr lvl="5" marR="0" rtl="0" algn="l">
+    <a:lvl6pPr marR="0" lvl="5" algn="l" rtl="0">
       <a:lnSpc>
         <a:spcPct val="100000"/>
       </a:lnSpc>
@@ -610,7 +630,7 @@
         <a:srgbClr val="000000"/>
       </a:buClr>
       <a:buFont typeface="Arial"/>
-      <a:defRPr b="0" i="0" sz="1400" u="none" cap="none" strike="noStrike">
+      <a:defRPr sz="1400" b="0" i="0" u="none" strike="noStrike" cap="none">
         <a:solidFill>
           <a:srgbClr val="000000"/>
         </a:solidFill>
@@ -620,7 +640,7 @@
         <a:sym typeface="Arial"/>
       </a:defRPr>
     </a:lvl6pPr>
-    <a:lvl7pPr lvl="6" marR="0" rtl="0" algn="l">
+    <a:lvl7pPr marR="0" lvl="6" algn="l" rtl="0">
       <a:lnSpc>
         <a:spcPct val="100000"/>
       </a:lnSpc>
@@ -634,7 +654,7 @@
         <a:srgbClr val="000000"/>
       </a:buClr>
       <a:buFont typeface="Arial"/>
-      <a:defRPr b="0" i="0" sz="1400" u="none" cap="none" strike="noStrike">
+      <a:defRPr sz="1400" b="0" i="0" u="none" strike="noStrike" cap="none">
         <a:solidFill>
           <a:srgbClr val="000000"/>
         </a:solidFill>
@@ -644,7 +664,7 @@
         <a:sym typeface="Arial"/>
       </a:defRPr>
     </a:lvl7pPr>
-    <a:lvl8pPr lvl="7" marR="0" rtl="0" algn="l">
+    <a:lvl8pPr marR="0" lvl="7" algn="l" rtl="0">
       <a:lnSpc>
         <a:spcPct val="100000"/>
       </a:lnSpc>
@@ -658,7 +678,7 @@
         <a:srgbClr val="000000"/>
       </a:buClr>
       <a:buFont typeface="Arial"/>
-      <a:defRPr b="0" i="0" sz="1400" u="none" cap="none" strike="noStrike">
+      <a:defRPr sz="1400" b="0" i="0" u="none" strike="noStrike" cap="none">
         <a:solidFill>
           <a:srgbClr val="000000"/>
         </a:solidFill>
@@ -668,7 +688,7 @@
         <a:sym typeface="Arial"/>
       </a:defRPr>
     </a:lvl8pPr>
-    <a:lvl9pPr lvl="8" marR="0" rtl="0" algn="l">
+    <a:lvl9pPr marR="0" lvl="8" algn="l" rtl="0">
       <a:lnSpc>
         <a:spcPct val="100000"/>
       </a:lnSpc>
@@ -682,7 +702,7 @@
         <a:srgbClr val="000000"/>
       </a:buClr>
       <a:buFont typeface="Arial"/>
-      <a:defRPr b="0" i="0" sz="1400" u="none" cap="none" strike="noStrike">
+      <a:defRPr sz="1400" b="0" i="0" u="none" strike="noStrike" cap="none">
         <a:solidFill>
           <a:srgbClr val="000000"/>
         </a:solidFill>
@@ -697,11 +717,11 @@
 </file>
 
 <file path=ppt/notesSlides/notesSlide1.xml><?xml version="1.0" encoding="utf-8"?>
-<p:notes xmlns:a="http://schemas.openxmlformats.org/drawingml/2006/main" xmlns:r="http://schemas.openxmlformats.org/officeDocument/2006/relationships" xmlns:mc="http://schemas.openxmlformats.org/markup-compatibility/2006" xmlns:mv="urn:schemas-microsoft-com:mac:vml" xmlns:p="http://schemas.openxmlformats.org/presentationml/2006/main" xmlns:c="http://schemas.openxmlformats.org/drawingml/2006/chart" xmlns:dgm="http://schemas.openxmlformats.org/drawingml/2006/diagram" xmlns:o="urn:schemas-microsoft-com:office:office" xmlns:v="urn:schemas-microsoft-com:vml" xmlns:pvml="urn:schemas-microsoft-com:office:powerpoint" xmlns:com="http://schemas.openxmlformats.org/drawingml/2006/compatibility" xmlns:p14="http://schemas.microsoft.com/office/powerpoint/2010/main" xmlns:p15="http://schemas.microsoft.com/office/powerpoint/2012/main" showMasterPhAnim="0" showMasterSp="0">
+<p:notes xmlns:a="http://schemas.openxmlformats.org/drawingml/2006/main" xmlns:r="http://schemas.openxmlformats.org/officeDocument/2006/relationships" xmlns:p="http://schemas.openxmlformats.org/presentationml/2006/main" showMasterSp="0" showMasterPhAnim="0">
   <p:cSld>
     <p:spTree>
       <p:nvGrpSpPr>
-        <p:cNvPr id="82" name="Shape 82"/>
+        <p:cNvPr id="1" name="Shape 82"/>
         <p:cNvGrpSpPr/>
         <p:nvPr/>
       </p:nvGrpSpPr>
@@ -716,9 +736,11 @@
       <p:sp>
         <p:nvSpPr>
           <p:cNvPr id="83" name="Google Shape;83;g4fd399032c_0_13:notes"/>
-          <p:cNvSpPr/>
+          <p:cNvSpPr>
+            <a:spLocks noGrp="1" noRot="1" noChangeAspect="1"/>
+          </p:cNvSpPr>
           <p:nvPr>
-            <p:ph idx="2" type="sldImg"/>
+            <p:ph type="sldImg" idx="2"/>
           </p:nvPr>
         </p:nvSpPr>
         <p:spPr>
@@ -727,9 +749,13 @@
             <a:ext cx="6096000" cy="3429000"/>
           </a:xfrm>
           <a:custGeom>
-            <a:rect b="b" l="l" r="r" t="t"/>
+            <a:avLst/>
+            <a:gdLst/>
+            <a:ahLst/>
+            <a:cxnLst/>
+            <a:rect l="l" t="t" r="r" b="b"/>
             <a:pathLst>
-              <a:path extrusionOk="0" h="120000" w="120000">
+              <a:path w="120000" h="120000" extrusionOk="0">
                 <a:moveTo>
                   <a:pt x="0" y="0"/>
                 </a:moveTo>
@@ -751,9 +777,11 @@
       <p:sp>
         <p:nvSpPr>
           <p:cNvPr id="84" name="Google Shape;84;g4fd399032c_0_13:notes"/>
-          <p:cNvSpPr txBox="1"/>
+          <p:cNvSpPr txBox="1">
+            <a:spLocks noGrp="1"/>
+          </p:cNvSpPr>
           <p:nvPr>
-            <p:ph idx="1" type="body"/>
+            <p:ph type="body" idx="1"/>
           </p:nvPr>
         </p:nvSpPr>
         <p:spPr>
@@ -766,12 +794,12 @@
           </a:prstGeom>
         </p:spPr>
         <p:txBody>
-          <a:bodyPr anchorCtr="0" anchor="t" bIns="91425" lIns="91425" spcFirstLastPara="1" rIns="91425" wrap="square" tIns="91425">
+          <a:bodyPr spcFirstLastPara="1" wrap="square" lIns="91425" tIns="91425" rIns="91425" bIns="91425" anchor="t" anchorCtr="0">
             <a:noAutofit/>
           </a:bodyPr>
           <a:lstStyle/>
           <a:p>
-            <a:pPr indent="0" lvl="0" marL="0" rtl="0" algn="l">
+            <a:pPr marL="0" lvl="0" indent="0" algn="l" rtl="0">
               <a:spcBef>
                 <a:spcPts val="0"/>
               </a:spcBef>
@@ -780,9 +808,6 @@
               </a:spcAft>
               <a:buNone/>
             </a:pPr>
-            <a:r>
-              <a:t/>
-            </a:r>
             <a:endParaRPr/>
           </a:p>
         </p:txBody>
@@ -796,11 +821,11 @@
 </file>
 
 <file path=ppt/notesSlides/notesSlide2.xml><?xml version="1.0" encoding="utf-8"?>
-<p:notes xmlns:a="http://schemas.openxmlformats.org/drawingml/2006/main" xmlns:r="http://schemas.openxmlformats.org/officeDocument/2006/relationships" xmlns:mc="http://schemas.openxmlformats.org/markup-compatibility/2006" xmlns:mv="urn:schemas-microsoft-com:mac:vml" xmlns:p="http://schemas.openxmlformats.org/presentationml/2006/main" xmlns:c="http://schemas.openxmlformats.org/drawingml/2006/chart" xmlns:dgm="http://schemas.openxmlformats.org/drawingml/2006/diagram" xmlns:o="urn:schemas-microsoft-com:office:office" xmlns:v="urn:schemas-microsoft-com:vml" xmlns:pvml="urn:schemas-microsoft-com:office:powerpoint" xmlns:com="http://schemas.openxmlformats.org/drawingml/2006/compatibility" xmlns:p14="http://schemas.microsoft.com/office/powerpoint/2010/main" xmlns:p15="http://schemas.microsoft.com/office/powerpoint/2012/main" showMasterPhAnim="0" showMasterSp="0">
+<p:notes xmlns:a="http://schemas.openxmlformats.org/drawingml/2006/main" xmlns:r="http://schemas.openxmlformats.org/officeDocument/2006/relationships" xmlns:p="http://schemas.openxmlformats.org/presentationml/2006/main" showMasterSp="0" showMasterPhAnim="0">
   <p:cSld>
     <p:spTree>
       <p:nvGrpSpPr>
-        <p:cNvPr id="88" name="Shape 88"/>
+        <p:cNvPr id="1" name="Shape 88"/>
         <p:cNvGrpSpPr/>
         <p:nvPr/>
       </p:nvGrpSpPr>
@@ -815,9 +840,11 @@
       <p:sp>
         <p:nvSpPr>
           <p:cNvPr id="89" name="Google Shape;89;g4fd399032c_0_24:notes"/>
-          <p:cNvSpPr/>
+          <p:cNvSpPr>
+            <a:spLocks noGrp="1" noRot="1" noChangeAspect="1"/>
+          </p:cNvSpPr>
           <p:nvPr>
-            <p:ph idx="2" type="sldImg"/>
+            <p:ph type="sldImg" idx="2"/>
           </p:nvPr>
         </p:nvSpPr>
         <p:spPr>
@@ -826,9 +853,13 @@
             <a:ext cx="6096000" cy="3429000"/>
           </a:xfrm>
           <a:custGeom>
-            <a:rect b="b" l="l" r="r" t="t"/>
+            <a:avLst/>
+            <a:gdLst/>
+            <a:ahLst/>
+            <a:cxnLst/>
+            <a:rect l="l" t="t" r="r" b="b"/>
             <a:pathLst>
-              <a:path extrusionOk="0" h="120000" w="120000">
+              <a:path w="120000" h="120000" extrusionOk="0">
                 <a:moveTo>
                   <a:pt x="0" y="0"/>
                 </a:moveTo>
@@ -850,9 +881,11 @@
       <p:sp>
         <p:nvSpPr>
           <p:cNvPr id="90" name="Google Shape;90;g4fd399032c_0_24:notes"/>
-          <p:cNvSpPr txBox="1"/>
+          <p:cNvSpPr txBox="1">
+            <a:spLocks noGrp="1"/>
+          </p:cNvSpPr>
           <p:nvPr>
-            <p:ph idx="1" type="body"/>
+            <p:ph type="body" idx="1"/>
           </p:nvPr>
         </p:nvSpPr>
         <p:spPr>
@@ -865,12 +898,12 @@
           </a:prstGeom>
         </p:spPr>
         <p:txBody>
-          <a:bodyPr anchorCtr="0" anchor="t" bIns="91425" lIns="91425" spcFirstLastPara="1" rIns="91425" wrap="square" tIns="91425">
+          <a:bodyPr spcFirstLastPara="1" wrap="square" lIns="91425" tIns="91425" rIns="91425" bIns="91425" anchor="t" anchorCtr="0">
             <a:noAutofit/>
           </a:bodyPr>
           <a:lstStyle/>
           <a:p>
-            <a:pPr indent="0" lvl="0" marL="0" rtl="0" algn="l">
+            <a:pPr marL="0" lvl="0" indent="0" algn="l" rtl="0">
               <a:spcBef>
                 <a:spcPts val="0"/>
               </a:spcBef>
@@ -879,9 +912,6 @@
               </a:spcAft>
               <a:buNone/>
             </a:pPr>
-            <a:r>
-              <a:t/>
-            </a:r>
             <a:endParaRPr/>
           </a:p>
         </p:txBody>
@@ -895,11 +925,11 @@
 </file>
 
 <file path=ppt/notesSlides/notesSlide3.xml><?xml version="1.0" encoding="utf-8"?>
-<p:notes xmlns:a="http://schemas.openxmlformats.org/drawingml/2006/main" xmlns:r="http://schemas.openxmlformats.org/officeDocument/2006/relationships" xmlns:mc="http://schemas.openxmlformats.org/markup-compatibility/2006" xmlns:mv="urn:schemas-microsoft-com:mac:vml" xmlns:p="http://schemas.openxmlformats.org/presentationml/2006/main" xmlns:c="http://schemas.openxmlformats.org/drawingml/2006/chart" xmlns:dgm="http://schemas.openxmlformats.org/drawingml/2006/diagram" xmlns:o="urn:schemas-microsoft-com:office:office" xmlns:v="urn:schemas-microsoft-com:vml" xmlns:pvml="urn:schemas-microsoft-com:office:powerpoint" xmlns:com="http://schemas.openxmlformats.org/drawingml/2006/compatibility" xmlns:p14="http://schemas.microsoft.com/office/powerpoint/2010/main" xmlns:p15="http://schemas.microsoft.com/office/powerpoint/2012/main" showMasterPhAnim="0" showMasterSp="0">
+<p:notes xmlns:a="http://schemas.openxmlformats.org/drawingml/2006/main" xmlns:r="http://schemas.openxmlformats.org/officeDocument/2006/relationships" xmlns:p="http://schemas.openxmlformats.org/presentationml/2006/main" showMasterSp="0" showMasterPhAnim="0">
   <p:cSld>
     <p:spTree>
       <p:nvGrpSpPr>
-        <p:cNvPr id="97" name="Shape 97"/>
+        <p:cNvPr id="1" name="Shape 97"/>
         <p:cNvGrpSpPr/>
         <p:nvPr/>
       </p:nvGrpSpPr>
@@ -914,9 +944,11 @@
       <p:sp>
         <p:nvSpPr>
           <p:cNvPr id="98" name="Google Shape;98;g51fd60ad2c_0_0:notes"/>
-          <p:cNvSpPr/>
+          <p:cNvSpPr>
+            <a:spLocks noGrp="1" noRot="1" noChangeAspect="1"/>
+          </p:cNvSpPr>
           <p:nvPr>
-            <p:ph idx="2" type="sldImg"/>
+            <p:ph type="sldImg" idx="2"/>
           </p:nvPr>
         </p:nvSpPr>
         <p:spPr>
@@ -925,9 +957,13 @@
             <a:ext cx="6096000" cy="3429000"/>
           </a:xfrm>
           <a:custGeom>
-            <a:rect b="b" l="l" r="r" t="t"/>
+            <a:avLst/>
+            <a:gdLst/>
+            <a:ahLst/>
+            <a:cxnLst/>
+            <a:rect l="l" t="t" r="r" b="b"/>
             <a:pathLst>
-              <a:path extrusionOk="0" h="120000" w="120000">
+              <a:path w="120000" h="120000" extrusionOk="0">
                 <a:moveTo>
                   <a:pt x="0" y="0"/>
                 </a:moveTo>
@@ -949,9 +985,11 @@
       <p:sp>
         <p:nvSpPr>
           <p:cNvPr id="99" name="Google Shape;99;g51fd60ad2c_0_0:notes"/>
-          <p:cNvSpPr txBox="1"/>
+          <p:cNvSpPr txBox="1">
+            <a:spLocks noGrp="1"/>
+          </p:cNvSpPr>
           <p:nvPr>
-            <p:ph idx="1" type="body"/>
+            <p:ph type="body" idx="1"/>
           </p:nvPr>
         </p:nvSpPr>
         <p:spPr>
@@ -964,12 +1002,12 @@
           </a:prstGeom>
         </p:spPr>
         <p:txBody>
-          <a:bodyPr anchorCtr="0" anchor="t" bIns="91425" lIns="91425" spcFirstLastPara="1" rIns="91425" wrap="square" tIns="91425">
+          <a:bodyPr spcFirstLastPara="1" wrap="square" lIns="91425" tIns="91425" rIns="91425" bIns="91425" anchor="t" anchorCtr="0">
             <a:noAutofit/>
           </a:bodyPr>
           <a:lstStyle/>
           <a:p>
-            <a:pPr indent="0" lvl="0" marL="0" rtl="0" algn="l">
+            <a:pPr marL="0" lvl="0" indent="0" algn="l" rtl="0">
               <a:spcBef>
                 <a:spcPts val="0"/>
               </a:spcBef>
@@ -978,9 +1016,6 @@
               </a:spcAft>
               <a:buNone/>
             </a:pPr>
-            <a:r>
-              <a:t/>
-            </a:r>
             <a:endParaRPr/>
           </a:p>
         </p:txBody>
@@ -994,11 +1029,11 @@
 </file>
 
 <file path=ppt/notesSlides/notesSlide4.xml><?xml version="1.0" encoding="utf-8"?>
-<p:notes xmlns:a="http://schemas.openxmlformats.org/drawingml/2006/main" xmlns:r="http://schemas.openxmlformats.org/officeDocument/2006/relationships" xmlns:mc="http://schemas.openxmlformats.org/markup-compatibility/2006" xmlns:mv="urn:schemas-microsoft-com:mac:vml" xmlns:p="http://schemas.openxmlformats.org/presentationml/2006/main" xmlns:c="http://schemas.openxmlformats.org/drawingml/2006/chart" xmlns:dgm="http://schemas.openxmlformats.org/drawingml/2006/diagram" xmlns:o="urn:schemas-microsoft-com:office:office" xmlns:v="urn:schemas-microsoft-com:vml" xmlns:pvml="urn:schemas-microsoft-com:office:powerpoint" xmlns:com="http://schemas.openxmlformats.org/drawingml/2006/compatibility" xmlns:p14="http://schemas.microsoft.com/office/powerpoint/2010/main" xmlns:p15="http://schemas.microsoft.com/office/powerpoint/2012/main" showMasterPhAnim="0" showMasterSp="0">
+<p:notes xmlns:a="http://schemas.openxmlformats.org/drawingml/2006/main" xmlns:r="http://schemas.openxmlformats.org/officeDocument/2006/relationships" xmlns:p="http://schemas.openxmlformats.org/presentationml/2006/main" showMasterSp="0" showMasterPhAnim="0">
   <p:cSld>
     <p:spTree>
       <p:nvGrpSpPr>
-        <p:cNvPr id="106" name="Shape 106"/>
+        <p:cNvPr id="1" name="Shape 106"/>
         <p:cNvGrpSpPr/>
         <p:nvPr/>
       </p:nvGrpSpPr>
@@ -1013,9 +1048,11 @@
       <p:sp>
         <p:nvSpPr>
           <p:cNvPr id="107" name="Google Shape;107;g4fd399032c_0_38:notes"/>
-          <p:cNvSpPr/>
+          <p:cNvSpPr>
+            <a:spLocks noGrp="1" noRot="1" noChangeAspect="1"/>
+          </p:cNvSpPr>
           <p:nvPr>
-            <p:ph idx="2" type="sldImg"/>
+            <p:ph type="sldImg" idx="2"/>
           </p:nvPr>
         </p:nvSpPr>
         <p:spPr>
@@ -1024,9 +1061,13 @@
             <a:ext cx="6096000" cy="3429000"/>
           </a:xfrm>
           <a:custGeom>
-            <a:rect b="b" l="l" r="r" t="t"/>
+            <a:avLst/>
+            <a:gdLst/>
+            <a:ahLst/>
+            <a:cxnLst/>
+            <a:rect l="l" t="t" r="r" b="b"/>
             <a:pathLst>
-              <a:path extrusionOk="0" h="120000" w="120000">
+              <a:path w="120000" h="120000" extrusionOk="0">
                 <a:moveTo>
                   <a:pt x="0" y="0"/>
                 </a:moveTo>
@@ -1048,9 +1089,11 @@
       <p:sp>
         <p:nvSpPr>
           <p:cNvPr id="108" name="Google Shape;108;g4fd399032c_0_38:notes"/>
-          <p:cNvSpPr txBox="1"/>
+          <p:cNvSpPr txBox="1">
+            <a:spLocks noGrp="1"/>
+          </p:cNvSpPr>
           <p:nvPr>
-            <p:ph idx="1" type="body"/>
+            <p:ph type="body" idx="1"/>
           </p:nvPr>
         </p:nvSpPr>
         <p:spPr>
@@ -1063,12 +1106,12 @@
           </a:prstGeom>
         </p:spPr>
         <p:txBody>
-          <a:bodyPr anchorCtr="0" anchor="t" bIns="91425" lIns="91425" spcFirstLastPara="1" rIns="91425" wrap="square" tIns="91425">
+          <a:bodyPr spcFirstLastPara="1" wrap="square" lIns="91425" tIns="91425" rIns="91425" bIns="91425" anchor="t" anchorCtr="0">
             <a:noAutofit/>
           </a:bodyPr>
           <a:lstStyle/>
           <a:p>
-            <a:pPr indent="0" lvl="0" marL="0" rtl="0" algn="l">
+            <a:pPr marL="0" lvl="0" indent="0" algn="l" rtl="0">
               <a:spcBef>
                 <a:spcPts val="0"/>
               </a:spcBef>
@@ -1077,9 +1120,6 @@
               </a:spcAft>
               <a:buNone/>
             </a:pPr>
-            <a:r>
-              <a:t/>
-            </a:r>
             <a:endParaRPr/>
           </a:p>
         </p:txBody>
@@ -1093,11 +1133,11 @@
 </file>
 
 <file path=ppt/notesSlides/notesSlide5.xml><?xml version="1.0" encoding="utf-8"?>
-<p:notes xmlns:a="http://schemas.openxmlformats.org/drawingml/2006/main" xmlns:r="http://schemas.openxmlformats.org/officeDocument/2006/relationships" xmlns:mc="http://schemas.openxmlformats.org/markup-compatibility/2006" xmlns:mv="urn:schemas-microsoft-com:mac:vml" xmlns:p="http://schemas.openxmlformats.org/presentationml/2006/main" xmlns:c="http://schemas.openxmlformats.org/drawingml/2006/chart" xmlns:dgm="http://schemas.openxmlformats.org/drawingml/2006/diagram" xmlns:o="urn:schemas-microsoft-com:office:office" xmlns:v="urn:schemas-microsoft-com:vml" xmlns:pvml="urn:schemas-microsoft-com:office:powerpoint" xmlns:com="http://schemas.openxmlformats.org/drawingml/2006/compatibility" xmlns:p14="http://schemas.microsoft.com/office/powerpoint/2010/main" xmlns:p15="http://schemas.microsoft.com/office/powerpoint/2012/main" showMasterPhAnim="0" showMasterSp="0">
+<p:notes xmlns:a="http://schemas.openxmlformats.org/drawingml/2006/main" xmlns:r="http://schemas.openxmlformats.org/officeDocument/2006/relationships" xmlns:p="http://schemas.openxmlformats.org/presentationml/2006/main" showMasterSp="0" showMasterPhAnim="0">
   <p:cSld>
     <p:spTree>
       <p:nvGrpSpPr>
-        <p:cNvPr id="117" name="Shape 117"/>
+        <p:cNvPr id="1" name="Shape 117"/>
         <p:cNvGrpSpPr/>
         <p:nvPr/>
       </p:nvGrpSpPr>
@@ -1112,9 +1152,11 @@
       <p:sp>
         <p:nvSpPr>
           <p:cNvPr id="118" name="Google Shape;118;g51fd60ad2c_0_15:notes"/>
-          <p:cNvSpPr/>
+          <p:cNvSpPr>
+            <a:spLocks noGrp="1" noRot="1" noChangeAspect="1"/>
+          </p:cNvSpPr>
           <p:nvPr>
-            <p:ph idx="2" type="sldImg"/>
+            <p:ph type="sldImg" idx="2"/>
           </p:nvPr>
         </p:nvSpPr>
         <p:spPr>
@@ -1123,9 +1165,13 @@
             <a:ext cx="6096000" cy="3429000"/>
           </a:xfrm>
           <a:custGeom>
-            <a:rect b="b" l="l" r="r" t="t"/>
+            <a:avLst/>
+            <a:gdLst/>
+            <a:ahLst/>
+            <a:cxnLst/>
+            <a:rect l="l" t="t" r="r" b="b"/>
             <a:pathLst>
-              <a:path extrusionOk="0" h="120000" w="120000">
+              <a:path w="120000" h="120000" extrusionOk="0">
                 <a:moveTo>
                   <a:pt x="0" y="0"/>
                 </a:moveTo>
@@ -1147,9 +1193,11 @@
       <p:sp>
         <p:nvSpPr>
           <p:cNvPr id="119" name="Google Shape;119;g51fd60ad2c_0_15:notes"/>
-          <p:cNvSpPr txBox="1"/>
+          <p:cNvSpPr txBox="1">
+            <a:spLocks noGrp="1"/>
+          </p:cNvSpPr>
           <p:nvPr>
-            <p:ph idx="1" type="body"/>
+            <p:ph type="body" idx="1"/>
           </p:nvPr>
         </p:nvSpPr>
         <p:spPr>
@@ -1162,12 +1210,12 @@
           </a:prstGeom>
         </p:spPr>
         <p:txBody>
-          <a:bodyPr anchorCtr="0" anchor="t" bIns="91425" lIns="91425" spcFirstLastPara="1" rIns="91425" wrap="square" tIns="91425">
+          <a:bodyPr spcFirstLastPara="1" wrap="square" lIns="91425" tIns="91425" rIns="91425" bIns="91425" anchor="t" anchorCtr="0">
             <a:noAutofit/>
           </a:bodyPr>
           <a:lstStyle/>
           <a:p>
-            <a:pPr indent="0" lvl="0" marL="0" rtl="0" algn="l">
+            <a:pPr marL="0" lvl="0" indent="0" algn="l" rtl="0">
               <a:spcBef>
                 <a:spcPts val="0"/>
               </a:spcBef>
@@ -1176,9 +1224,6 @@
               </a:spcAft>
               <a:buNone/>
             </a:pPr>
-            <a:r>
-              <a:t/>
-            </a:r>
             <a:endParaRPr/>
           </a:p>
         </p:txBody>
@@ -1192,11 +1237,11 @@
 </file>
 
 <file path=ppt/notesSlides/notesSlide6.xml><?xml version="1.0" encoding="utf-8"?>
-<p:notes xmlns:a="http://schemas.openxmlformats.org/drawingml/2006/main" xmlns:r="http://schemas.openxmlformats.org/officeDocument/2006/relationships" xmlns:mc="http://schemas.openxmlformats.org/markup-compatibility/2006" xmlns:mv="urn:schemas-microsoft-com:mac:vml" xmlns:p="http://schemas.openxmlformats.org/presentationml/2006/main" xmlns:c="http://schemas.openxmlformats.org/drawingml/2006/chart" xmlns:dgm="http://schemas.openxmlformats.org/drawingml/2006/diagram" xmlns:o="urn:schemas-microsoft-com:office:office" xmlns:v="urn:schemas-microsoft-com:vml" xmlns:pvml="urn:schemas-microsoft-com:office:powerpoint" xmlns:com="http://schemas.openxmlformats.org/drawingml/2006/compatibility" xmlns:p14="http://schemas.microsoft.com/office/powerpoint/2010/main" xmlns:p15="http://schemas.microsoft.com/office/powerpoint/2012/main" showMasterPhAnim="0" showMasterSp="0">
+<p:notes xmlns:a="http://schemas.openxmlformats.org/drawingml/2006/main" xmlns:r="http://schemas.openxmlformats.org/officeDocument/2006/relationships" xmlns:p="http://schemas.openxmlformats.org/presentationml/2006/main" showMasterSp="0" showMasterPhAnim="0">
   <p:cSld>
     <p:spTree>
       <p:nvGrpSpPr>
-        <p:cNvPr id="130" name="Shape 130"/>
+        <p:cNvPr id="1" name="Shape 130"/>
         <p:cNvGrpSpPr/>
         <p:nvPr/>
       </p:nvGrpSpPr>
@@ -1211,9 +1256,11 @@
       <p:sp>
         <p:nvSpPr>
           <p:cNvPr id="131" name="Google Shape;131;g4fd399032c_0_52:notes"/>
-          <p:cNvSpPr/>
+          <p:cNvSpPr>
+            <a:spLocks noGrp="1" noRot="1" noChangeAspect="1"/>
+          </p:cNvSpPr>
           <p:nvPr>
-            <p:ph idx="2" type="sldImg"/>
+            <p:ph type="sldImg" idx="2"/>
           </p:nvPr>
         </p:nvSpPr>
         <p:spPr>
@@ -1222,9 +1269,13 @@
             <a:ext cx="6096000" cy="3429000"/>
           </a:xfrm>
           <a:custGeom>
-            <a:rect b="b" l="l" r="r" t="t"/>
+            <a:avLst/>
+            <a:gdLst/>
+            <a:ahLst/>
+            <a:cxnLst/>
+            <a:rect l="l" t="t" r="r" b="b"/>
             <a:pathLst>
-              <a:path extrusionOk="0" h="120000" w="120000">
+              <a:path w="120000" h="120000" extrusionOk="0">
                 <a:moveTo>
                   <a:pt x="0" y="0"/>
                 </a:moveTo>
@@ -1246,9 +1297,11 @@
       <p:sp>
         <p:nvSpPr>
           <p:cNvPr id="132" name="Google Shape;132;g4fd399032c_0_52:notes"/>
-          <p:cNvSpPr txBox="1"/>
+          <p:cNvSpPr txBox="1">
+            <a:spLocks noGrp="1"/>
+          </p:cNvSpPr>
           <p:nvPr>
-            <p:ph idx="1" type="body"/>
+            <p:ph type="body" idx="1"/>
           </p:nvPr>
         </p:nvSpPr>
         <p:spPr>
@@ -1261,12 +1314,12 @@
           </a:prstGeom>
         </p:spPr>
         <p:txBody>
-          <a:bodyPr anchorCtr="0" anchor="t" bIns="91425" lIns="91425" spcFirstLastPara="1" rIns="91425" wrap="square" tIns="91425">
+          <a:bodyPr spcFirstLastPara="1" wrap="square" lIns="91425" tIns="91425" rIns="91425" bIns="91425" anchor="t" anchorCtr="0">
             <a:noAutofit/>
           </a:bodyPr>
           <a:lstStyle/>
           <a:p>
-            <a:pPr indent="0" lvl="0" marL="0" rtl="0" algn="l">
+            <a:pPr marL="0" lvl="0" indent="0" algn="l" rtl="0">
               <a:spcBef>
                 <a:spcPts val="0"/>
               </a:spcBef>
@@ -1275,9 +1328,6 @@
               </a:spcAft>
               <a:buNone/>
             </a:pPr>
-            <a:r>
-              <a:t/>
-            </a:r>
             <a:endParaRPr/>
           </a:p>
         </p:txBody>
@@ -1291,11 +1341,11 @@
 </file>
 
 <file path=ppt/notesSlides/notesSlide7.xml><?xml version="1.0" encoding="utf-8"?>
-<p:notes xmlns:a="http://schemas.openxmlformats.org/drawingml/2006/main" xmlns:r="http://schemas.openxmlformats.org/officeDocument/2006/relationships" xmlns:mc="http://schemas.openxmlformats.org/markup-compatibility/2006" xmlns:mv="urn:schemas-microsoft-com:mac:vml" xmlns:p="http://schemas.openxmlformats.org/presentationml/2006/main" xmlns:c="http://schemas.openxmlformats.org/drawingml/2006/chart" xmlns:dgm="http://schemas.openxmlformats.org/drawingml/2006/diagram" xmlns:o="urn:schemas-microsoft-com:office:office" xmlns:v="urn:schemas-microsoft-com:vml" xmlns:pvml="urn:schemas-microsoft-com:office:powerpoint" xmlns:com="http://schemas.openxmlformats.org/drawingml/2006/compatibility" xmlns:p14="http://schemas.microsoft.com/office/powerpoint/2010/main" xmlns:p15="http://schemas.microsoft.com/office/powerpoint/2012/main" showMasterPhAnim="0" showMasterSp="0">
+<p:notes xmlns:a="http://schemas.openxmlformats.org/drawingml/2006/main" xmlns:r="http://schemas.openxmlformats.org/officeDocument/2006/relationships" xmlns:p="http://schemas.openxmlformats.org/presentationml/2006/main" showMasterSp="0" showMasterPhAnim="0">
   <p:cSld>
     <p:spTree>
       <p:nvGrpSpPr>
-        <p:cNvPr id="144" name="Shape 144"/>
+        <p:cNvPr id="1" name="Shape 144"/>
         <p:cNvGrpSpPr/>
         <p:nvPr/>
       </p:nvGrpSpPr>
@@ -1310,9 +1360,11 @@
       <p:sp>
         <p:nvSpPr>
           <p:cNvPr id="145" name="Google Shape;145;g4fd399032c_0_64:notes"/>
-          <p:cNvSpPr/>
+          <p:cNvSpPr>
+            <a:spLocks noGrp="1" noRot="1" noChangeAspect="1"/>
+          </p:cNvSpPr>
           <p:nvPr>
-            <p:ph idx="2" type="sldImg"/>
+            <p:ph type="sldImg" idx="2"/>
           </p:nvPr>
         </p:nvSpPr>
         <p:spPr>
@@ -1321,9 +1373,13 @@
             <a:ext cx="6096000" cy="3429000"/>
           </a:xfrm>
           <a:custGeom>
-            <a:rect b="b" l="l" r="r" t="t"/>
+            <a:avLst/>
+            <a:gdLst/>
+            <a:ahLst/>
+            <a:cxnLst/>
+            <a:rect l="l" t="t" r="r" b="b"/>
             <a:pathLst>
-              <a:path extrusionOk="0" h="120000" w="120000">
+              <a:path w="120000" h="120000" extrusionOk="0">
                 <a:moveTo>
                   <a:pt x="0" y="0"/>
                 </a:moveTo>
@@ -1345,9 +1401,11 @@
       <p:sp>
         <p:nvSpPr>
           <p:cNvPr id="146" name="Google Shape;146;g4fd399032c_0_64:notes"/>
-          <p:cNvSpPr txBox="1"/>
+          <p:cNvSpPr txBox="1">
+            <a:spLocks noGrp="1"/>
+          </p:cNvSpPr>
           <p:nvPr>
-            <p:ph idx="1" type="body"/>
+            <p:ph type="body" idx="1"/>
           </p:nvPr>
         </p:nvSpPr>
         <p:spPr>
@@ -1360,12 +1418,12 @@
           </a:prstGeom>
         </p:spPr>
         <p:txBody>
-          <a:bodyPr anchorCtr="0" anchor="t" bIns="91425" lIns="91425" spcFirstLastPara="1" rIns="91425" wrap="square" tIns="91425">
+          <a:bodyPr spcFirstLastPara="1" wrap="square" lIns="91425" tIns="91425" rIns="91425" bIns="91425" anchor="t" anchorCtr="0">
             <a:noAutofit/>
           </a:bodyPr>
           <a:lstStyle/>
           <a:p>
-            <a:pPr indent="0" lvl="0" marL="0" rtl="0" algn="l">
+            <a:pPr marL="0" lvl="0" indent="0" algn="l" rtl="0">
               <a:spcBef>
                 <a:spcPts val="0"/>
               </a:spcBef>
@@ -1391,11 +1449,11 @@
 </file>
 
 <file path=ppt/notesSlides/notesSlide8.xml><?xml version="1.0" encoding="utf-8"?>
-<p:notes xmlns:a="http://schemas.openxmlformats.org/drawingml/2006/main" xmlns:r="http://schemas.openxmlformats.org/officeDocument/2006/relationships" xmlns:mc="http://schemas.openxmlformats.org/markup-compatibility/2006" xmlns:mv="urn:schemas-microsoft-com:mac:vml" xmlns:p="http://schemas.openxmlformats.org/presentationml/2006/main" xmlns:c="http://schemas.openxmlformats.org/drawingml/2006/chart" xmlns:dgm="http://schemas.openxmlformats.org/drawingml/2006/diagram" xmlns:o="urn:schemas-microsoft-com:office:office" xmlns:v="urn:schemas-microsoft-com:vml" xmlns:pvml="urn:schemas-microsoft-com:office:powerpoint" xmlns:com="http://schemas.openxmlformats.org/drawingml/2006/compatibility" xmlns:p14="http://schemas.microsoft.com/office/powerpoint/2010/main" xmlns:p15="http://schemas.microsoft.com/office/powerpoint/2012/main" showMasterPhAnim="0" showMasterSp="0">
+<p:notes xmlns:a="http://schemas.openxmlformats.org/drawingml/2006/main" xmlns:r="http://schemas.openxmlformats.org/officeDocument/2006/relationships" xmlns:p="http://schemas.openxmlformats.org/presentationml/2006/main" showMasterSp="0" showMasterPhAnim="0">
   <p:cSld>
     <p:spTree>
       <p:nvGrpSpPr>
-        <p:cNvPr id="155" name="Shape 155"/>
+        <p:cNvPr id="1" name="Shape 155"/>
         <p:cNvGrpSpPr/>
         <p:nvPr/>
       </p:nvGrpSpPr>
@@ -1410,9 +1468,11 @@
       <p:sp>
         <p:nvSpPr>
           <p:cNvPr id="156" name="Google Shape;156;g51fd60ad2c_0_35:notes"/>
-          <p:cNvSpPr/>
+          <p:cNvSpPr>
+            <a:spLocks noGrp="1" noRot="1" noChangeAspect="1"/>
+          </p:cNvSpPr>
           <p:nvPr>
-            <p:ph idx="2" type="sldImg"/>
+            <p:ph type="sldImg" idx="2"/>
           </p:nvPr>
         </p:nvSpPr>
         <p:spPr>
@@ -1421,9 +1481,13 @@
             <a:ext cx="6096000" cy="3429000"/>
           </a:xfrm>
           <a:custGeom>
-            <a:rect b="b" l="l" r="r" t="t"/>
+            <a:avLst/>
+            <a:gdLst/>
+            <a:ahLst/>
+            <a:cxnLst/>
+            <a:rect l="l" t="t" r="r" b="b"/>
             <a:pathLst>
-              <a:path extrusionOk="0" h="120000" w="120000">
+              <a:path w="120000" h="120000" extrusionOk="0">
                 <a:moveTo>
                   <a:pt x="0" y="0"/>
                 </a:moveTo>
@@ -1445,9 +1509,11 @@
       <p:sp>
         <p:nvSpPr>
           <p:cNvPr id="157" name="Google Shape;157;g51fd60ad2c_0_35:notes"/>
-          <p:cNvSpPr txBox="1"/>
+          <p:cNvSpPr txBox="1">
+            <a:spLocks noGrp="1"/>
+          </p:cNvSpPr>
           <p:nvPr>
-            <p:ph idx="1" type="body"/>
+            <p:ph type="body" idx="1"/>
           </p:nvPr>
         </p:nvSpPr>
         <p:spPr>
@@ -1460,12 +1526,12 @@
           </a:prstGeom>
         </p:spPr>
         <p:txBody>
-          <a:bodyPr anchorCtr="0" anchor="t" bIns="91425" lIns="91425" spcFirstLastPara="1" rIns="91425" wrap="square" tIns="91425">
+          <a:bodyPr spcFirstLastPara="1" wrap="square" lIns="91425" tIns="91425" rIns="91425" bIns="91425" anchor="t" anchorCtr="0">
             <a:noAutofit/>
           </a:bodyPr>
           <a:lstStyle/>
           <a:p>
-            <a:pPr indent="0" lvl="0" marL="0" rtl="0" algn="l">
+            <a:pPr marL="0" lvl="0" indent="0" algn="l" rtl="0">
               <a:spcBef>
                 <a:spcPts val="0"/>
               </a:spcBef>
@@ -1491,11 +1557,11 @@
 </file>
 
 <file path=ppt/notesSlides/notesSlide9.xml><?xml version="1.0" encoding="utf-8"?>
-<p:notes xmlns:a="http://schemas.openxmlformats.org/drawingml/2006/main" xmlns:r="http://schemas.openxmlformats.org/officeDocument/2006/relationships" xmlns:mc="http://schemas.openxmlformats.org/markup-compatibility/2006" xmlns:mv="urn:schemas-microsoft-com:mac:vml" xmlns:p="http://schemas.openxmlformats.org/presentationml/2006/main" xmlns:c="http://schemas.openxmlformats.org/drawingml/2006/chart" xmlns:dgm="http://schemas.openxmlformats.org/drawingml/2006/diagram" xmlns:o="urn:schemas-microsoft-com:office:office" xmlns:v="urn:schemas-microsoft-com:vml" xmlns:pvml="urn:schemas-microsoft-com:office:powerpoint" xmlns:com="http://schemas.openxmlformats.org/drawingml/2006/compatibility" xmlns:p14="http://schemas.microsoft.com/office/powerpoint/2010/main" xmlns:p15="http://schemas.microsoft.com/office/powerpoint/2012/main" showMasterPhAnim="0" showMasterSp="0">
+<p:notes xmlns:a="http://schemas.openxmlformats.org/drawingml/2006/main" xmlns:r="http://schemas.openxmlformats.org/officeDocument/2006/relationships" xmlns:p="http://schemas.openxmlformats.org/presentationml/2006/main" showMasterSp="0" showMasterPhAnim="0">
   <p:cSld>
     <p:spTree>
       <p:nvGrpSpPr>
-        <p:cNvPr id="169" name="Shape 169"/>
+        <p:cNvPr id="1" name="Shape 169"/>
         <p:cNvGrpSpPr/>
         <p:nvPr/>
       </p:nvGrpSpPr>
@@ -1510,9 +1576,11 @@
       <p:sp>
         <p:nvSpPr>
           <p:cNvPr id="170" name="Google Shape;170;g51ff0c03b2_1_8:notes"/>
-          <p:cNvSpPr/>
+          <p:cNvSpPr>
+            <a:spLocks noGrp="1" noRot="1" noChangeAspect="1"/>
+          </p:cNvSpPr>
           <p:nvPr>
-            <p:ph idx="2" type="sldImg"/>
+            <p:ph type="sldImg" idx="2"/>
           </p:nvPr>
         </p:nvSpPr>
         <p:spPr>
@@ -1521,9 +1589,13 @@
             <a:ext cx="6096000" cy="3429000"/>
           </a:xfrm>
           <a:custGeom>
-            <a:rect b="b" l="l" r="r" t="t"/>
+            <a:avLst/>
+            <a:gdLst/>
+            <a:ahLst/>
+            <a:cxnLst/>
+            <a:rect l="l" t="t" r="r" b="b"/>
             <a:pathLst>
-              <a:path extrusionOk="0" h="120000" w="120000">
+              <a:path w="120000" h="120000" extrusionOk="0">
                 <a:moveTo>
                   <a:pt x="0" y="0"/>
                 </a:moveTo>
@@ -1545,9 +1617,11 @@
       <p:sp>
         <p:nvSpPr>
           <p:cNvPr id="171" name="Google Shape;171;g51ff0c03b2_1_8:notes"/>
-          <p:cNvSpPr txBox="1"/>
+          <p:cNvSpPr txBox="1">
+            <a:spLocks noGrp="1"/>
+          </p:cNvSpPr>
           <p:nvPr>
-            <p:ph idx="1" type="body"/>
+            <p:ph type="body" idx="1"/>
           </p:nvPr>
         </p:nvSpPr>
         <p:spPr>
@@ -1560,12 +1634,12 @@
           </a:prstGeom>
         </p:spPr>
         <p:txBody>
-          <a:bodyPr anchorCtr="0" anchor="t" bIns="91425" lIns="91425" spcFirstLastPara="1" rIns="91425" wrap="square" tIns="91425">
+          <a:bodyPr spcFirstLastPara="1" wrap="square" lIns="91425" tIns="91425" rIns="91425" bIns="91425" anchor="t" anchorCtr="0">
             <a:noAutofit/>
           </a:bodyPr>
           <a:lstStyle/>
           <a:p>
-            <a:pPr indent="0" lvl="0" marL="0" rtl="0" algn="l">
+            <a:pPr marL="0" lvl="0" indent="0" algn="l" rtl="0">
               <a:spcBef>
                 <a:spcPts val="0"/>
               </a:spcBef>
@@ -1591,11 +1665,11 @@
 </file>
 
 <file path=ppt/slideLayouts/slideLayout1.xml><?xml version="1.0" encoding="utf-8"?>
-<p:sldLayout xmlns:a="http://schemas.openxmlformats.org/drawingml/2006/main" xmlns:r="http://schemas.openxmlformats.org/officeDocument/2006/relationships" xmlns:mc="http://schemas.openxmlformats.org/markup-compatibility/2006" xmlns:mv="urn:schemas-microsoft-com:mac:vml" xmlns:p="http://schemas.openxmlformats.org/presentationml/2006/main" xmlns:c="http://schemas.openxmlformats.org/drawingml/2006/chart" xmlns:dgm="http://schemas.openxmlformats.org/drawingml/2006/diagram" xmlns:o="urn:schemas-microsoft-com:office:office" xmlns:v="urn:schemas-microsoft-com:vml" xmlns:pvml="urn:schemas-microsoft-com:office:powerpoint" xmlns:com="http://schemas.openxmlformats.org/drawingml/2006/compatibility" xmlns:p14="http://schemas.microsoft.com/office/powerpoint/2010/main" xmlns:p15="http://schemas.microsoft.com/office/powerpoint/2012/main" matchingName="Title slide" type="title">
+<p:sldLayout xmlns:a="http://schemas.openxmlformats.org/drawingml/2006/main" xmlns:r="http://schemas.openxmlformats.org/officeDocument/2006/relationships" xmlns:p="http://schemas.openxmlformats.org/presentationml/2006/main" matchingName="Title slide" type="title">
   <p:cSld name="TITLE">
     <p:spTree>
       <p:nvGrpSpPr>
-        <p:cNvPr id="9" name="Shape 9"/>
+        <p:cNvPr id="1" name="Shape 9"/>
         <p:cNvGrpSpPr/>
         <p:nvPr/>
       </p:nvGrpSpPr>
@@ -1629,12 +1703,12 @@
           </a:ln>
         </p:spPr>
         <p:txBody>
-          <a:bodyPr anchorCtr="0" anchor="ctr" bIns="91425" lIns="91425" spcFirstLastPara="1" rIns="91425" wrap="square" tIns="91425">
+          <a:bodyPr spcFirstLastPara="1" wrap="square" lIns="91425" tIns="91425" rIns="91425" bIns="91425" anchor="ctr" anchorCtr="0">
             <a:noAutofit/>
           </a:bodyPr>
           <a:lstStyle/>
           <a:p>
-            <a:pPr indent="0" lvl="0" marL="0" rtl="0" algn="l">
+            <a:pPr marL="0" lvl="0" indent="0" algn="l" rtl="0">
               <a:spcBef>
                 <a:spcPts val="0"/>
               </a:spcBef>
@@ -1643,9 +1717,6 @@
               </a:spcAft>
               <a:buNone/>
             </a:pPr>
-            <a:r>
-              <a:t/>
-            </a:r>
             <a:endParaRPr/>
           </a:p>
         </p:txBody>
@@ -1686,12 +1757,12 @@
             </a:ln>
           </p:spPr>
           <p:txBody>
-            <a:bodyPr anchorCtr="0" anchor="ctr" bIns="91425" lIns="91425" spcFirstLastPara="1" rIns="91425" wrap="square" tIns="91425">
+            <a:bodyPr spcFirstLastPara="1" wrap="square" lIns="91425" tIns="91425" rIns="91425" bIns="91425" anchor="ctr" anchorCtr="0">
               <a:noAutofit/>
             </a:bodyPr>
             <a:lstStyle/>
             <a:p>
-              <a:pPr indent="0" lvl="0" marL="0" rtl="0" algn="l">
+              <a:pPr marL="0" lvl="0" indent="0" algn="l" rtl="0">
                 <a:spcBef>
                   <a:spcPts val="0"/>
                 </a:spcBef>
@@ -1700,9 +1771,6 @@
                 </a:spcAft>
                 <a:buNone/>
               </a:pPr>
-              <a:r>
-                <a:t/>
-              </a:r>
               <a:endParaRPr/>
             </a:p>
           </p:txBody>
@@ -1729,12 +1797,12 @@
             </a:ln>
           </p:spPr>
           <p:txBody>
-            <a:bodyPr anchorCtr="0" anchor="ctr" bIns="91425" lIns="91425" spcFirstLastPara="1" rIns="91425" wrap="square" tIns="91425">
+            <a:bodyPr spcFirstLastPara="1" wrap="square" lIns="91425" tIns="91425" rIns="91425" bIns="91425" anchor="ctr" anchorCtr="0">
               <a:noAutofit/>
             </a:bodyPr>
             <a:lstStyle/>
             <a:p>
-              <a:pPr indent="0" lvl="0" marL="0" rtl="0" algn="l">
+              <a:pPr marL="0" lvl="0" indent="0" algn="l" rtl="0">
                 <a:spcBef>
                   <a:spcPts val="0"/>
                 </a:spcBef>
@@ -1743,9 +1811,6 @@
                 </a:spcAft>
                 <a:buNone/>
               </a:pPr>
-              <a:r>
-                <a:t/>
-              </a:r>
               <a:endParaRPr/>
             </a:p>
           </p:txBody>
@@ -1754,7 +1819,9 @@
       <p:sp>
         <p:nvSpPr>
           <p:cNvPr id="14" name="Google Shape;14;p2"/>
-          <p:cNvSpPr txBox="1"/>
+          <p:cNvSpPr txBox="1">
+            <a:spLocks noGrp="1"/>
+          </p:cNvSpPr>
           <p:nvPr>
             <p:ph type="ctrTitle"/>
           </p:nvPr>
@@ -1769,7 +1836,7 @@
           </a:prstGeom>
         </p:spPr>
         <p:txBody>
-          <a:bodyPr anchorCtr="0" anchor="t" bIns="91425" lIns="91425" spcFirstLastPara="1" rIns="91425" wrap="square" tIns="91425"/>
+          <a:bodyPr spcFirstLastPara="1" wrap="square" lIns="91425" tIns="91425" rIns="91425" bIns="91425" anchor="t" anchorCtr="0"/>
           <a:lstStyle>
             <a:lvl1pPr lvl="0">
               <a:spcBef>
@@ -1934,15 +2001,19 @@
               </a:defRPr>
             </a:lvl9pPr>
           </a:lstStyle>
-          <a:p/>
+          <a:p>
+            <a:endParaRPr/>
+          </a:p>
         </p:txBody>
       </p:sp>
       <p:sp>
         <p:nvSpPr>
           <p:cNvPr id="15" name="Google Shape;15;p2"/>
-          <p:cNvSpPr txBox="1"/>
+          <p:cNvSpPr txBox="1">
+            <a:spLocks noGrp="1"/>
+          </p:cNvSpPr>
           <p:nvPr>
-            <p:ph idx="1" type="subTitle"/>
+            <p:ph type="subTitle" idx="1"/>
           </p:nvPr>
         </p:nvSpPr>
         <p:spPr>
@@ -1955,7 +2026,7 @@
           </a:prstGeom>
         </p:spPr>
         <p:txBody>
-          <a:bodyPr anchorCtr="0" anchor="t" bIns="91425" lIns="91425" spcFirstLastPara="1" rIns="91425" wrap="square" tIns="91425"/>
+          <a:bodyPr spcFirstLastPara="1" wrap="square" lIns="91425" tIns="91425" rIns="91425" bIns="91425" anchor="t" anchorCtr="0"/>
           <a:lstStyle>
             <a:lvl1pPr lvl="0">
               <a:lnSpc>
@@ -2084,15 +2155,19 @@
               <a:defRPr sz="1600"/>
             </a:lvl9pPr>
           </a:lstStyle>
-          <a:p/>
+          <a:p>
+            <a:endParaRPr/>
+          </a:p>
         </p:txBody>
       </p:sp>
       <p:sp>
         <p:nvSpPr>
           <p:cNvPr id="16" name="Google Shape;16;p2"/>
-          <p:cNvSpPr txBox="1"/>
+          <p:cNvSpPr txBox="1">
+            <a:spLocks noGrp="1"/>
+          </p:cNvSpPr>
           <p:nvPr>
-            <p:ph idx="12" type="sldNum"/>
+            <p:ph type="sldNum" idx="12"/>
           </p:nvPr>
         </p:nvSpPr>
         <p:spPr>
@@ -2105,7 +2180,7 @@
           </a:prstGeom>
         </p:spPr>
         <p:txBody>
-          <a:bodyPr anchorCtr="0" anchor="ctr" bIns="91425" lIns="91425" spcFirstLastPara="1" rIns="91425" wrap="square" tIns="91425">
+          <a:bodyPr spcFirstLastPara="1" wrap="square" lIns="91425" tIns="91425" rIns="91425" bIns="91425" anchor="ctr" anchorCtr="0">
             <a:noAutofit/>
           </a:bodyPr>
           <a:lstStyle>
@@ -2147,7 +2222,7 @@
             </a:lvl9pPr>
           </a:lstStyle>
           <a:p>
-            <a:pPr indent="0" lvl="0" marL="0" rtl="0" algn="r">
+            <a:pPr marL="0" lvl="0" indent="0" algn="r" rtl="0">
               <a:spcBef>
                 <a:spcPts val="0"/>
               </a:spcBef>
@@ -2173,11 +2248,11 @@
 </file>
 
 <file path=ppt/slideLayouts/slideLayout10.xml><?xml version="1.0" encoding="utf-8"?>
-<p:sldLayout xmlns:a="http://schemas.openxmlformats.org/drawingml/2006/main" xmlns:r="http://schemas.openxmlformats.org/officeDocument/2006/relationships" xmlns:mc="http://schemas.openxmlformats.org/markup-compatibility/2006" xmlns:mv="urn:schemas-microsoft-com:mac:vml" xmlns:p="http://schemas.openxmlformats.org/presentationml/2006/main" xmlns:c="http://schemas.openxmlformats.org/drawingml/2006/chart" xmlns:dgm="http://schemas.openxmlformats.org/drawingml/2006/diagram" xmlns:o="urn:schemas-microsoft-com:office:office" xmlns:v="urn:schemas-microsoft-com:vml" xmlns:pvml="urn:schemas-microsoft-com:office:powerpoint" xmlns:com="http://schemas.openxmlformats.org/drawingml/2006/compatibility" xmlns:p14="http://schemas.microsoft.com/office/powerpoint/2010/main" xmlns:p15="http://schemas.microsoft.com/office/powerpoint/2012/main" matchingName="Big number">
+<p:sldLayout xmlns:a="http://schemas.openxmlformats.org/drawingml/2006/main" xmlns:r="http://schemas.openxmlformats.org/officeDocument/2006/relationships" xmlns:p="http://schemas.openxmlformats.org/presentationml/2006/main" matchingName="Big number">
   <p:cSld name="BIG_NUMBER">
     <p:spTree>
       <p:nvGrpSpPr>
-        <p:cNvPr id="73" name="Shape 73"/>
+        <p:cNvPr id="1" name="Shape 73"/>
         <p:cNvGrpSpPr/>
         <p:nvPr/>
       </p:nvGrpSpPr>
@@ -2225,12 +2300,12 @@
             </a:ln>
           </p:spPr>
           <p:txBody>
-            <a:bodyPr anchorCtr="0" anchor="ctr" bIns="91425" lIns="91425" spcFirstLastPara="1" rIns="91425" wrap="square" tIns="91425">
+            <a:bodyPr spcFirstLastPara="1" wrap="square" lIns="91425" tIns="91425" rIns="91425" bIns="91425" anchor="ctr" anchorCtr="0">
               <a:noAutofit/>
             </a:bodyPr>
             <a:lstStyle/>
             <a:p>
-              <a:pPr indent="0" lvl="0" marL="0" rtl="0" algn="l">
+              <a:pPr marL="0" lvl="0" indent="0" algn="l" rtl="0">
                 <a:spcBef>
                   <a:spcPts val="0"/>
                 </a:spcBef>
@@ -2239,9 +2314,6 @@
                 </a:spcAft>
                 <a:buNone/>
               </a:pPr>
-              <a:r>
-                <a:t/>
-              </a:r>
               <a:endParaRPr/>
             </a:p>
           </p:txBody>
@@ -2268,12 +2340,12 @@
             </a:ln>
           </p:spPr>
           <p:txBody>
-            <a:bodyPr anchorCtr="0" anchor="ctr" bIns="91425" lIns="91425" spcFirstLastPara="1" rIns="91425" wrap="square" tIns="91425">
+            <a:bodyPr spcFirstLastPara="1" wrap="square" lIns="91425" tIns="91425" rIns="91425" bIns="91425" anchor="ctr" anchorCtr="0">
               <a:noAutofit/>
             </a:bodyPr>
             <a:lstStyle/>
             <a:p>
-              <a:pPr indent="0" lvl="0" marL="0" rtl="0" algn="l">
+              <a:pPr marL="0" lvl="0" indent="0" algn="l" rtl="0">
                 <a:spcBef>
                   <a:spcPts val="0"/>
                 </a:spcBef>
@@ -2282,9 +2354,6 @@
                 </a:spcAft>
                 <a:buNone/>
               </a:pPr>
-              <a:r>
-                <a:t/>
-              </a:r>
               <a:endParaRPr/>
             </a:p>
           </p:txBody>
@@ -2293,9 +2362,11 @@
       <p:sp>
         <p:nvSpPr>
           <p:cNvPr id="77" name="Google Shape;77;p11"/>
-          <p:cNvSpPr txBox="1"/>
+          <p:cNvSpPr txBox="1">
+            <a:spLocks noGrp="1"/>
+          </p:cNvSpPr>
           <p:nvPr>
-            <p:ph hasCustomPrompt="1" type="title"/>
+            <p:ph type="title" hasCustomPrompt="1"/>
           </p:nvPr>
         </p:nvSpPr>
         <p:spPr>
@@ -2308,7 +2379,7 @@
           </a:prstGeom>
         </p:spPr>
         <p:txBody>
-          <a:bodyPr anchorCtr="0" anchor="t" bIns="91425" lIns="91425" spcFirstLastPara="1" rIns="91425" wrap="square" tIns="91425"/>
+          <a:bodyPr spcFirstLastPara="1" wrap="square" lIns="91425" tIns="91425" rIns="91425" bIns="91425" anchor="t" anchorCtr="0"/>
           <a:lstStyle>
             <a:lvl1pPr lvl="0">
               <a:spcBef>
@@ -2483,9 +2554,11 @@
       <p:sp>
         <p:nvSpPr>
           <p:cNvPr id="78" name="Google Shape;78;p11"/>
-          <p:cNvSpPr txBox="1"/>
+          <p:cNvSpPr txBox="1">
+            <a:spLocks noGrp="1"/>
+          </p:cNvSpPr>
           <p:nvPr>
-            <p:ph idx="1" type="body"/>
+            <p:ph type="body" idx="1"/>
           </p:nvPr>
         </p:nvSpPr>
         <p:spPr>
@@ -2498,9 +2571,9 @@
           </a:prstGeom>
         </p:spPr>
         <p:txBody>
-          <a:bodyPr anchorCtr="0" anchor="t" bIns="91425" lIns="91425" spcFirstLastPara="1" rIns="91425" wrap="square" tIns="91425"/>
+          <a:bodyPr spcFirstLastPara="1" wrap="square" lIns="91425" tIns="91425" rIns="91425" bIns="91425" anchor="t" anchorCtr="0"/>
           <a:lstStyle>
-            <a:lvl1pPr indent="-311150" lvl="0" marL="457200">
+            <a:lvl1pPr marL="457200" lvl="0" indent="-311150">
               <a:spcBef>
                 <a:spcPts val="0"/>
               </a:spcBef>
@@ -2518,7 +2591,7 @@
                 </a:solidFill>
               </a:defRPr>
             </a:lvl1pPr>
-            <a:lvl2pPr indent="-298450" lvl="1" marL="914400">
+            <a:lvl2pPr marL="914400" lvl="1" indent="-298450">
               <a:spcBef>
                 <a:spcPts val="1600"/>
               </a:spcBef>
@@ -2536,7 +2609,7 @@
                 </a:solidFill>
               </a:defRPr>
             </a:lvl2pPr>
-            <a:lvl3pPr indent="-298450" lvl="2" marL="1371600">
+            <a:lvl3pPr marL="1371600" lvl="2" indent="-298450">
               <a:spcBef>
                 <a:spcPts val="1600"/>
               </a:spcBef>
@@ -2554,7 +2627,7 @@
                 </a:solidFill>
               </a:defRPr>
             </a:lvl3pPr>
-            <a:lvl4pPr indent="-298450" lvl="3" marL="1828800">
+            <a:lvl4pPr marL="1828800" lvl="3" indent="-298450">
               <a:spcBef>
                 <a:spcPts val="1600"/>
               </a:spcBef>
@@ -2572,7 +2645,7 @@
                 </a:solidFill>
               </a:defRPr>
             </a:lvl4pPr>
-            <a:lvl5pPr indent="-298450" lvl="4" marL="2286000">
+            <a:lvl5pPr marL="2286000" lvl="4" indent="-298450">
               <a:spcBef>
                 <a:spcPts val="1600"/>
               </a:spcBef>
@@ -2590,7 +2663,7 @@
                 </a:solidFill>
               </a:defRPr>
             </a:lvl5pPr>
-            <a:lvl6pPr indent="-298450" lvl="5" marL="2743200">
+            <a:lvl6pPr marL="2743200" lvl="5" indent="-298450">
               <a:spcBef>
                 <a:spcPts val="1600"/>
               </a:spcBef>
@@ -2608,7 +2681,7 @@
                 </a:solidFill>
               </a:defRPr>
             </a:lvl6pPr>
-            <a:lvl7pPr indent="-298450" lvl="6" marL="3200400">
+            <a:lvl7pPr marL="3200400" lvl="6" indent="-298450">
               <a:spcBef>
                 <a:spcPts val="1600"/>
               </a:spcBef>
@@ -2626,7 +2699,7 @@
                 </a:solidFill>
               </a:defRPr>
             </a:lvl7pPr>
-            <a:lvl8pPr indent="-298450" lvl="7" marL="3657600">
+            <a:lvl8pPr marL="3657600" lvl="7" indent="-298450">
               <a:spcBef>
                 <a:spcPts val="1600"/>
               </a:spcBef>
@@ -2644,7 +2717,7 @@
                 </a:solidFill>
               </a:defRPr>
             </a:lvl8pPr>
-            <a:lvl9pPr indent="-298450" lvl="8" marL="4114800">
+            <a:lvl9pPr marL="4114800" lvl="8" indent="-298450">
               <a:spcBef>
                 <a:spcPts val="1600"/>
               </a:spcBef>
@@ -2663,15 +2736,19 @@
               </a:defRPr>
             </a:lvl9pPr>
           </a:lstStyle>
-          <a:p/>
+          <a:p>
+            <a:endParaRPr/>
+          </a:p>
         </p:txBody>
       </p:sp>
       <p:sp>
         <p:nvSpPr>
           <p:cNvPr id="79" name="Google Shape;79;p11"/>
-          <p:cNvSpPr txBox="1"/>
+          <p:cNvSpPr txBox="1">
+            <a:spLocks noGrp="1"/>
+          </p:cNvSpPr>
           <p:nvPr>
-            <p:ph idx="12" type="sldNum"/>
+            <p:ph type="sldNum" idx="12"/>
           </p:nvPr>
         </p:nvSpPr>
         <p:spPr>
@@ -2684,7 +2761,7 @@
           </a:prstGeom>
         </p:spPr>
         <p:txBody>
-          <a:bodyPr anchorCtr="0" anchor="ctr" bIns="91425" lIns="91425" spcFirstLastPara="1" rIns="91425" wrap="square" tIns="91425">
+          <a:bodyPr spcFirstLastPara="1" wrap="square" lIns="91425" tIns="91425" rIns="91425" bIns="91425" anchor="ctr" anchorCtr="0">
             <a:noAutofit/>
           </a:bodyPr>
           <a:lstStyle>
@@ -2762,7 +2839,7 @@
             </a:lvl9pPr>
           </a:lstStyle>
           <a:p>
-            <a:pPr indent="0" lvl="0" marL="0" rtl="0" algn="r">
+            <a:pPr marL="0" lvl="0" indent="0" algn="r" rtl="0">
               <a:spcBef>
                 <a:spcPts val="0"/>
               </a:spcBef>
@@ -2788,11 +2865,11 @@
 </file>
 
 <file path=ppt/slideLayouts/slideLayout11.xml><?xml version="1.0" encoding="utf-8"?>
-<p:sldLayout xmlns:a="http://schemas.openxmlformats.org/drawingml/2006/main" xmlns:r="http://schemas.openxmlformats.org/officeDocument/2006/relationships" xmlns:mc="http://schemas.openxmlformats.org/markup-compatibility/2006" xmlns:mv="urn:schemas-microsoft-com:mac:vml" xmlns:p="http://schemas.openxmlformats.org/presentationml/2006/main" xmlns:c="http://schemas.openxmlformats.org/drawingml/2006/chart" xmlns:dgm="http://schemas.openxmlformats.org/drawingml/2006/diagram" xmlns:o="urn:schemas-microsoft-com:office:office" xmlns:v="urn:schemas-microsoft-com:vml" xmlns:pvml="urn:schemas-microsoft-com:office:powerpoint" xmlns:com="http://schemas.openxmlformats.org/drawingml/2006/compatibility" xmlns:p14="http://schemas.microsoft.com/office/powerpoint/2010/main" xmlns:p15="http://schemas.microsoft.com/office/powerpoint/2012/main" matchingName="Blank" type="blank">
+<p:sldLayout xmlns:a="http://schemas.openxmlformats.org/drawingml/2006/main" xmlns:r="http://schemas.openxmlformats.org/officeDocument/2006/relationships" xmlns:p="http://schemas.openxmlformats.org/presentationml/2006/main" matchingName="Blank" type="blank">
   <p:cSld name="BLANK">
     <p:spTree>
       <p:nvGrpSpPr>
-        <p:cNvPr id="80" name="Shape 80"/>
+        <p:cNvPr id="1" name="Shape 80"/>
         <p:cNvGrpSpPr/>
         <p:nvPr/>
       </p:nvGrpSpPr>
@@ -2807,9 +2884,11 @@
       <p:sp>
         <p:nvSpPr>
           <p:cNvPr id="81" name="Google Shape;81;p12"/>
-          <p:cNvSpPr txBox="1"/>
+          <p:cNvSpPr txBox="1">
+            <a:spLocks noGrp="1"/>
+          </p:cNvSpPr>
           <p:nvPr>
-            <p:ph idx="12" type="sldNum"/>
+            <p:ph type="sldNum" idx="12"/>
           </p:nvPr>
         </p:nvSpPr>
         <p:spPr>
@@ -2822,7 +2901,7 @@
           </a:prstGeom>
         </p:spPr>
         <p:txBody>
-          <a:bodyPr anchorCtr="0" anchor="ctr" bIns="91425" lIns="91425" spcFirstLastPara="1" rIns="91425" wrap="square" tIns="91425">
+          <a:bodyPr spcFirstLastPara="1" wrap="square" lIns="91425" tIns="91425" rIns="91425" bIns="91425" anchor="ctr" anchorCtr="0">
             <a:noAutofit/>
           </a:bodyPr>
           <a:lstStyle>
@@ -2864,7 +2943,7 @@
             </a:lvl9pPr>
           </a:lstStyle>
           <a:p>
-            <a:pPr indent="0" lvl="0" marL="0" rtl="0" algn="r">
+            <a:pPr marL="0" lvl="0" indent="0" algn="r" rtl="0">
               <a:spcBef>
                 <a:spcPts val="0"/>
               </a:spcBef>
@@ -2890,11 +2969,11 @@
 </file>
 
 <file path=ppt/slideLayouts/slideLayout2.xml><?xml version="1.0" encoding="utf-8"?>
-<p:sldLayout xmlns:a="http://schemas.openxmlformats.org/drawingml/2006/main" xmlns:r="http://schemas.openxmlformats.org/officeDocument/2006/relationships" xmlns:mc="http://schemas.openxmlformats.org/markup-compatibility/2006" xmlns:mv="urn:schemas-microsoft-com:mac:vml" xmlns:p="http://schemas.openxmlformats.org/presentationml/2006/main" xmlns:c="http://schemas.openxmlformats.org/drawingml/2006/chart" xmlns:dgm="http://schemas.openxmlformats.org/drawingml/2006/diagram" xmlns:o="urn:schemas-microsoft-com:office:office" xmlns:v="urn:schemas-microsoft-com:vml" xmlns:pvml="urn:schemas-microsoft-com:office:powerpoint" xmlns:com="http://schemas.openxmlformats.org/drawingml/2006/compatibility" xmlns:p14="http://schemas.microsoft.com/office/powerpoint/2010/main" xmlns:p15="http://schemas.microsoft.com/office/powerpoint/2012/main" matchingName="Section header" type="secHead">
+<p:sldLayout xmlns:a="http://schemas.openxmlformats.org/drawingml/2006/main" xmlns:r="http://schemas.openxmlformats.org/officeDocument/2006/relationships" xmlns:p="http://schemas.openxmlformats.org/presentationml/2006/main" matchingName="Section header" type="secHead">
   <p:cSld name="SECTION_HEADER">
     <p:spTree>
       <p:nvGrpSpPr>
-        <p:cNvPr id="17" name="Shape 17"/>
+        <p:cNvPr id="1" name="Shape 17"/>
         <p:cNvGrpSpPr/>
         <p:nvPr/>
       </p:nvGrpSpPr>
@@ -2942,12 +3021,12 @@
             </a:ln>
           </p:spPr>
           <p:txBody>
-            <a:bodyPr anchorCtr="0" anchor="ctr" bIns="91425" lIns="91425" spcFirstLastPara="1" rIns="91425" wrap="square" tIns="91425">
+            <a:bodyPr spcFirstLastPara="1" wrap="square" lIns="91425" tIns="91425" rIns="91425" bIns="91425" anchor="ctr" anchorCtr="0">
               <a:noAutofit/>
             </a:bodyPr>
             <a:lstStyle/>
             <a:p>
-              <a:pPr indent="0" lvl="0" marL="0" rtl="0" algn="l">
+              <a:pPr marL="0" lvl="0" indent="0" algn="l" rtl="0">
                 <a:spcBef>
                   <a:spcPts val="0"/>
                 </a:spcBef>
@@ -2956,9 +3035,6 @@
                 </a:spcAft>
                 <a:buNone/>
               </a:pPr>
-              <a:r>
-                <a:t/>
-              </a:r>
               <a:endParaRPr/>
             </a:p>
           </p:txBody>
@@ -2985,12 +3061,12 @@
             </a:ln>
           </p:spPr>
           <p:txBody>
-            <a:bodyPr anchorCtr="0" anchor="ctr" bIns="91425" lIns="91425" spcFirstLastPara="1" rIns="91425" wrap="square" tIns="91425">
+            <a:bodyPr spcFirstLastPara="1" wrap="square" lIns="91425" tIns="91425" rIns="91425" bIns="91425" anchor="ctr" anchorCtr="0">
               <a:noAutofit/>
             </a:bodyPr>
             <a:lstStyle/>
             <a:p>
-              <a:pPr indent="0" lvl="0" marL="0" rtl="0" algn="l">
+              <a:pPr marL="0" lvl="0" indent="0" algn="l" rtl="0">
                 <a:spcBef>
                   <a:spcPts val="0"/>
                 </a:spcBef>
@@ -2999,9 +3075,6 @@
                 </a:spcAft>
                 <a:buNone/>
               </a:pPr>
-              <a:r>
-                <a:t/>
-              </a:r>
               <a:endParaRPr/>
             </a:p>
           </p:txBody>
@@ -3010,7 +3083,9 @@
       <p:sp>
         <p:nvSpPr>
           <p:cNvPr id="21" name="Google Shape;21;p3"/>
-          <p:cNvSpPr txBox="1"/>
+          <p:cNvSpPr txBox="1">
+            <a:spLocks noGrp="1"/>
+          </p:cNvSpPr>
           <p:nvPr>
             <p:ph type="title"/>
           </p:nvPr>
@@ -3025,7 +3100,7 @@
           </a:prstGeom>
         </p:spPr>
         <p:txBody>
-          <a:bodyPr anchorCtr="0" anchor="t" bIns="91425" lIns="91425" spcFirstLastPara="1" rIns="91425" wrap="square" tIns="91425"/>
+          <a:bodyPr spcFirstLastPara="1" wrap="square" lIns="91425" tIns="91425" rIns="91425" bIns="91425" anchor="t" anchorCtr="0"/>
           <a:lstStyle>
             <a:lvl1pPr lvl="0">
               <a:spcBef>
@@ -3190,15 +3265,19 @@
               </a:defRPr>
             </a:lvl9pPr>
           </a:lstStyle>
-          <a:p/>
+          <a:p>
+            <a:endParaRPr/>
+          </a:p>
         </p:txBody>
       </p:sp>
       <p:sp>
         <p:nvSpPr>
           <p:cNvPr id="22" name="Google Shape;22;p3"/>
-          <p:cNvSpPr txBox="1"/>
+          <p:cNvSpPr txBox="1">
+            <a:spLocks noGrp="1"/>
+          </p:cNvSpPr>
           <p:nvPr>
-            <p:ph idx="12" type="sldNum"/>
+            <p:ph type="sldNum" idx="12"/>
           </p:nvPr>
         </p:nvSpPr>
         <p:spPr>
@@ -3211,7 +3290,7 @@
           </a:prstGeom>
         </p:spPr>
         <p:txBody>
-          <a:bodyPr anchorCtr="0" anchor="ctr" bIns="91425" lIns="91425" spcFirstLastPara="1" rIns="91425" wrap="square" tIns="91425">
+          <a:bodyPr spcFirstLastPara="1" wrap="square" lIns="91425" tIns="91425" rIns="91425" bIns="91425" anchor="ctr" anchorCtr="0">
             <a:noAutofit/>
           </a:bodyPr>
           <a:lstStyle>
@@ -3289,7 +3368,7 @@
             </a:lvl9pPr>
           </a:lstStyle>
           <a:p>
-            <a:pPr indent="0" lvl="0" marL="0" rtl="0" algn="r">
+            <a:pPr marL="0" lvl="0" indent="0" algn="r" rtl="0">
               <a:spcBef>
                 <a:spcPts val="0"/>
               </a:spcBef>
@@ -3315,11 +3394,11 @@
 </file>
 
 <file path=ppt/slideLayouts/slideLayout3.xml><?xml version="1.0" encoding="utf-8"?>
-<p:sldLayout xmlns:a="http://schemas.openxmlformats.org/drawingml/2006/main" xmlns:r="http://schemas.openxmlformats.org/officeDocument/2006/relationships" xmlns:mc="http://schemas.openxmlformats.org/markup-compatibility/2006" xmlns:mv="urn:schemas-microsoft-com:mac:vml" xmlns:p="http://schemas.openxmlformats.org/presentationml/2006/main" xmlns:c="http://schemas.openxmlformats.org/drawingml/2006/chart" xmlns:dgm="http://schemas.openxmlformats.org/drawingml/2006/diagram" xmlns:o="urn:schemas-microsoft-com:office:office" xmlns:v="urn:schemas-microsoft-com:vml" xmlns:pvml="urn:schemas-microsoft-com:office:powerpoint" xmlns:com="http://schemas.openxmlformats.org/drawingml/2006/compatibility" xmlns:p14="http://schemas.microsoft.com/office/powerpoint/2010/main" xmlns:p15="http://schemas.microsoft.com/office/powerpoint/2012/main" matchingName="Title and body" type="tx">
+<p:sldLayout xmlns:a="http://schemas.openxmlformats.org/drawingml/2006/main" xmlns:r="http://schemas.openxmlformats.org/officeDocument/2006/relationships" xmlns:p="http://schemas.openxmlformats.org/presentationml/2006/main" matchingName="Title and body" type="tx">
   <p:cSld name="TITLE_AND_BODY">
     <p:spTree>
       <p:nvGrpSpPr>
-        <p:cNvPr id="23" name="Shape 23"/>
+        <p:cNvPr id="1" name="Shape 23"/>
         <p:cNvGrpSpPr/>
         <p:nvPr/>
       </p:nvGrpSpPr>
@@ -3353,12 +3432,12 @@
           </a:ln>
         </p:spPr>
         <p:txBody>
-          <a:bodyPr anchorCtr="0" anchor="ctr" bIns="91425" lIns="91425" spcFirstLastPara="1" rIns="91425" wrap="square" tIns="91425">
+          <a:bodyPr spcFirstLastPara="1" wrap="square" lIns="91425" tIns="91425" rIns="91425" bIns="91425" anchor="ctr" anchorCtr="0">
             <a:noAutofit/>
           </a:bodyPr>
           <a:lstStyle/>
           <a:p>
-            <a:pPr indent="0" lvl="0" marL="0" rtl="0" algn="l">
+            <a:pPr marL="0" lvl="0" indent="0" algn="l" rtl="0">
               <a:spcBef>
                 <a:spcPts val="0"/>
               </a:spcBef>
@@ -3367,9 +3446,6 @@
               </a:spcAft>
               <a:buNone/>
             </a:pPr>
-            <a:r>
-              <a:t/>
-            </a:r>
             <a:endParaRPr/>
           </a:p>
         </p:txBody>
@@ -3410,12 +3486,12 @@
             </a:ln>
           </p:spPr>
           <p:txBody>
-            <a:bodyPr anchorCtr="0" anchor="ctr" bIns="91425" lIns="91425" spcFirstLastPara="1" rIns="91425" wrap="square" tIns="91425">
+            <a:bodyPr spcFirstLastPara="1" wrap="square" lIns="91425" tIns="91425" rIns="91425" bIns="91425" anchor="ctr" anchorCtr="0">
               <a:noAutofit/>
             </a:bodyPr>
             <a:lstStyle/>
             <a:p>
-              <a:pPr indent="0" lvl="0" marL="0" rtl="0" algn="l">
+              <a:pPr marL="0" lvl="0" indent="0" algn="l" rtl="0">
                 <a:spcBef>
                   <a:spcPts val="0"/>
                 </a:spcBef>
@@ -3424,9 +3500,6 @@
                 </a:spcAft>
                 <a:buNone/>
               </a:pPr>
-              <a:r>
-                <a:t/>
-              </a:r>
               <a:endParaRPr/>
             </a:p>
           </p:txBody>
@@ -3453,12 +3526,12 @@
             </a:ln>
           </p:spPr>
           <p:txBody>
-            <a:bodyPr anchorCtr="0" anchor="ctr" bIns="91425" lIns="91425" spcFirstLastPara="1" rIns="91425" wrap="square" tIns="91425">
+            <a:bodyPr spcFirstLastPara="1" wrap="square" lIns="91425" tIns="91425" rIns="91425" bIns="91425" anchor="ctr" anchorCtr="0">
               <a:noAutofit/>
             </a:bodyPr>
             <a:lstStyle/>
             <a:p>
-              <a:pPr indent="0" lvl="0" marL="0" rtl="0" algn="l">
+              <a:pPr marL="0" lvl="0" indent="0" algn="l" rtl="0">
                 <a:spcBef>
                   <a:spcPts val="0"/>
                 </a:spcBef>
@@ -3467,9 +3540,6 @@
                 </a:spcAft>
                 <a:buNone/>
               </a:pPr>
-              <a:r>
-                <a:t/>
-              </a:r>
               <a:endParaRPr/>
             </a:p>
           </p:txBody>
@@ -3478,7 +3548,9 @@
       <p:sp>
         <p:nvSpPr>
           <p:cNvPr id="28" name="Google Shape;28;p4"/>
-          <p:cNvSpPr txBox="1"/>
+          <p:cNvSpPr txBox="1">
+            <a:spLocks noGrp="1"/>
+          </p:cNvSpPr>
           <p:nvPr>
             <p:ph type="title"/>
           </p:nvPr>
@@ -3493,7 +3565,7 @@
           </a:prstGeom>
         </p:spPr>
         <p:txBody>
-          <a:bodyPr anchorCtr="0" anchor="t" bIns="91425" lIns="91425" spcFirstLastPara="1" rIns="91425" wrap="square" tIns="91425"/>
+          <a:bodyPr spcFirstLastPara="1" wrap="square" lIns="91425" tIns="91425" rIns="91425" bIns="91425" anchor="t" anchorCtr="0"/>
           <a:lstStyle>
             <a:lvl1pPr lvl="0">
               <a:spcBef>
@@ -3658,15 +3730,19 @@
               </a:defRPr>
             </a:lvl9pPr>
           </a:lstStyle>
-          <a:p/>
+          <a:p>
+            <a:endParaRPr/>
+          </a:p>
         </p:txBody>
       </p:sp>
       <p:sp>
         <p:nvSpPr>
           <p:cNvPr id="29" name="Google Shape;29;p4"/>
-          <p:cNvSpPr txBox="1"/>
+          <p:cNvSpPr txBox="1">
+            <a:spLocks noGrp="1"/>
+          </p:cNvSpPr>
           <p:nvPr>
-            <p:ph idx="1" type="body"/>
+            <p:ph type="body" idx="1"/>
           </p:nvPr>
         </p:nvSpPr>
         <p:spPr>
@@ -3679,9 +3755,9 @@
           </a:prstGeom>
         </p:spPr>
         <p:txBody>
-          <a:bodyPr anchorCtr="0" anchor="t" bIns="91425" lIns="91425" spcFirstLastPara="1" rIns="91425" wrap="square" tIns="91425"/>
+          <a:bodyPr spcFirstLastPara="1" wrap="square" lIns="91425" tIns="91425" rIns="91425" bIns="91425" anchor="t" anchorCtr="0"/>
           <a:lstStyle>
-            <a:lvl1pPr indent="-311150" lvl="0" marL="457200">
+            <a:lvl1pPr marL="457200" lvl="0" indent="-311150">
               <a:spcBef>
                 <a:spcPts val="0"/>
               </a:spcBef>
@@ -3692,7 +3768,7 @@
               <a:buChar char="●"/>
               <a:defRPr/>
             </a:lvl1pPr>
-            <a:lvl2pPr indent="-298450" lvl="1" marL="914400">
+            <a:lvl2pPr marL="914400" lvl="1" indent="-298450">
               <a:spcBef>
                 <a:spcPts val="1600"/>
               </a:spcBef>
@@ -3703,7 +3779,7 @@
               <a:buChar char="○"/>
               <a:defRPr/>
             </a:lvl2pPr>
-            <a:lvl3pPr indent="-298450" lvl="2" marL="1371600">
+            <a:lvl3pPr marL="1371600" lvl="2" indent="-298450">
               <a:spcBef>
                 <a:spcPts val="1600"/>
               </a:spcBef>
@@ -3714,7 +3790,7 @@
               <a:buChar char="■"/>
               <a:defRPr/>
             </a:lvl3pPr>
-            <a:lvl4pPr indent="-298450" lvl="3" marL="1828800">
+            <a:lvl4pPr marL="1828800" lvl="3" indent="-298450">
               <a:spcBef>
                 <a:spcPts val="1600"/>
               </a:spcBef>
@@ -3725,7 +3801,7 @@
               <a:buChar char="●"/>
               <a:defRPr/>
             </a:lvl4pPr>
-            <a:lvl5pPr indent="-298450" lvl="4" marL="2286000">
+            <a:lvl5pPr marL="2286000" lvl="4" indent="-298450">
               <a:spcBef>
                 <a:spcPts val="1600"/>
               </a:spcBef>
@@ -3736,7 +3812,7 @@
               <a:buChar char="○"/>
               <a:defRPr/>
             </a:lvl5pPr>
-            <a:lvl6pPr indent="-298450" lvl="5" marL="2743200">
+            <a:lvl6pPr marL="2743200" lvl="5" indent="-298450">
               <a:spcBef>
                 <a:spcPts val="1600"/>
               </a:spcBef>
@@ -3747,7 +3823,7 @@
               <a:buChar char="■"/>
               <a:defRPr/>
             </a:lvl6pPr>
-            <a:lvl7pPr indent="-298450" lvl="6" marL="3200400">
+            <a:lvl7pPr marL="3200400" lvl="6" indent="-298450">
               <a:spcBef>
                 <a:spcPts val="1600"/>
               </a:spcBef>
@@ -3758,7 +3834,7 @@
               <a:buChar char="●"/>
               <a:defRPr/>
             </a:lvl7pPr>
-            <a:lvl8pPr indent="-298450" lvl="7" marL="3657600">
+            <a:lvl8pPr marL="3657600" lvl="7" indent="-298450">
               <a:spcBef>
                 <a:spcPts val="1600"/>
               </a:spcBef>
@@ -3769,7 +3845,7 @@
               <a:buChar char="○"/>
               <a:defRPr/>
             </a:lvl8pPr>
-            <a:lvl9pPr indent="-298450" lvl="8" marL="4114800">
+            <a:lvl9pPr marL="4114800" lvl="8" indent="-298450">
               <a:spcBef>
                 <a:spcPts val="1600"/>
               </a:spcBef>
@@ -3781,15 +3857,19 @@
               <a:defRPr/>
             </a:lvl9pPr>
           </a:lstStyle>
-          <a:p/>
+          <a:p>
+            <a:endParaRPr/>
+          </a:p>
         </p:txBody>
       </p:sp>
       <p:sp>
         <p:nvSpPr>
           <p:cNvPr id="30" name="Google Shape;30;p4"/>
-          <p:cNvSpPr txBox="1"/>
+          <p:cNvSpPr txBox="1">
+            <a:spLocks noGrp="1"/>
+          </p:cNvSpPr>
           <p:nvPr>
-            <p:ph idx="12" type="sldNum"/>
+            <p:ph type="sldNum" idx="12"/>
           </p:nvPr>
         </p:nvSpPr>
         <p:spPr>
@@ -3802,7 +3882,7 @@
           </a:prstGeom>
         </p:spPr>
         <p:txBody>
-          <a:bodyPr anchorCtr="0" anchor="ctr" bIns="91425" lIns="91425" spcFirstLastPara="1" rIns="91425" wrap="square" tIns="91425">
+          <a:bodyPr spcFirstLastPara="1" wrap="square" lIns="91425" tIns="91425" rIns="91425" bIns="91425" anchor="ctr" anchorCtr="0">
             <a:noAutofit/>
           </a:bodyPr>
           <a:lstStyle>
@@ -3844,7 +3924,7 @@
             </a:lvl9pPr>
           </a:lstStyle>
           <a:p>
-            <a:pPr indent="0" lvl="0" marL="0" rtl="0" algn="r">
+            <a:pPr marL="0" lvl="0" indent="0" algn="r" rtl="0">
               <a:spcBef>
                 <a:spcPts val="0"/>
               </a:spcBef>
@@ -3870,11 +3950,11 @@
 </file>
 
 <file path=ppt/slideLayouts/slideLayout4.xml><?xml version="1.0" encoding="utf-8"?>
-<p:sldLayout xmlns:a="http://schemas.openxmlformats.org/drawingml/2006/main" xmlns:r="http://schemas.openxmlformats.org/officeDocument/2006/relationships" xmlns:mc="http://schemas.openxmlformats.org/markup-compatibility/2006" xmlns:mv="urn:schemas-microsoft-com:mac:vml" xmlns:p="http://schemas.openxmlformats.org/presentationml/2006/main" xmlns:c="http://schemas.openxmlformats.org/drawingml/2006/chart" xmlns:dgm="http://schemas.openxmlformats.org/drawingml/2006/diagram" xmlns:o="urn:schemas-microsoft-com:office:office" xmlns:v="urn:schemas-microsoft-com:vml" xmlns:pvml="urn:schemas-microsoft-com:office:powerpoint" xmlns:com="http://schemas.openxmlformats.org/drawingml/2006/compatibility" xmlns:p14="http://schemas.microsoft.com/office/powerpoint/2010/main" xmlns:p15="http://schemas.microsoft.com/office/powerpoint/2012/main" matchingName="Title and two columns" type="twoColTx">
+<p:sldLayout xmlns:a="http://schemas.openxmlformats.org/drawingml/2006/main" xmlns:r="http://schemas.openxmlformats.org/officeDocument/2006/relationships" xmlns:p="http://schemas.openxmlformats.org/presentationml/2006/main" matchingName="Title and two columns" type="twoColTx">
   <p:cSld name="TITLE_AND_TWO_COLUMNS">
     <p:spTree>
       <p:nvGrpSpPr>
-        <p:cNvPr id="31" name="Shape 31"/>
+        <p:cNvPr id="1" name="Shape 31"/>
         <p:cNvGrpSpPr/>
         <p:nvPr/>
       </p:nvGrpSpPr>
@@ -3908,12 +3988,12 @@
           </a:ln>
         </p:spPr>
         <p:txBody>
-          <a:bodyPr anchorCtr="0" anchor="ctr" bIns="91425" lIns="91425" spcFirstLastPara="1" rIns="91425" wrap="square" tIns="91425">
+          <a:bodyPr spcFirstLastPara="1" wrap="square" lIns="91425" tIns="91425" rIns="91425" bIns="91425" anchor="ctr" anchorCtr="0">
             <a:noAutofit/>
           </a:bodyPr>
           <a:lstStyle/>
           <a:p>
-            <a:pPr indent="0" lvl="0" marL="0" rtl="0" algn="l">
+            <a:pPr marL="0" lvl="0" indent="0" algn="l" rtl="0">
               <a:spcBef>
                 <a:spcPts val="0"/>
               </a:spcBef>
@@ -3922,9 +4002,6 @@
               </a:spcAft>
               <a:buNone/>
             </a:pPr>
-            <a:r>
-              <a:t/>
-            </a:r>
             <a:endParaRPr/>
           </a:p>
         </p:txBody>
@@ -3965,12 +4042,12 @@
             </a:ln>
           </p:spPr>
           <p:txBody>
-            <a:bodyPr anchorCtr="0" anchor="ctr" bIns="91425" lIns="91425" spcFirstLastPara="1" rIns="91425" wrap="square" tIns="91425">
+            <a:bodyPr spcFirstLastPara="1" wrap="square" lIns="91425" tIns="91425" rIns="91425" bIns="91425" anchor="ctr" anchorCtr="0">
               <a:noAutofit/>
             </a:bodyPr>
             <a:lstStyle/>
             <a:p>
-              <a:pPr indent="0" lvl="0" marL="0" rtl="0" algn="l">
+              <a:pPr marL="0" lvl="0" indent="0" algn="l" rtl="0">
                 <a:spcBef>
                   <a:spcPts val="0"/>
                 </a:spcBef>
@@ -3979,9 +4056,6 @@
                 </a:spcAft>
                 <a:buNone/>
               </a:pPr>
-              <a:r>
-                <a:t/>
-              </a:r>
               <a:endParaRPr/>
             </a:p>
           </p:txBody>
@@ -4008,12 +4082,12 @@
             </a:ln>
           </p:spPr>
           <p:txBody>
-            <a:bodyPr anchorCtr="0" anchor="ctr" bIns="91425" lIns="91425" spcFirstLastPara="1" rIns="91425" wrap="square" tIns="91425">
+            <a:bodyPr spcFirstLastPara="1" wrap="square" lIns="91425" tIns="91425" rIns="91425" bIns="91425" anchor="ctr" anchorCtr="0">
               <a:noAutofit/>
             </a:bodyPr>
             <a:lstStyle/>
             <a:p>
-              <a:pPr indent="0" lvl="0" marL="0" rtl="0" algn="l">
+              <a:pPr marL="0" lvl="0" indent="0" algn="l" rtl="0">
                 <a:spcBef>
                   <a:spcPts val="0"/>
                 </a:spcBef>
@@ -4022,9 +4096,6 @@
                 </a:spcAft>
                 <a:buNone/>
               </a:pPr>
-              <a:r>
-                <a:t/>
-              </a:r>
               <a:endParaRPr/>
             </a:p>
           </p:txBody>
@@ -4033,7 +4104,9 @@
       <p:sp>
         <p:nvSpPr>
           <p:cNvPr id="36" name="Google Shape;36;p5"/>
-          <p:cNvSpPr txBox="1"/>
+          <p:cNvSpPr txBox="1">
+            <a:spLocks noGrp="1"/>
+          </p:cNvSpPr>
           <p:nvPr>
             <p:ph type="title"/>
           </p:nvPr>
@@ -4048,7 +4121,7 @@
           </a:prstGeom>
         </p:spPr>
         <p:txBody>
-          <a:bodyPr anchorCtr="0" anchor="t" bIns="91425" lIns="91425" spcFirstLastPara="1" rIns="91425" wrap="square" tIns="91425"/>
+          <a:bodyPr spcFirstLastPara="1" wrap="square" lIns="91425" tIns="91425" rIns="91425" bIns="91425" anchor="t" anchorCtr="0"/>
           <a:lstStyle>
             <a:lvl1pPr lvl="0">
               <a:spcBef>
@@ -4213,15 +4286,19 @@
               </a:defRPr>
             </a:lvl9pPr>
           </a:lstStyle>
-          <a:p/>
+          <a:p>
+            <a:endParaRPr/>
+          </a:p>
         </p:txBody>
       </p:sp>
       <p:sp>
         <p:nvSpPr>
           <p:cNvPr id="37" name="Google Shape;37;p5"/>
-          <p:cNvSpPr txBox="1"/>
+          <p:cNvSpPr txBox="1">
+            <a:spLocks noGrp="1"/>
+          </p:cNvSpPr>
           <p:nvPr>
-            <p:ph idx="1" type="body"/>
+            <p:ph type="body" idx="1"/>
           </p:nvPr>
         </p:nvSpPr>
         <p:spPr>
@@ -4234,9 +4311,9 @@
           </a:prstGeom>
         </p:spPr>
         <p:txBody>
-          <a:bodyPr anchorCtr="0" anchor="t" bIns="91425" lIns="91425" spcFirstLastPara="1" rIns="91425" wrap="square" tIns="91425"/>
+          <a:bodyPr spcFirstLastPara="1" wrap="square" lIns="91425" tIns="91425" rIns="91425" bIns="91425" anchor="t" anchorCtr="0"/>
           <a:lstStyle>
-            <a:lvl1pPr indent="-311150" lvl="0" marL="457200">
+            <a:lvl1pPr marL="457200" lvl="0" indent="-311150">
               <a:spcBef>
                 <a:spcPts val="0"/>
               </a:spcBef>
@@ -4247,7 +4324,7 @@
               <a:buChar char="●"/>
               <a:defRPr/>
             </a:lvl1pPr>
-            <a:lvl2pPr indent="-298450" lvl="1" marL="914400">
+            <a:lvl2pPr marL="914400" lvl="1" indent="-298450">
               <a:spcBef>
                 <a:spcPts val="1600"/>
               </a:spcBef>
@@ -4258,7 +4335,7 @@
               <a:buChar char="○"/>
               <a:defRPr/>
             </a:lvl2pPr>
-            <a:lvl3pPr indent="-298450" lvl="2" marL="1371600">
+            <a:lvl3pPr marL="1371600" lvl="2" indent="-298450">
               <a:spcBef>
                 <a:spcPts val="1600"/>
               </a:spcBef>
@@ -4269,7 +4346,7 @@
               <a:buChar char="■"/>
               <a:defRPr/>
             </a:lvl3pPr>
-            <a:lvl4pPr indent="-298450" lvl="3" marL="1828800">
+            <a:lvl4pPr marL="1828800" lvl="3" indent="-298450">
               <a:spcBef>
                 <a:spcPts val="1600"/>
               </a:spcBef>
@@ -4280,7 +4357,7 @@
               <a:buChar char="●"/>
               <a:defRPr/>
             </a:lvl4pPr>
-            <a:lvl5pPr indent="-298450" lvl="4" marL="2286000">
+            <a:lvl5pPr marL="2286000" lvl="4" indent="-298450">
               <a:spcBef>
                 <a:spcPts val="1600"/>
               </a:spcBef>
@@ -4291,7 +4368,7 @@
               <a:buChar char="○"/>
               <a:defRPr/>
             </a:lvl5pPr>
-            <a:lvl6pPr indent="-298450" lvl="5" marL="2743200">
+            <a:lvl6pPr marL="2743200" lvl="5" indent="-298450">
               <a:spcBef>
                 <a:spcPts val="1600"/>
               </a:spcBef>
@@ -4302,7 +4379,7 @@
               <a:buChar char="■"/>
               <a:defRPr/>
             </a:lvl6pPr>
-            <a:lvl7pPr indent="-298450" lvl="6" marL="3200400">
+            <a:lvl7pPr marL="3200400" lvl="6" indent="-298450">
               <a:spcBef>
                 <a:spcPts val="1600"/>
               </a:spcBef>
@@ -4313,7 +4390,7 @@
               <a:buChar char="●"/>
               <a:defRPr/>
             </a:lvl7pPr>
-            <a:lvl8pPr indent="-298450" lvl="7" marL="3657600">
+            <a:lvl8pPr marL="3657600" lvl="7" indent="-298450">
               <a:spcBef>
                 <a:spcPts val="1600"/>
               </a:spcBef>
@@ -4324,7 +4401,7 @@
               <a:buChar char="○"/>
               <a:defRPr/>
             </a:lvl8pPr>
-            <a:lvl9pPr indent="-298450" lvl="8" marL="4114800">
+            <a:lvl9pPr marL="4114800" lvl="8" indent="-298450">
               <a:spcBef>
                 <a:spcPts val="1600"/>
               </a:spcBef>
@@ -4336,15 +4413,19 @@
               <a:defRPr/>
             </a:lvl9pPr>
           </a:lstStyle>
-          <a:p/>
+          <a:p>
+            <a:endParaRPr/>
+          </a:p>
         </p:txBody>
       </p:sp>
       <p:sp>
         <p:nvSpPr>
           <p:cNvPr id="38" name="Google Shape;38;p5"/>
-          <p:cNvSpPr txBox="1"/>
+          <p:cNvSpPr txBox="1">
+            <a:spLocks noGrp="1"/>
+          </p:cNvSpPr>
           <p:nvPr>
-            <p:ph idx="2" type="body"/>
+            <p:ph type="body" idx="2"/>
           </p:nvPr>
         </p:nvSpPr>
         <p:spPr>
@@ -4357,9 +4438,9 @@
           </a:prstGeom>
         </p:spPr>
         <p:txBody>
-          <a:bodyPr anchorCtr="0" anchor="t" bIns="91425" lIns="91425" spcFirstLastPara="1" rIns="91425" wrap="square" tIns="91425"/>
+          <a:bodyPr spcFirstLastPara="1" wrap="square" lIns="91425" tIns="91425" rIns="91425" bIns="91425" anchor="t" anchorCtr="0"/>
           <a:lstStyle>
-            <a:lvl1pPr indent="-311150" lvl="0" marL="457200">
+            <a:lvl1pPr marL="457200" lvl="0" indent="-311150">
               <a:spcBef>
                 <a:spcPts val="0"/>
               </a:spcBef>
@@ -4370,7 +4451,7 @@
               <a:buChar char="●"/>
               <a:defRPr/>
             </a:lvl1pPr>
-            <a:lvl2pPr indent="-298450" lvl="1" marL="914400">
+            <a:lvl2pPr marL="914400" lvl="1" indent="-298450">
               <a:spcBef>
                 <a:spcPts val="1600"/>
               </a:spcBef>
@@ -4381,7 +4462,7 @@
               <a:buChar char="○"/>
               <a:defRPr/>
             </a:lvl2pPr>
-            <a:lvl3pPr indent="-298450" lvl="2" marL="1371600">
+            <a:lvl3pPr marL="1371600" lvl="2" indent="-298450">
               <a:spcBef>
                 <a:spcPts val="1600"/>
               </a:spcBef>
@@ -4392,7 +4473,7 @@
               <a:buChar char="■"/>
               <a:defRPr/>
             </a:lvl3pPr>
-            <a:lvl4pPr indent="-298450" lvl="3" marL="1828800">
+            <a:lvl4pPr marL="1828800" lvl="3" indent="-298450">
               <a:spcBef>
                 <a:spcPts val="1600"/>
               </a:spcBef>
@@ -4403,7 +4484,7 @@
               <a:buChar char="●"/>
               <a:defRPr/>
             </a:lvl4pPr>
-            <a:lvl5pPr indent="-298450" lvl="4" marL="2286000">
+            <a:lvl5pPr marL="2286000" lvl="4" indent="-298450">
               <a:spcBef>
                 <a:spcPts val="1600"/>
               </a:spcBef>
@@ -4414,7 +4495,7 @@
               <a:buChar char="○"/>
               <a:defRPr/>
             </a:lvl5pPr>
-            <a:lvl6pPr indent="-298450" lvl="5" marL="2743200">
+            <a:lvl6pPr marL="2743200" lvl="5" indent="-298450">
               <a:spcBef>
                 <a:spcPts val="1600"/>
               </a:spcBef>
@@ -4425,7 +4506,7 @@
               <a:buChar char="■"/>
               <a:defRPr/>
             </a:lvl6pPr>
-            <a:lvl7pPr indent="-298450" lvl="6" marL="3200400">
+            <a:lvl7pPr marL="3200400" lvl="6" indent="-298450">
               <a:spcBef>
                 <a:spcPts val="1600"/>
               </a:spcBef>
@@ -4436,7 +4517,7 @@
               <a:buChar char="●"/>
               <a:defRPr/>
             </a:lvl7pPr>
-            <a:lvl8pPr indent="-298450" lvl="7" marL="3657600">
+            <a:lvl8pPr marL="3657600" lvl="7" indent="-298450">
               <a:spcBef>
                 <a:spcPts val="1600"/>
               </a:spcBef>
@@ -4447,7 +4528,7 @@
               <a:buChar char="○"/>
               <a:defRPr/>
             </a:lvl8pPr>
-            <a:lvl9pPr indent="-298450" lvl="8" marL="4114800">
+            <a:lvl9pPr marL="4114800" lvl="8" indent="-298450">
               <a:spcBef>
                 <a:spcPts val="1600"/>
               </a:spcBef>
@@ -4459,15 +4540,19 @@
               <a:defRPr/>
             </a:lvl9pPr>
           </a:lstStyle>
-          <a:p/>
+          <a:p>
+            <a:endParaRPr/>
+          </a:p>
         </p:txBody>
       </p:sp>
       <p:sp>
         <p:nvSpPr>
           <p:cNvPr id="39" name="Google Shape;39;p5"/>
-          <p:cNvSpPr txBox="1"/>
+          <p:cNvSpPr txBox="1">
+            <a:spLocks noGrp="1"/>
+          </p:cNvSpPr>
           <p:nvPr>
-            <p:ph idx="12" type="sldNum"/>
+            <p:ph type="sldNum" idx="12"/>
           </p:nvPr>
         </p:nvSpPr>
         <p:spPr>
@@ -4480,7 +4565,7 @@
           </a:prstGeom>
         </p:spPr>
         <p:txBody>
-          <a:bodyPr anchorCtr="0" anchor="ctr" bIns="91425" lIns="91425" spcFirstLastPara="1" rIns="91425" wrap="square" tIns="91425">
+          <a:bodyPr spcFirstLastPara="1" wrap="square" lIns="91425" tIns="91425" rIns="91425" bIns="91425" anchor="ctr" anchorCtr="0">
             <a:noAutofit/>
           </a:bodyPr>
           <a:lstStyle>
@@ -4522,7 +4607,7 @@
             </a:lvl9pPr>
           </a:lstStyle>
           <a:p>
-            <a:pPr indent="0" lvl="0" marL="0" rtl="0" algn="r">
+            <a:pPr marL="0" lvl="0" indent="0" algn="r" rtl="0">
               <a:spcBef>
                 <a:spcPts val="0"/>
               </a:spcBef>
@@ -4548,11 +4633,11 @@
 </file>
 
 <file path=ppt/slideLayouts/slideLayout5.xml><?xml version="1.0" encoding="utf-8"?>
-<p:sldLayout xmlns:a="http://schemas.openxmlformats.org/drawingml/2006/main" xmlns:r="http://schemas.openxmlformats.org/officeDocument/2006/relationships" xmlns:mc="http://schemas.openxmlformats.org/markup-compatibility/2006" xmlns:mv="urn:schemas-microsoft-com:mac:vml" xmlns:p="http://schemas.openxmlformats.org/presentationml/2006/main" xmlns:c="http://schemas.openxmlformats.org/drawingml/2006/chart" xmlns:dgm="http://schemas.openxmlformats.org/drawingml/2006/diagram" xmlns:o="urn:schemas-microsoft-com:office:office" xmlns:v="urn:schemas-microsoft-com:vml" xmlns:pvml="urn:schemas-microsoft-com:office:powerpoint" xmlns:com="http://schemas.openxmlformats.org/drawingml/2006/compatibility" xmlns:p14="http://schemas.microsoft.com/office/powerpoint/2010/main" xmlns:p15="http://schemas.microsoft.com/office/powerpoint/2012/main" matchingName="Title only" type="titleOnly">
+<p:sldLayout xmlns:a="http://schemas.openxmlformats.org/drawingml/2006/main" xmlns:r="http://schemas.openxmlformats.org/officeDocument/2006/relationships" xmlns:p="http://schemas.openxmlformats.org/presentationml/2006/main" matchingName="Title only" type="titleOnly">
   <p:cSld name="TITLE_ONLY">
     <p:spTree>
       <p:nvGrpSpPr>
-        <p:cNvPr id="40" name="Shape 40"/>
+        <p:cNvPr id="1" name="Shape 40"/>
         <p:cNvGrpSpPr/>
         <p:nvPr/>
       </p:nvGrpSpPr>
@@ -4586,12 +4671,12 @@
           </a:ln>
         </p:spPr>
         <p:txBody>
-          <a:bodyPr anchorCtr="0" anchor="ctr" bIns="91425" lIns="91425" spcFirstLastPara="1" rIns="91425" wrap="square" tIns="91425">
+          <a:bodyPr spcFirstLastPara="1" wrap="square" lIns="91425" tIns="91425" rIns="91425" bIns="91425" anchor="ctr" anchorCtr="0">
             <a:noAutofit/>
           </a:bodyPr>
           <a:lstStyle/>
           <a:p>
-            <a:pPr indent="0" lvl="0" marL="0" rtl="0" algn="l">
+            <a:pPr marL="0" lvl="0" indent="0" algn="l" rtl="0">
               <a:spcBef>
                 <a:spcPts val="0"/>
               </a:spcBef>
@@ -4600,9 +4685,6 @@
               </a:spcAft>
               <a:buNone/>
             </a:pPr>
-            <a:r>
-              <a:t/>
-            </a:r>
             <a:endParaRPr/>
           </a:p>
         </p:txBody>
@@ -4643,12 +4725,12 @@
             </a:ln>
           </p:spPr>
           <p:txBody>
-            <a:bodyPr anchorCtr="0" anchor="ctr" bIns="91425" lIns="91425" spcFirstLastPara="1" rIns="91425" wrap="square" tIns="91425">
+            <a:bodyPr spcFirstLastPara="1" wrap="square" lIns="91425" tIns="91425" rIns="91425" bIns="91425" anchor="ctr" anchorCtr="0">
               <a:noAutofit/>
             </a:bodyPr>
             <a:lstStyle/>
             <a:p>
-              <a:pPr indent="0" lvl="0" marL="0" rtl="0" algn="l">
+              <a:pPr marL="0" lvl="0" indent="0" algn="l" rtl="0">
                 <a:spcBef>
                   <a:spcPts val="0"/>
                 </a:spcBef>
@@ -4657,9 +4739,6 @@
                 </a:spcAft>
                 <a:buNone/>
               </a:pPr>
-              <a:r>
-                <a:t/>
-              </a:r>
               <a:endParaRPr/>
             </a:p>
           </p:txBody>
@@ -4686,12 +4765,12 @@
             </a:ln>
           </p:spPr>
           <p:txBody>
-            <a:bodyPr anchorCtr="0" anchor="ctr" bIns="91425" lIns="91425" spcFirstLastPara="1" rIns="91425" wrap="square" tIns="91425">
+            <a:bodyPr spcFirstLastPara="1" wrap="square" lIns="91425" tIns="91425" rIns="91425" bIns="91425" anchor="ctr" anchorCtr="0">
               <a:noAutofit/>
             </a:bodyPr>
             <a:lstStyle/>
             <a:p>
-              <a:pPr indent="0" lvl="0" marL="0" rtl="0" algn="l">
+              <a:pPr marL="0" lvl="0" indent="0" algn="l" rtl="0">
                 <a:spcBef>
                   <a:spcPts val="0"/>
                 </a:spcBef>
@@ -4700,9 +4779,6 @@
                 </a:spcAft>
                 <a:buNone/>
               </a:pPr>
-              <a:r>
-                <a:t/>
-              </a:r>
               <a:endParaRPr/>
             </a:p>
           </p:txBody>
@@ -4711,7 +4787,9 @@
       <p:sp>
         <p:nvSpPr>
           <p:cNvPr id="45" name="Google Shape;45;p6"/>
-          <p:cNvSpPr txBox="1"/>
+          <p:cNvSpPr txBox="1">
+            <a:spLocks noGrp="1"/>
+          </p:cNvSpPr>
           <p:nvPr>
             <p:ph type="title"/>
           </p:nvPr>
@@ -4726,7 +4804,7 @@
           </a:prstGeom>
         </p:spPr>
         <p:txBody>
-          <a:bodyPr anchorCtr="0" anchor="t" bIns="91425" lIns="91425" spcFirstLastPara="1" rIns="91425" wrap="square" tIns="91425"/>
+          <a:bodyPr spcFirstLastPara="1" wrap="square" lIns="91425" tIns="91425" rIns="91425" bIns="91425" anchor="t" anchorCtr="0"/>
           <a:lstStyle>
             <a:lvl1pPr lvl="0">
               <a:spcBef>
@@ -4891,15 +4969,19 @@
               </a:defRPr>
             </a:lvl9pPr>
           </a:lstStyle>
-          <a:p/>
+          <a:p>
+            <a:endParaRPr/>
+          </a:p>
         </p:txBody>
       </p:sp>
       <p:sp>
         <p:nvSpPr>
           <p:cNvPr id="46" name="Google Shape;46;p6"/>
-          <p:cNvSpPr txBox="1"/>
+          <p:cNvSpPr txBox="1">
+            <a:spLocks noGrp="1"/>
+          </p:cNvSpPr>
           <p:nvPr>
-            <p:ph idx="12" type="sldNum"/>
+            <p:ph type="sldNum" idx="12"/>
           </p:nvPr>
         </p:nvSpPr>
         <p:spPr>
@@ -4912,7 +4994,7 @@
           </a:prstGeom>
         </p:spPr>
         <p:txBody>
-          <a:bodyPr anchorCtr="0" anchor="ctr" bIns="91425" lIns="91425" spcFirstLastPara="1" rIns="91425" wrap="square" tIns="91425">
+          <a:bodyPr spcFirstLastPara="1" wrap="square" lIns="91425" tIns="91425" rIns="91425" bIns="91425" anchor="ctr" anchorCtr="0">
             <a:noAutofit/>
           </a:bodyPr>
           <a:lstStyle>
@@ -4954,7 +5036,7 @@
             </a:lvl9pPr>
           </a:lstStyle>
           <a:p>
-            <a:pPr indent="0" lvl="0" marL="0" rtl="0" algn="r">
+            <a:pPr marL="0" lvl="0" indent="0" algn="r" rtl="0">
               <a:spcBef>
                 <a:spcPts val="0"/>
               </a:spcBef>
@@ -4980,11 +5062,11 @@
 </file>
 
 <file path=ppt/slideLayouts/slideLayout6.xml><?xml version="1.0" encoding="utf-8"?>
-<p:sldLayout xmlns:a="http://schemas.openxmlformats.org/drawingml/2006/main" xmlns:r="http://schemas.openxmlformats.org/officeDocument/2006/relationships" xmlns:mc="http://schemas.openxmlformats.org/markup-compatibility/2006" xmlns:mv="urn:schemas-microsoft-com:mac:vml" xmlns:p="http://schemas.openxmlformats.org/presentationml/2006/main" xmlns:c="http://schemas.openxmlformats.org/drawingml/2006/chart" xmlns:dgm="http://schemas.openxmlformats.org/drawingml/2006/diagram" xmlns:o="urn:schemas-microsoft-com:office:office" xmlns:v="urn:schemas-microsoft-com:vml" xmlns:pvml="urn:schemas-microsoft-com:office:powerpoint" xmlns:com="http://schemas.openxmlformats.org/drawingml/2006/compatibility" xmlns:p14="http://schemas.microsoft.com/office/powerpoint/2010/main" xmlns:p15="http://schemas.microsoft.com/office/powerpoint/2012/main" matchingName="One column text">
+<p:sldLayout xmlns:a="http://schemas.openxmlformats.org/drawingml/2006/main" xmlns:r="http://schemas.openxmlformats.org/officeDocument/2006/relationships" xmlns:p="http://schemas.openxmlformats.org/presentationml/2006/main" matchingName="One column text">
   <p:cSld name="ONE_COLUMN_TEXT">
     <p:spTree>
       <p:nvGrpSpPr>
-        <p:cNvPr id="47" name="Shape 47"/>
+        <p:cNvPr id="1" name="Shape 47"/>
         <p:cNvGrpSpPr/>
         <p:nvPr/>
       </p:nvGrpSpPr>
@@ -5018,12 +5100,12 @@
           </a:ln>
         </p:spPr>
         <p:txBody>
-          <a:bodyPr anchorCtr="0" anchor="ctr" bIns="91425" lIns="91425" spcFirstLastPara="1" rIns="91425" wrap="square" tIns="91425">
+          <a:bodyPr spcFirstLastPara="1" wrap="square" lIns="91425" tIns="91425" rIns="91425" bIns="91425" anchor="ctr" anchorCtr="0">
             <a:noAutofit/>
           </a:bodyPr>
           <a:lstStyle/>
           <a:p>
-            <a:pPr indent="0" lvl="0" marL="0" rtl="0" algn="l">
+            <a:pPr marL="0" lvl="0" indent="0" algn="l" rtl="0">
               <a:spcBef>
                 <a:spcPts val="0"/>
               </a:spcBef>
@@ -5032,9 +5114,6 @@
               </a:spcAft>
               <a:buNone/>
             </a:pPr>
-            <a:r>
-              <a:t/>
-            </a:r>
             <a:endParaRPr/>
           </a:p>
         </p:txBody>
@@ -5075,12 +5154,12 @@
             </a:ln>
           </p:spPr>
           <p:txBody>
-            <a:bodyPr anchorCtr="0" anchor="ctr" bIns="91425" lIns="91425" spcFirstLastPara="1" rIns="91425" wrap="square" tIns="91425">
+            <a:bodyPr spcFirstLastPara="1" wrap="square" lIns="91425" tIns="91425" rIns="91425" bIns="91425" anchor="ctr" anchorCtr="0">
               <a:noAutofit/>
             </a:bodyPr>
             <a:lstStyle/>
             <a:p>
-              <a:pPr indent="0" lvl="0" marL="0" rtl="0" algn="l">
+              <a:pPr marL="0" lvl="0" indent="0" algn="l" rtl="0">
                 <a:spcBef>
                   <a:spcPts val="0"/>
                 </a:spcBef>
@@ -5089,9 +5168,6 @@
                 </a:spcAft>
                 <a:buNone/>
               </a:pPr>
-              <a:r>
-                <a:t/>
-              </a:r>
               <a:endParaRPr/>
             </a:p>
           </p:txBody>
@@ -5118,12 +5194,12 @@
             </a:ln>
           </p:spPr>
           <p:txBody>
-            <a:bodyPr anchorCtr="0" anchor="ctr" bIns="91425" lIns="91425" spcFirstLastPara="1" rIns="91425" wrap="square" tIns="91425">
+            <a:bodyPr spcFirstLastPara="1" wrap="square" lIns="91425" tIns="91425" rIns="91425" bIns="91425" anchor="ctr" anchorCtr="0">
               <a:noAutofit/>
             </a:bodyPr>
             <a:lstStyle/>
             <a:p>
-              <a:pPr indent="0" lvl="0" marL="0" rtl="0" algn="l">
+              <a:pPr marL="0" lvl="0" indent="0" algn="l" rtl="0">
                 <a:spcBef>
                   <a:spcPts val="0"/>
                 </a:spcBef>
@@ -5132,9 +5208,6 @@
                 </a:spcAft>
                 <a:buNone/>
               </a:pPr>
-              <a:r>
-                <a:t/>
-              </a:r>
               <a:endParaRPr/>
             </a:p>
           </p:txBody>
@@ -5143,7 +5216,9 @@
       <p:sp>
         <p:nvSpPr>
           <p:cNvPr id="52" name="Google Shape;52;p7"/>
-          <p:cNvSpPr txBox="1"/>
+          <p:cNvSpPr txBox="1">
+            <a:spLocks noGrp="1"/>
+          </p:cNvSpPr>
           <p:nvPr>
             <p:ph type="title"/>
           </p:nvPr>
@@ -5158,7 +5233,7 @@
           </a:prstGeom>
         </p:spPr>
         <p:txBody>
-          <a:bodyPr anchorCtr="0" anchor="t" bIns="91425" lIns="91425" spcFirstLastPara="1" rIns="91425" wrap="square" tIns="91425"/>
+          <a:bodyPr spcFirstLastPara="1" wrap="square" lIns="91425" tIns="91425" rIns="91425" bIns="91425" anchor="t" anchorCtr="0"/>
           <a:lstStyle>
             <a:lvl1pPr lvl="0">
               <a:spcBef>
@@ -5323,15 +5398,19 @@
               </a:defRPr>
             </a:lvl9pPr>
           </a:lstStyle>
-          <a:p/>
+          <a:p>
+            <a:endParaRPr/>
+          </a:p>
         </p:txBody>
       </p:sp>
       <p:sp>
         <p:nvSpPr>
           <p:cNvPr id="53" name="Google Shape;53;p7"/>
-          <p:cNvSpPr txBox="1"/>
+          <p:cNvSpPr txBox="1">
+            <a:spLocks noGrp="1"/>
+          </p:cNvSpPr>
           <p:nvPr>
-            <p:ph idx="1" type="body"/>
+            <p:ph type="body" idx="1"/>
           </p:nvPr>
         </p:nvSpPr>
         <p:spPr>
@@ -5344,9 +5423,9 @@
           </a:prstGeom>
         </p:spPr>
         <p:txBody>
-          <a:bodyPr anchorCtr="0" anchor="t" bIns="91425" lIns="91425" spcFirstLastPara="1" rIns="91425" wrap="square" tIns="91425"/>
+          <a:bodyPr spcFirstLastPara="1" wrap="square" lIns="91425" tIns="91425" rIns="91425" bIns="91425" anchor="t" anchorCtr="0"/>
           <a:lstStyle>
-            <a:lvl1pPr indent="-311150" lvl="0" marL="457200">
+            <a:lvl1pPr marL="457200" lvl="0" indent="-311150">
               <a:spcBef>
                 <a:spcPts val="0"/>
               </a:spcBef>
@@ -5357,7 +5436,7 @@
               <a:buChar char="●"/>
               <a:defRPr/>
             </a:lvl1pPr>
-            <a:lvl2pPr indent="-298450" lvl="1" marL="914400">
+            <a:lvl2pPr marL="914400" lvl="1" indent="-298450">
               <a:spcBef>
                 <a:spcPts val="1600"/>
               </a:spcBef>
@@ -5368,7 +5447,7 @@
               <a:buChar char="○"/>
               <a:defRPr/>
             </a:lvl2pPr>
-            <a:lvl3pPr indent="-298450" lvl="2" marL="1371600">
+            <a:lvl3pPr marL="1371600" lvl="2" indent="-298450">
               <a:spcBef>
                 <a:spcPts val="1600"/>
               </a:spcBef>
@@ -5379,7 +5458,7 @@
               <a:buChar char="■"/>
               <a:defRPr/>
             </a:lvl3pPr>
-            <a:lvl4pPr indent="-298450" lvl="3" marL="1828800">
+            <a:lvl4pPr marL="1828800" lvl="3" indent="-298450">
               <a:spcBef>
                 <a:spcPts val="1600"/>
               </a:spcBef>
@@ -5390,7 +5469,7 @@
               <a:buChar char="●"/>
               <a:defRPr/>
             </a:lvl4pPr>
-            <a:lvl5pPr indent="-298450" lvl="4" marL="2286000">
+            <a:lvl5pPr marL="2286000" lvl="4" indent="-298450">
               <a:spcBef>
                 <a:spcPts val="1600"/>
               </a:spcBef>
@@ -5401,7 +5480,7 @@
               <a:buChar char="○"/>
               <a:defRPr/>
             </a:lvl5pPr>
-            <a:lvl6pPr indent="-298450" lvl="5" marL="2743200">
+            <a:lvl6pPr marL="2743200" lvl="5" indent="-298450">
               <a:spcBef>
                 <a:spcPts val="1600"/>
               </a:spcBef>
@@ -5412,7 +5491,7 @@
               <a:buChar char="■"/>
               <a:defRPr/>
             </a:lvl6pPr>
-            <a:lvl7pPr indent="-298450" lvl="6" marL="3200400">
+            <a:lvl7pPr marL="3200400" lvl="6" indent="-298450">
               <a:spcBef>
                 <a:spcPts val="1600"/>
               </a:spcBef>
@@ -5423,7 +5502,7 @@
               <a:buChar char="●"/>
               <a:defRPr/>
             </a:lvl7pPr>
-            <a:lvl8pPr indent="-298450" lvl="7" marL="3657600">
+            <a:lvl8pPr marL="3657600" lvl="7" indent="-298450">
               <a:spcBef>
                 <a:spcPts val="1600"/>
               </a:spcBef>
@@ -5434,7 +5513,7 @@
               <a:buChar char="○"/>
               <a:defRPr/>
             </a:lvl8pPr>
-            <a:lvl9pPr indent="-298450" lvl="8" marL="4114800">
+            <a:lvl9pPr marL="4114800" lvl="8" indent="-298450">
               <a:spcBef>
                 <a:spcPts val="1600"/>
               </a:spcBef>
@@ -5446,15 +5525,19 @@
               <a:defRPr/>
             </a:lvl9pPr>
           </a:lstStyle>
-          <a:p/>
+          <a:p>
+            <a:endParaRPr/>
+          </a:p>
         </p:txBody>
       </p:sp>
       <p:sp>
         <p:nvSpPr>
           <p:cNvPr id="54" name="Google Shape;54;p7"/>
-          <p:cNvSpPr txBox="1"/>
+          <p:cNvSpPr txBox="1">
+            <a:spLocks noGrp="1"/>
+          </p:cNvSpPr>
           <p:nvPr>
-            <p:ph idx="12" type="sldNum"/>
+            <p:ph type="sldNum" idx="12"/>
           </p:nvPr>
         </p:nvSpPr>
         <p:spPr>
@@ -5467,7 +5550,7 @@
           </a:prstGeom>
         </p:spPr>
         <p:txBody>
-          <a:bodyPr anchorCtr="0" anchor="ctr" bIns="91425" lIns="91425" spcFirstLastPara="1" rIns="91425" wrap="square" tIns="91425">
+          <a:bodyPr spcFirstLastPara="1" wrap="square" lIns="91425" tIns="91425" rIns="91425" bIns="91425" anchor="ctr" anchorCtr="0">
             <a:noAutofit/>
           </a:bodyPr>
           <a:lstStyle>
@@ -5509,7 +5592,7 @@
             </a:lvl9pPr>
           </a:lstStyle>
           <a:p>
-            <a:pPr indent="0" lvl="0" marL="0" rtl="0" algn="r">
+            <a:pPr marL="0" lvl="0" indent="0" algn="r" rtl="0">
               <a:spcBef>
                 <a:spcPts val="0"/>
               </a:spcBef>
@@ -5535,11 +5618,11 @@
 </file>
 
 <file path=ppt/slideLayouts/slideLayout7.xml><?xml version="1.0" encoding="utf-8"?>
-<p:sldLayout xmlns:a="http://schemas.openxmlformats.org/drawingml/2006/main" xmlns:r="http://schemas.openxmlformats.org/officeDocument/2006/relationships" xmlns:mc="http://schemas.openxmlformats.org/markup-compatibility/2006" xmlns:mv="urn:schemas-microsoft-com:mac:vml" xmlns:p="http://schemas.openxmlformats.org/presentationml/2006/main" xmlns:c="http://schemas.openxmlformats.org/drawingml/2006/chart" xmlns:dgm="http://schemas.openxmlformats.org/drawingml/2006/diagram" xmlns:o="urn:schemas-microsoft-com:office:office" xmlns:v="urn:schemas-microsoft-com:vml" xmlns:pvml="urn:schemas-microsoft-com:office:powerpoint" xmlns:com="http://schemas.openxmlformats.org/drawingml/2006/compatibility" xmlns:p14="http://schemas.microsoft.com/office/powerpoint/2010/main" xmlns:p15="http://schemas.microsoft.com/office/powerpoint/2012/main" matchingName="Main point">
+<p:sldLayout xmlns:a="http://schemas.openxmlformats.org/drawingml/2006/main" xmlns:r="http://schemas.openxmlformats.org/officeDocument/2006/relationships" xmlns:p="http://schemas.openxmlformats.org/presentationml/2006/main" matchingName="Main point">
   <p:cSld name="MAIN_POINT">
     <p:spTree>
       <p:nvGrpSpPr>
-        <p:cNvPr id="55" name="Shape 55"/>
+        <p:cNvPr id="1" name="Shape 55"/>
         <p:cNvGrpSpPr/>
         <p:nvPr/>
       </p:nvGrpSpPr>
@@ -5587,12 +5670,12 @@
             </a:ln>
           </p:spPr>
           <p:txBody>
-            <a:bodyPr anchorCtr="0" anchor="ctr" bIns="91425" lIns="91425" spcFirstLastPara="1" rIns="91425" wrap="square" tIns="91425">
+            <a:bodyPr spcFirstLastPara="1" wrap="square" lIns="91425" tIns="91425" rIns="91425" bIns="91425" anchor="ctr" anchorCtr="0">
               <a:noAutofit/>
             </a:bodyPr>
             <a:lstStyle/>
             <a:p>
-              <a:pPr indent="0" lvl="0" marL="0" rtl="0" algn="l">
+              <a:pPr marL="0" lvl="0" indent="0" algn="l" rtl="0">
                 <a:spcBef>
                   <a:spcPts val="0"/>
                 </a:spcBef>
@@ -5601,9 +5684,6 @@
                 </a:spcAft>
                 <a:buNone/>
               </a:pPr>
-              <a:r>
-                <a:t/>
-              </a:r>
               <a:endParaRPr/>
             </a:p>
           </p:txBody>
@@ -5630,12 +5710,12 @@
             </a:ln>
           </p:spPr>
           <p:txBody>
-            <a:bodyPr anchorCtr="0" anchor="ctr" bIns="91425" lIns="91425" spcFirstLastPara="1" rIns="91425" wrap="square" tIns="91425">
+            <a:bodyPr spcFirstLastPara="1" wrap="square" lIns="91425" tIns="91425" rIns="91425" bIns="91425" anchor="ctr" anchorCtr="0">
               <a:noAutofit/>
             </a:bodyPr>
             <a:lstStyle/>
             <a:p>
-              <a:pPr indent="0" lvl="0" marL="0" rtl="0" algn="l">
+              <a:pPr marL="0" lvl="0" indent="0" algn="l" rtl="0">
                 <a:spcBef>
                   <a:spcPts val="0"/>
                 </a:spcBef>
@@ -5644,9 +5724,6 @@
                 </a:spcAft>
                 <a:buNone/>
               </a:pPr>
-              <a:r>
-                <a:t/>
-              </a:r>
               <a:endParaRPr/>
             </a:p>
           </p:txBody>
@@ -5655,7 +5732,9 @@
       <p:sp>
         <p:nvSpPr>
           <p:cNvPr id="59" name="Google Shape;59;p8"/>
-          <p:cNvSpPr txBox="1"/>
+          <p:cNvSpPr txBox="1">
+            <a:spLocks noGrp="1"/>
+          </p:cNvSpPr>
           <p:nvPr>
             <p:ph type="title"/>
           </p:nvPr>
@@ -5670,7 +5749,7 @@
           </a:prstGeom>
         </p:spPr>
         <p:txBody>
-          <a:bodyPr anchorCtr="0" anchor="ctr" bIns="91425" lIns="91425" spcFirstLastPara="1" rIns="91425" wrap="square" tIns="91425"/>
+          <a:bodyPr spcFirstLastPara="1" wrap="square" lIns="91425" tIns="91425" rIns="91425" bIns="91425" anchor="ctr" anchorCtr="0"/>
           <a:lstStyle>
             <a:lvl1pPr lvl="0">
               <a:spcBef>
@@ -5835,15 +5914,19 @@
               </a:defRPr>
             </a:lvl9pPr>
           </a:lstStyle>
-          <a:p/>
+          <a:p>
+            <a:endParaRPr/>
+          </a:p>
         </p:txBody>
       </p:sp>
       <p:sp>
         <p:nvSpPr>
           <p:cNvPr id="60" name="Google Shape;60;p8"/>
-          <p:cNvSpPr txBox="1"/>
+          <p:cNvSpPr txBox="1">
+            <a:spLocks noGrp="1"/>
+          </p:cNvSpPr>
           <p:nvPr>
-            <p:ph idx="12" type="sldNum"/>
+            <p:ph type="sldNum" idx="12"/>
           </p:nvPr>
         </p:nvSpPr>
         <p:spPr>
@@ -5856,7 +5939,7 @@
           </a:prstGeom>
         </p:spPr>
         <p:txBody>
-          <a:bodyPr anchorCtr="0" anchor="ctr" bIns="91425" lIns="91425" spcFirstLastPara="1" rIns="91425" wrap="square" tIns="91425">
+          <a:bodyPr spcFirstLastPara="1" wrap="square" lIns="91425" tIns="91425" rIns="91425" bIns="91425" anchor="ctr" anchorCtr="0">
             <a:noAutofit/>
           </a:bodyPr>
           <a:lstStyle>
@@ -5934,7 +6017,7 @@
             </a:lvl9pPr>
           </a:lstStyle>
           <a:p>
-            <a:pPr indent="0" lvl="0" marL="0" rtl="0" algn="r">
+            <a:pPr marL="0" lvl="0" indent="0" algn="r" rtl="0">
               <a:spcBef>
                 <a:spcPts val="0"/>
               </a:spcBef>
@@ -5960,11 +6043,11 @@
 </file>
 
 <file path=ppt/slideLayouts/slideLayout8.xml><?xml version="1.0" encoding="utf-8"?>
-<p:sldLayout xmlns:a="http://schemas.openxmlformats.org/drawingml/2006/main" xmlns:r="http://schemas.openxmlformats.org/officeDocument/2006/relationships" xmlns:mc="http://schemas.openxmlformats.org/markup-compatibility/2006" xmlns:mv="urn:schemas-microsoft-com:mac:vml" xmlns:p="http://schemas.openxmlformats.org/presentationml/2006/main" xmlns:c="http://schemas.openxmlformats.org/drawingml/2006/chart" xmlns:dgm="http://schemas.openxmlformats.org/drawingml/2006/diagram" xmlns:o="urn:schemas-microsoft-com:office:office" xmlns:v="urn:schemas-microsoft-com:vml" xmlns:pvml="urn:schemas-microsoft-com:office:powerpoint" xmlns:com="http://schemas.openxmlformats.org/drawingml/2006/compatibility" xmlns:p14="http://schemas.microsoft.com/office/powerpoint/2010/main" xmlns:p15="http://schemas.microsoft.com/office/powerpoint/2012/main" matchingName="Section title and description">
+<p:sldLayout xmlns:a="http://schemas.openxmlformats.org/drawingml/2006/main" xmlns:r="http://schemas.openxmlformats.org/officeDocument/2006/relationships" xmlns:p="http://schemas.openxmlformats.org/presentationml/2006/main" matchingName="Section title and description">
   <p:cSld name="SECTION_TITLE_AND_DESCRIPTION">
     <p:spTree>
       <p:nvGrpSpPr>
-        <p:cNvPr id="61" name="Shape 61"/>
+        <p:cNvPr id="1" name="Shape 61"/>
         <p:cNvGrpSpPr/>
         <p:nvPr/>
       </p:nvGrpSpPr>
@@ -5998,12 +6081,12 @@
           </a:ln>
         </p:spPr>
         <p:txBody>
-          <a:bodyPr anchorCtr="0" anchor="ctr" bIns="91425" lIns="91425" spcFirstLastPara="1" rIns="91425" wrap="square" tIns="91425">
+          <a:bodyPr spcFirstLastPara="1" wrap="square" lIns="91425" tIns="91425" rIns="91425" bIns="91425" anchor="ctr" anchorCtr="0">
             <a:noAutofit/>
           </a:bodyPr>
           <a:lstStyle/>
           <a:p>
-            <a:pPr indent="0" lvl="0" marL="0" rtl="0" algn="l">
+            <a:pPr marL="0" lvl="0" indent="0" algn="l" rtl="0">
               <a:spcBef>
                 <a:spcPts val="0"/>
               </a:spcBef>
@@ -6012,9 +6095,6 @@
               </a:spcAft>
               <a:buNone/>
             </a:pPr>
-            <a:r>
-              <a:t/>
-            </a:r>
             <a:endParaRPr/>
           </a:p>
         </p:txBody>
@@ -6055,12 +6135,12 @@
             </a:ln>
           </p:spPr>
           <p:txBody>
-            <a:bodyPr anchorCtr="0" anchor="ctr" bIns="91425" lIns="91425" spcFirstLastPara="1" rIns="91425" wrap="square" tIns="91425">
+            <a:bodyPr spcFirstLastPara="1" wrap="square" lIns="91425" tIns="91425" rIns="91425" bIns="91425" anchor="ctr" anchorCtr="0">
               <a:noAutofit/>
             </a:bodyPr>
             <a:lstStyle/>
             <a:p>
-              <a:pPr indent="0" lvl="0" marL="0" rtl="0" algn="l">
+              <a:pPr marL="0" lvl="0" indent="0" algn="l" rtl="0">
                 <a:spcBef>
                   <a:spcPts val="0"/>
                 </a:spcBef>
@@ -6069,9 +6149,6 @@
                 </a:spcAft>
                 <a:buNone/>
               </a:pPr>
-              <a:r>
-                <a:t/>
-              </a:r>
               <a:endParaRPr/>
             </a:p>
           </p:txBody>
@@ -6098,12 +6175,12 @@
             </a:ln>
           </p:spPr>
           <p:txBody>
-            <a:bodyPr anchorCtr="0" anchor="ctr" bIns="91425" lIns="91425" spcFirstLastPara="1" rIns="91425" wrap="square" tIns="91425">
+            <a:bodyPr spcFirstLastPara="1" wrap="square" lIns="91425" tIns="91425" rIns="91425" bIns="91425" anchor="ctr" anchorCtr="0">
               <a:noAutofit/>
             </a:bodyPr>
             <a:lstStyle/>
             <a:p>
-              <a:pPr indent="0" lvl="0" marL="0" rtl="0" algn="l">
+              <a:pPr marL="0" lvl="0" indent="0" algn="l" rtl="0">
                 <a:spcBef>
                   <a:spcPts val="0"/>
                 </a:spcBef>
@@ -6112,9 +6189,6 @@
                 </a:spcAft>
                 <a:buNone/>
               </a:pPr>
-              <a:r>
-                <a:t/>
-              </a:r>
               <a:endParaRPr/>
             </a:p>
           </p:txBody>
@@ -6123,7 +6197,9 @@
       <p:sp>
         <p:nvSpPr>
           <p:cNvPr id="66" name="Google Shape;66;p9"/>
-          <p:cNvSpPr txBox="1"/>
+          <p:cNvSpPr txBox="1">
+            <a:spLocks noGrp="1"/>
+          </p:cNvSpPr>
           <p:nvPr>
             <p:ph type="title"/>
           </p:nvPr>
@@ -6138,7 +6214,7 @@
           </a:prstGeom>
         </p:spPr>
         <p:txBody>
-          <a:bodyPr anchorCtr="0" anchor="t" bIns="91425" lIns="91425" spcFirstLastPara="1" rIns="91425" wrap="square" tIns="91425"/>
+          <a:bodyPr spcFirstLastPara="1" wrap="square" lIns="91425" tIns="91425" rIns="91425" bIns="91425" anchor="t" anchorCtr="0"/>
           <a:lstStyle>
             <a:lvl1pPr lvl="0">
               <a:spcBef>
@@ -6303,15 +6379,19 @@
               </a:defRPr>
             </a:lvl9pPr>
           </a:lstStyle>
-          <a:p/>
+          <a:p>
+            <a:endParaRPr/>
+          </a:p>
         </p:txBody>
       </p:sp>
       <p:sp>
         <p:nvSpPr>
           <p:cNvPr id="67" name="Google Shape;67;p9"/>
-          <p:cNvSpPr txBox="1"/>
+          <p:cNvSpPr txBox="1">
+            <a:spLocks noGrp="1"/>
+          </p:cNvSpPr>
           <p:nvPr>
-            <p:ph idx="1" type="subTitle"/>
+            <p:ph type="subTitle" idx="1"/>
           </p:nvPr>
         </p:nvSpPr>
         <p:spPr>
@@ -6324,7 +6404,7 @@
           </a:prstGeom>
         </p:spPr>
         <p:txBody>
-          <a:bodyPr anchorCtr="0" anchor="t" bIns="91425" lIns="91425" spcFirstLastPara="1" rIns="91425" wrap="square" tIns="91425"/>
+          <a:bodyPr spcFirstLastPara="1" wrap="square" lIns="91425" tIns="91425" rIns="91425" bIns="91425" anchor="t" anchorCtr="0"/>
           <a:lstStyle>
             <a:lvl1pPr lvl="0">
               <a:lnSpc>
@@ -6453,15 +6533,19 @@
               <a:defRPr sz="1600"/>
             </a:lvl9pPr>
           </a:lstStyle>
-          <a:p/>
+          <a:p>
+            <a:endParaRPr/>
+          </a:p>
         </p:txBody>
       </p:sp>
       <p:sp>
         <p:nvSpPr>
           <p:cNvPr id="68" name="Google Shape;68;p9"/>
-          <p:cNvSpPr txBox="1"/>
+          <p:cNvSpPr txBox="1">
+            <a:spLocks noGrp="1"/>
+          </p:cNvSpPr>
           <p:nvPr>
-            <p:ph idx="2" type="body"/>
+            <p:ph type="body" idx="2"/>
           </p:nvPr>
         </p:nvSpPr>
         <p:spPr>
@@ -6474,9 +6558,9 @@
           </a:prstGeom>
         </p:spPr>
         <p:txBody>
-          <a:bodyPr anchorCtr="0" anchor="t" bIns="91425" lIns="91425" spcFirstLastPara="1" rIns="91425" wrap="square" tIns="91425"/>
+          <a:bodyPr spcFirstLastPara="1" wrap="square" lIns="91425" tIns="91425" rIns="91425" bIns="91425" anchor="t" anchorCtr="0"/>
           <a:lstStyle>
-            <a:lvl1pPr indent="-311150" lvl="0" marL="457200">
+            <a:lvl1pPr marL="457200" lvl="0" indent="-311150">
               <a:spcBef>
                 <a:spcPts val="0"/>
               </a:spcBef>
@@ -6487,7 +6571,7 @@
               <a:buChar char="●"/>
               <a:defRPr/>
             </a:lvl1pPr>
-            <a:lvl2pPr indent="-298450" lvl="1" marL="914400">
+            <a:lvl2pPr marL="914400" lvl="1" indent="-298450">
               <a:spcBef>
                 <a:spcPts val="1600"/>
               </a:spcBef>
@@ -6498,7 +6582,7 @@
               <a:buChar char="○"/>
               <a:defRPr/>
             </a:lvl2pPr>
-            <a:lvl3pPr indent="-298450" lvl="2" marL="1371600">
+            <a:lvl3pPr marL="1371600" lvl="2" indent="-298450">
               <a:spcBef>
                 <a:spcPts val="1600"/>
               </a:spcBef>
@@ -6509,7 +6593,7 @@
               <a:buChar char="■"/>
               <a:defRPr/>
             </a:lvl3pPr>
-            <a:lvl4pPr indent="-298450" lvl="3" marL="1828800">
+            <a:lvl4pPr marL="1828800" lvl="3" indent="-298450">
               <a:spcBef>
                 <a:spcPts val="1600"/>
               </a:spcBef>
@@ -6520,7 +6604,7 @@
               <a:buChar char="●"/>
               <a:defRPr/>
             </a:lvl4pPr>
-            <a:lvl5pPr indent="-298450" lvl="4" marL="2286000">
+            <a:lvl5pPr marL="2286000" lvl="4" indent="-298450">
               <a:spcBef>
                 <a:spcPts val="1600"/>
               </a:spcBef>
@@ -6531,7 +6615,7 @@
               <a:buChar char="○"/>
               <a:defRPr/>
             </a:lvl5pPr>
-            <a:lvl6pPr indent="-298450" lvl="5" marL="2743200">
+            <a:lvl6pPr marL="2743200" lvl="5" indent="-298450">
               <a:spcBef>
                 <a:spcPts val="1600"/>
               </a:spcBef>
@@ -6542,7 +6626,7 @@
               <a:buChar char="■"/>
               <a:defRPr/>
             </a:lvl6pPr>
-            <a:lvl7pPr indent="-298450" lvl="6" marL="3200400">
+            <a:lvl7pPr marL="3200400" lvl="6" indent="-298450">
               <a:spcBef>
                 <a:spcPts val="1600"/>
               </a:spcBef>
@@ -6553,7 +6637,7 @@
               <a:buChar char="●"/>
               <a:defRPr/>
             </a:lvl7pPr>
-            <a:lvl8pPr indent="-298450" lvl="7" marL="3657600">
+            <a:lvl8pPr marL="3657600" lvl="7" indent="-298450">
               <a:spcBef>
                 <a:spcPts val="1600"/>
               </a:spcBef>
@@ -6564,7 +6648,7 @@
               <a:buChar char="○"/>
               <a:defRPr/>
             </a:lvl8pPr>
-            <a:lvl9pPr indent="-298450" lvl="8" marL="4114800">
+            <a:lvl9pPr marL="4114800" lvl="8" indent="-298450">
               <a:spcBef>
                 <a:spcPts val="1600"/>
               </a:spcBef>
@@ -6576,15 +6660,19 @@
               <a:defRPr/>
             </a:lvl9pPr>
           </a:lstStyle>
-          <a:p/>
+          <a:p>
+            <a:endParaRPr/>
+          </a:p>
         </p:txBody>
       </p:sp>
       <p:sp>
         <p:nvSpPr>
           <p:cNvPr id="69" name="Google Shape;69;p9"/>
-          <p:cNvSpPr txBox="1"/>
+          <p:cNvSpPr txBox="1">
+            <a:spLocks noGrp="1"/>
+          </p:cNvSpPr>
           <p:nvPr>
-            <p:ph idx="12" type="sldNum"/>
+            <p:ph type="sldNum" idx="12"/>
           </p:nvPr>
         </p:nvSpPr>
         <p:spPr>
@@ -6597,7 +6685,7 @@
           </a:prstGeom>
         </p:spPr>
         <p:txBody>
-          <a:bodyPr anchorCtr="0" anchor="ctr" bIns="91425" lIns="91425" spcFirstLastPara="1" rIns="91425" wrap="square" tIns="91425">
+          <a:bodyPr spcFirstLastPara="1" wrap="square" lIns="91425" tIns="91425" rIns="91425" bIns="91425" anchor="ctr" anchorCtr="0">
             <a:noAutofit/>
           </a:bodyPr>
           <a:lstStyle>
@@ -6639,7 +6727,7 @@
             </a:lvl9pPr>
           </a:lstStyle>
           <a:p>
-            <a:pPr indent="0" lvl="0" marL="0" rtl="0" algn="r">
+            <a:pPr marL="0" lvl="0" indent="0" algn="r" rtl="0">
               <a:spcBef>
                 <a:spcPts val="0"/>
               </a:spcBef>
@@ -6665,11 +6753,11 @@
 </file>
 
 <file path=ppt/slideLayouts/slideLayout9.xml><?xml version="1.0" encoding="utf-8"?>
-<p:sldLayout xmlns:a="http://schemas.openxmlformats.org/drawingml/2006/main" xmlns:r="http://schemas.openxmlformats.org/officeDocument/2006/relationships" xmlns:mc="http://schemas.openxmlformats.org/markup-compatibility/2006" xmlns:mv="urn:schemas-microsoft-com:mac:vml" xmlns:p="http://schemas.openxmlformats.org/presentationml/2006/main" xmlns:c="http://schemas.openxmlformats.org/drawingml/2006/chart" xmlns:dgm="http://schemas.openxmlformats.org/drawingml/2006/diagram" xmlns:o="urn:schemas-microsoft-com:office:office" xmlns:v="urn:schemas-microsoft-com:vml" xmlns:pvml="urn:schemas-microsoft-com:office:powerpoint" xmlns:com="http://schemas.openxmlformats.org/drawingml/2006/compatibility" xmlns:p14="http://schemas.microsoft.com/office/powerpoint/2010/main" xmlns:p15="http://schemas.microsoft.com/office/powerpoint/2012/main" matchingName="Caption">
+<p:sldLayout xmlns:a="http://schemas.openxmlformats.org/drawingml/2006/main" xmlns:r="http://schemas.openxmlformats.org/officeDocument/2006/relationships" xmlns:p="http://schemas.openxmlformats.org/presentationml/2006/main" matchingName="Caption">
   <p:cSld name="CAPTION_ONLY">
     <p:spTree>
       <p:nvGrpSpPr>
-        <p:cNvPr id="70" name="Shape 70"/>
+        <p:cNvPr id="1" name="Shape 70"/>
         <p:cNvGrpSpPr/>
         <p:nvPr/>
       </p:nvGrpSpPr>
@@ -6684,9 +6772,11 @@
       <p:sp>
         <p:nvSpPr>
           <p:cNvPr id="71" name="Google Shape;71;p10"/>
-          <p:cNvSpPr txBox="1"/>
+          <p:cNvSpPr txBox="1">
+            <a:spLocks noGrp="1"/>
+          </p:cNvSpPr>
           <p:nvPr>
-            <p:ph idx="1" type="body"/>
+            <p:ph type="body" idx="1"/>
           </p:nvPr>
         </p:nvSpPr>
         <p:spPr>
@@ -6699,9 +6789,9 @@
           </a:prstGeom>
         </p:spPr>
         <p:txBody>
-          <a:bodyPr anchorCtr="0" anchor="ctr" bIns="91425" lIns="91425" spcFirstLastPara="1" rIns="91425" wrap="square" tIns="91425"/>
+          <a:bodyPr spcFirstLastPara="1" wrap="square" lIns="91425" tIns="91425" rIns="91425" bIns="91425" anchor="ctr" anchorCtr="0"/>
           <a:lstStyle>
-            <a:lvl1pPr indent="-228600" lvl="0" marL="457200">
+            <a:lvl1pPr marL="457200" lvl="0" indent="-228600">
               <a:lnSpc>
                 <a:spcPct val="100000"/>
               </a:lnSpc>
@@ -6716,15 +6806,19 @@
               <a:defRPr/>
             </a:lvl1pPr>
           </a:lstStyle>
-          <a:p/>
+          <a:p>
+            <a:endParaRPr/>
+          </a:p>
         </p:txBody>
       </p:sp>
       <p:sp>
         <p:nvSpPr>
           <p:cNvPr id="72" name="Google Shape;72;p10"/>
-          <p:cNvSpPr txBox="1"/>
+          <p:cNvSpPr txBox="1">
+            <a:spLocks noGrp="1"/>
+          </p:cNvSpPr>
           <p:nvPr>
-            <p:ph idx="12" type="sldNum"/>
+            <p:ph type="sldNum" idx="12"/>
           </p:nvPr>
         </p:nvSpPr>
         <p:spPr>
@@ -6737,7 +6831,7 @@
           </a:prstGeom>
         </p:spPr>
         <p:txBody>
-          <a:bodyPr anchorCtr="0" anchor="ctr" bIns="91425" lIns="91425" spcFirstLastPara="1" rIns="91425" wrap="square" tIns="91425">
+          <a:bodyPr spcFirstLastPara="1" wrap="square" lIns="91425" tIns="91425" rIns="91425" bIns="91425" anchor="ctr" anchorCtr="0">
             <a:noAutofit/>
           </a:bodyPr>
           <a:lstStyle>
@@ -6779,7 +6873,7 @@
             </a:lvl9pPr>
           </a:lstStyle>
           <a:p>
-            <a:pPr indent="0" lvl="0" marL="0" rtl="0" algn="r">
+            <a:pPr marL="0" lvl="0" indent="0" algn="r" rtl="0">
               <a:spcBef>
                 <a:spcPts val="0"/>
               </a:spcBef>
@@ -6805,18 +6899,19 @@
 </file>
 
 <file path=ppt/slideMasters/slideMaster1.xml><?xml version="1.0" encoding="utf-8"?>
-<p:sldMaster xmlns:a="http://schemas.openxmlformats.org/drawingml/2006/main" xmlns:r="http://schemas.openxmlformats.org/officeDocument/2006/relationships" xmlns:mc="http://schemas.openxmlformats.org/markup-compatibility/2006" xmlns:mv="urn:schemas-microsoft-com:mac:vml" xmlns:p="http://schemas.openxmlformats.org/presentationml/2006/main" xmlns:c="http://schemas.openxmlformats.org/drawingml/2006/chart" xmlns:dgm="http://schemas.openxmlformats.org/drawingml/2006/diagram" xmlns:o="urn:schemas-microsoft-com:office:office" xmlns:v="urn:schemas-microsoft-com:vml" xmlns:pvml="urn:schemas-microsoft-com:office:powerpoint" xmlns:com="http://schemas.openxmlformats.org/drawingml/2006/compatibility" xmlns:p14="http://schemas.microsoft.com/office/powerpoint/2010/main" xmlns:p15="http://schemas.microsoft.com/office/powerpoint/2012/main">
+<p:sldMaster xmlns:a="http://schemas.openxmlformats.org/drawingml/2006/main" xmlns:r="http://schemas.openxmlformats.org/officeDocument/2006/relationships" xmlns:p="http://schemas.openxmlformats.org/presentationml/2006/main">
   <p:cSld name="streamline">
     <p:bg>
       <p:bgPr>
         <a:solidFill>
           <a:srgbClr val="76A5AF"/>
         </a:solidFill>
+        <a:effectLst/>
       </p:bgPr>
     </p:bg>
     <p:spTree>
       <p:nvGrpSpPr>
-        <p:cNvPr id="5" name="Shape 5"/>
+        <p:cNvPr id="1" name="Shape 5"/>
         <p:cNvGrpSpPr/>
         <p:nvPr/>
       </p:nvGrpSpPr>
@@ -6831,7 +6926,9 @@
       <p:sp>
         <p:nvSpPr>
           <p:cNvPr id="6" name="Google Shape;6;p1"/>
-          <p:cNvSpPr txBox="1"/>
+          <p:cNvSpPr txBox="1">
+            <a:spLocks noGrp="1"/>
+          </p:cNvSpPr>
           <p:nvPr>
             <p:ph type="title"/>
           </p:nvPr>
@@ -6850,7 +6947,7 @@
           </a:ln>
         </p:spPr>
         <p:txBody>
-          <a:bodyPr anchorCtr="0" anchor="t" bIns="91425" lIns="91425" spcFirstLastPara="1" rIns="91425" wrap="square" tIns="91425"/>
+          <a:bodyPr spcFirstLastPara="1" wrap="square" lIns="91425" tIns="91425" rIns="91425" bIns="91425" anchor="t" anchorCtr="0"/>
           <a:lstStyle>
             <a:lvl1pPr lvl="0">
               <a:spcBef>
@@ -6862,7 +6959,7 @@
               <a:buSzPts val="2800"/>
               <a:buFont typeface="Raleway"/>
               <a:buNone/>
-              <a:defRPr b="1" sz="2800">
+              <a:defRPr sz="2800" b="1">
                 <a:latin typeface="Raleway"/>
                 <a:ea typeface="Raleway"/>
                 <a:cs typeface="Raleway"/>
@@ -6879,7 +6976,7 @@
               <a:buSzPts val="2800"/>
               <a:buFont typeface="Raleway"/>
               <a:buNone/>
-              <a:defRPr b="1" sz="2800">
+              <a:defRPr sz="2800" b="1">
                 <a:latin typeface="Raleway"/>
                 <a:ea typeface="Raleway"/>
                 <a:cs typeface="Raleway"/>
@@ -6896,7 +6993,7 @@
               <a:buSzPts val="2800"/>
               <a:buFont typeface="Raleway"/>
               <a:buNone/>
-              <a:defRPr b="1" sz="2800">
+              <a:defRPr sz="2800" b="1">
                 <a:latin typeface="Raleway"/>
                 <a:ea typeface="Raleway"/>
                 <a:cs typeface="Raleway"/>
@@ -6913,7 +7010,7 @@
               <a:buSzPts val="2800"/>
               <a:buFont typeface="Raleway"/>
               <a:buNone/>
-              <a:defRPr b="1" sz="2800">
+              <a:defRPr sz="2800" b="1">
                 <a:latin typeface="Raleway"/>
                 <a:ea typeface="Raleway"/>
                 <a:cs typeface="Raleway"/>
@@ -6930,7 +7027,7 @@
               <a:buSzPts val="2800"/>
               <a:buFont typeface="Raleway"/>
               <a:buNone/>
-              <a:defRPr b="1" sz="2800">
+              <a:defRPr sz="2800" b="1">
                 <a:latin typeface="Raleway"/>
                 <a:ea typeface="Raleway"/>
                 <a:cs typeface="Raleway"/>
@@ -6947,7 +7044,7 @@
               <a:buSzPts val="2800"/>
               <a:buFont typeface="Raleway"/>
               <a:buNone/>
-              <a:defRPr b="1" sz="2800">
+              <a:defRPr sz="2800" b="1">
                 <a:latin typeface="Raleway"/>
                 <a:ea typeface="Raleway"/>
                 <a:cs typeface="Raleway"/>
@@ -6964,7 +7061,7 @@
               <a:buSzPts val="2800"/>
               <a:buFont typeface="Raleway"/>
               <a:buNone/>
-              <a:defRPr b="1" sz="2800">
+              <a:defRPr sz="2800" b="1">
                 <a:latin typeface="Raleway"/>
                 <a:ea typeface="Raleway"/>
                 <a:cs typeface="Raleway"/>
@@ -6981,7 +7078,7 @@
               <a:buSzPts val="2800"/>
               <a:buFont typeface="Raleway"/>
               <a:buNone/>
-              <a:defRPr b="1" sz="2800">
+              <a:defRPr sz="2800" b="1">
                 <a:latin typeface="Raleway"/>
                 <a:ea typeface="Raleway"/>
                 <a:cs typeface="Raleway"/>
@@ -6998,7 +7095,7 @@
               <a:buSzPts val="2800"/>
               <a:buFont typeface="Raleway"/>
               <a:buNone/>
-              <a:defRPr b="1" sz="2800">
+              <a:defRPr sz="2800" b="1">
                 <a:latin typeface="Raleway"/>
                 <a:ea typeface="Raleway"/>
                 <a:cs typeface="Raleway"/>
@@ -7006,15 +7103,19 @@
               </a:defRPr>
             </a:lvl9pPr>
           </a:lstStyle>
-          <a:p/>
+          <a:p>
+            <a:endParaRPr/>
+          </a:p>
         </p:txBody>
       </p:sp>
       <p:sp>
         <p:nvSpPr>
           <p:cNvPr id="7" name="Google Shape;7;p1"/>
-          <p:cNvSpPr txBox="1"/>
+          <p:cNvSpPr txBox="1">
+            <a:spLocks noGrp="1"/>
+          </p:cNvSpPr>
           <p:nvPr>
-            <p:ph idx="1" type="body"/>
+            <p:ph type="body" idx="1"/>
           </p:nvPr>
         </p:nvSpPr>
         <p:spPr>
@@ -7031,9 +7132,9 @@
           </a:ln>
         </p:spPr>
         <p:txBody>
-          <a:bodyPr anchorCtr="0" anchor="t" bIns="91425" lIns="91425" spcFirstLastPara="1" rIns="91425" wrap="square" tIns="91425"/>
+          <a:bodyPr spcFirstLastPara="1" wrap="square" lIns="91425" tIns="91425" rIns="91425" bIns="91425" anchor="t" anchorCtr="0"/>
           <a:lstStyle>
-            <a:lvl1pPr indent="-311150" lvl="0" marL="457200">
+            <a:lvl1pPr marL="457200" lvl="0" indent="-311150">
               <a:lnSpc>
                 <a:spcPct val="115000"/>
               </a:lnSpc>
@@ -7059,7 +7160,7 @@
                 <a:sym typeface="Lato"/>
               </a:defRPr>
             </a:lvl1pPr>
-            <a:lvl2pPr indent="-298450" lvl="1" marL="914400">
+            <a:lvl2pPr marL="914400" lvl="1" indent="-298450">
               <a:lnSpc>
                 <a:spcPct val="115000"/>
               </a:lnSpc>
@@ -7085,7 +7186,7 @@
                 <a:sym typeface="Lato"/>
               </a:defRPr>
             </a:lvl2pPr>
-            <a:lvl3pPr indent="-298450" lvl="2" marL="1371600">
+            <a:lvl3pPr marL="1371600" lvl="2" indent="-298450">
               <a:lnSpc>
                 <a:spcPct val="115000"/>
               </a:lnSpc>
@@ -7111,7 +7212,7 @@
                 <a:sym typeface="Lato"/>
               </a:defRPr>
             </a:lvl3pPr>
-            <a:lvl4pPr indent="-298450" lvl="3" marL="1828800">
+            <a:lvl4pPr marL="1828800" lvl="3" indent="-298450">
               <a:lnSpc>
                 <a:spcPct val="115000"/>
               </a:lnSpc>
@@ -7137,7 +7238,7 @@
                 <a:sym typeface="Lato"/>
               </a:defRPr>
             </a:lvl4pPr>
-            <a:lvl5pPr indent="-298450" lvl="4" marL="2286000">
+            <a:lvl5pPr marL="2286000" lvl="4" indent="-298450">
               <a:lnSpc>
                 <a:spcPct val="115000"/>
               </a:lnSpc>
@@ -7163,7 +7264,7 @@
                 <a:sym typeface="Lato"/>
               </a:defRPr>
             </a:lvl5pPr>
-            <a:lvl6pPr indent="-298450" lvl="5" marL="2743200">
+            <a:lvl6pPr marL="2743200" lvl="5" indent="-298450">
               <a:lnSpc>
                 <a:spcPct val="115000"/>
               </a:lnSpc>
@@ -7189,7 +7290,7 @@
                 <a:sym typeface="Lato"/>
               </a:defRPr>
             </a:lvl6pPr>
-            <a:lvl7pPr indent="-298450" lvl="6" marL="3200400">
+            <a:lvl7pPr marL="3200400" lvl="6" indent="-298450">
               <a:lnSpc>
                 <a:spcPct val="115000"/>
               </a:lnSpc>
@@ -7215,7 +7316,7 @@
                 <a:sym typeface="Lato"/>
               </a:defRPr>
             </a:lvl7pPr>
-            <a:lvl8pPr indent="-298450" lvl="7" marL="3657600">
+            <a:lvl8pPr marL="3657600" lvl="7" indent="-298450">
               <a:lnSpc>
                 <a:spcPct val="115000"/>
               </a:lnSpc>
@@ -7241,7 +7342,7 @@
                 <a:sym typeface="Lato"/>
               </a:defRPr>
             </a:lvl8pPr>
-            <a:lvl9pPr indent="-298450" lvl="8" marL="4114800">
+            <a:lvl9pPr marL="4114800" lvl="8" indent="-298450">
               <a:lnSpc>
                 <a:spcPct val="115000"/>
               </a:lnSpc>
@@ -7268,15 +7369,19 @@
               </a:defRPr>
             </a:lvl9pPr>
           </a:lstStyle>
-          <a:p/>
+          <a:p>
+            <a:endParaRPr/>
+          </a:p>
         </p:txBody>
       </p:sp>
       <p:sp>
         <p:nvSpPr>
           <p:cNvPr id="8" name="Google Shape;8;p1"/>
-          <p:cNvSpPr txBox="1"/>
+          <p:cNvSpPr txBox="1">
+            <a:spLocks noGrp="1"/>
+          </p:cNvSpPr>
           <p:nvPr>
-            <p:ph idx="12" type="sldNum"/>
+            <p:ph type="sldNum" idx="12"/>
           </p:nvPr>
         </p:nvSpPr>
         <p:spPr>
@@ -7293,7 +7398,7 @@
           </a:ln>
         </p:spPr>
         <p:txBody>
-          <a:bodyPr anchorCtr="0" anchor="ctr" bIns="91425" lIns="91425" spcFirstLastPara="1" rIns="91425" wrap="square" tIns="91425">
+          <a:bodyPr spcFirstLastPara="1" wrap="square" lIns="91425" tIns="91425" rIns="91425" bIns="91425" anchor="ctr" anchorCtr="0">
             <a:noAutofit/>
           </a:bodyPr>
           <a:lstStyle>
@@ -7407,7 +7512,7 @@
             </a:lvl9pPr>
           </a:lstStyle>
           <a:p>
-            <a:pPr indent="0" lvl="0" marL="0" rtl="0" algn="r">
+            <a:pPr marL="0" lvl="0" indent="0" algn="r" rtl="0">
               <a:spcBef>
                 <a:spcPts val="0"/>
               </a:spcBef>
@@ -7426,7 +7531,7 @@
       </p:sp>
     </p:spTree>
   </p:cSld>
-  <p:clrMap accent1="accent1" accent2="accent2" accent3="accent3" accent4="accent4" accent5="accent5" accent6="accent6" bg1="lt1" bg2="dk2" tx1="dk1" tx2="lt2" folHlink="folHlink" hlink="hlink"/>
+  <p:clrMap bg1="lt1" tx1="dk1" bg2="dk2" tx2="lt2" accent1="accent1" accent2="accent2" accent3="accent3" accent4="accent4" accent5="accent5" accent6="accent6" hlink="hlink" folHlink="folHlink"/>
   <p:sldLayoutIdLst>
     <p:sldLayoutId id="2147483648" r:id="rId1"/>
     <p:sldLayoutId id="2147483649" r:id="rId2"/>
@@ -7440,10 +7545,10 @@
     <p:sldLayoutId id="2147483657" r:id="rId10"/>
     <p:sldLayoutId id="2147483658" r:id="rId11"/>
   </p:sldLayoutIdLst>
-  <p:hf dt="0" ftr="0" hdr="0" sldNum="0"/>
+  <p:hf sldNum="0" hdr="0" ftr="0" dt="0"/>
   <p:txStyles>
     <p:titleStyle>
-      <a:defPPr lvl="0" marR="0" rtl="0" algn="l">
+      <a:defPPr marR="0" lvl="0" algn="l" rtl="0">
         <a:lnSpc>
           <a:spcPct val="100000"/>
         </a:lnSpc>
@@ -7454,7 +7559,7 @@
           <a:spcPts val="0"/>
         </a:spcAft>
       </a:defPPr>
-      <a:lvl1pPr lvl="0" marR="0" rtl="0" algn="l">
+      <a:lvl1pPr marR="0" lvl="0" algn="l" rtl="0">
         <a:lnSpc>
           <a:spcPct val="100000"/>
         </a:lnSpc>
@@ -7468,7 +7573,7 @@
           <a:srgbClr val="000000"/>
         </a:buClr>
         <a:buFont typeface="Arial"/>
-        <a:defRPr b="0" i="0" sz="1400" u="none" cap="none" strike="noStrike">
+        <a:defRPr sz="1400" b="0" i="0" u="none" strike="noStrike" cap="none">
           <a:solidFill>
             <a:srgbClr val="000000"/>
           </a:solidFill>
@@ -7478,7 +7583,7 @@
           <a:sym typeface="Arial"/>
         </a:defRPr>
       </a:lvl1pPr>
-      <a:lvl2pPr lvl="1" marR="0" rtl="0" algn="l">
+      <a:lvl2pPr marR="0" lvl="1" algn="l" rtl="0">
         <a:lnSpc>
           <a:spcPct val="100000"/>
         </a:lnSpc>
@@ -7492,7 +7597,7 @@
           <a:srgbClr val="000000"/>
         </a:buClr>
         <a:buFont typeface="Arial"/>
-        <a:defRPr b="0" i="0" sz="1400" u="none" cap="none" strike="noStrike">
+        <a:defRPr sz="1400" b="0" i="0" u="none" strike="noStrike" cap="none">
           <a:solidFill>
             <a:srgbClr val="000000"/>
           </a:solidFill>
@@ -7502,7 +7607,7 @@
           <a:sym typeface="Arial"/>
         </a:defRPr>
       </a:lvl2pPr>
-      <a:lvl3pPr lvl="2" marR="0" rtl="0" algn="l">
+      <a:lvl3pPr marR="0" lvl="2" algn="l" rtl="0">
         <a:lnSpc>
           <a:spcPct val="100000"/>
         </a:lnSpc>
@@ -7516,7 +7621,7 @@
           <a:srgbClr val="000000"/>
         </a:buClr>
         <a:buFont typeface="Arial"/>
-        <a:defRPr b="0" i="0" sz="1400" u="none" cap="none" strike="noStrike">
+        <a:defRPr sz="1400" b="0" i="0" u="none" strike="noStrike" cap="none">
           <a:solidFill>
             <a:srgbClr val="000000"/>
           </a:solidFill>
@@ -7526,7 +7631,7 @@
           <a:sym typeface="Arial"/>
         </a:defRPr>
       </a:lvl3pPr>
-      <a:lvl4pPr lvl="3" marR="0" rtl="0" algn="l">
+      <a:lvl4pPr marR="0" lvl="3" algn="l" rtl="0">
         <a:lnSpc>
           <a:spcPct val="100000"/>
         </a:lnSpc>
@@ -7540,7 +7645,7 @@
           <a:srgbClr val="000000"/>
         </a:buClr>
         <a:buFont typeface="Arial"/>
-        <a:defRPr b="0" i="0" sz="1400" u="none" cap="none" strike="noStrike">
+        <a:defRPr sz="1400" b="0" i="0" u="none" strike="noStrike" cap="none">
           <a:solidFill>
             <a:srgbClr val="000000"/>
           </a:solidFill>
@@ -7550,7 +7655,7 @@
           <a:sym typeface="Arial"/>
         </a:defRPr>
       </a:lvl4pPr>
-      <a:lvl5pPr lvl="4" marR="0" rtl="0" algn="l">
+      <a:lvl5pPr marR="0" lvl="4" algn="l" rtl="0">
         <a:lnSpc>
           <a:spcPct val="100000"/>
         </a:lnSpc>
@@ -7564,7 +7669,7 @@
           <a:srgbClr val="000000"/>
         </a:buClr>
         <a:buFont typeface="Arial"/>
-        <a:defRPr b="0" i="0" sz="1400" u="none" cap="none" strike="noStrike">
+        <a:defRPr sz="1400" b="0" i="0" u="none" strike="noStrike" cap="none">
           <a:solidFill>
             <a:srgbClr val="000000"/>
           </a:solidFill>
@@ -7574,7 +7679,7 @@
           <a:sym typeface="Arial"/>
         </a:defRPr>
       </a:lvl5pPr>
-      <a:lvl6pPr lvl="5" marR="0" rtl="0" algn="l">
+      <a:lvl6pPr marR="0" lvl="5" algn="l" rtl="0">
         <a:lnSpc>
           <a:spcPct val="100000"/>
         </a:lnSpc>
@@ -7588,7 +7693,7 @@
           <a:srgbClr val="000000"/>
         </a:buClr>
         <a:buFont typeface="Arial"/>
-        <a:defRPr b="0" i="0" sz="1400" u="none" cap="none" strike="noStrike">
+        <a:defRPr sz="1400" b="0" i="0" u="none" strike="noStrike" cap="none">
           <a:solidFill>
             <a:srgbClr val="000000"/>
           </a:solidFill>
@@ -7598,7 +7703,7 @@
           <a:sym typeface="Arial"/>
         </a:defRPr>
       </a:lvl6pPr>
-      <a:lvl7pPr lvl="6" marR="0" rtl="0" algn="l">
+      <a:lvl7pPr marR="0" lvl="6" algn="l" rtl="0">
         <a:lnSpc>
           <a:spcPct val="100000"/>
         </a:lnSpc>
@@ -7612,7 +7717,7 @@
           <a:srgbClr val="000000"/>
         </a:buClr>
         <a:buFont typeface="Arial"/>
-        <a:defRPr b="0" i="0" sz="1400" u="none" cap="none" strike="noStrike">
+        <a:defRPr sz="1400" b="0" i="0" u="none" strike="noStrike" cap="none">
           <a:solidFill>
             <a:srgbClr val="000000"/>
           </a:solidFill>
@@ -7622,7 +7727,7 @@
           <a:sym typeface="Arial"/>
         </a:defRPr>
       </a:lvl7pPr>
-      <a:lvl8pPr lvl="7" marR="0" rtl="0" algn="l">
+      <a:lvl8pPr marR="0" lvl="7" algn="l" rtl="0">
         <a:lnSpc>
           <a:spcPct val="100000"/>
         </a:lnSpc>
@@ -7636,7 +7741,7 @@
           <a:srgbClr val="000000"/>
         </a:buClr>
         <a:buFont typeface="Arial"/>
-        <a:defRPr b="0" i="0" sz="1400" u="none" cap="none" strike="noStrike">
+        <a:defRPr sz="1400" b="0" i="0" u="none" strike="noStrike" cap="none">
           <a:solidFill>
             <a:srgbClr val="000000"/>
           </a:solidFill>
@@ -7646,7 +7751,7 @@
           <a:sym typeface="Arial"/>
         </a:defRPr>
       </a:lvl8pPr>
-      <a:lvl9pPr lvl="8" marR="0" rtl="0" algn="l">
+      <a:lvl9pPr marR="0" lvl="8" algn="l" rtl="0">
         <a:lnSpc>
           <a:spcPct val="100000"/>
         </a:lnSpc>
@@ -7660,7 +7765,7 @@
           <a:srgbClr val="000000"/>
         </a:buClr>
         <a:buFont typeface="Arial"/>
-        <a:defRPr b="0" i="0" sz="1400" u="none" cap="none" strike="noStrike">
+        <a:defRPr sz="1400" b="0" i="0" u="none" strike="noStrike" cap="none">
           <a:solidFill>
             <a:srgbClr val="000000"/>
           </a:solidFill>
@@ -7672,7 +7777,7 @@
       </a:lvl9pPr>
     </p:titleStyle>
     <p:bodyStyle>
-      <a:defPPr lvl="0" marR="0" rtl="0" algn="l">
+      <a:defPPr marR="0" lvl="0" algn="l" rtl="0">
         <a:lnSpc>
           <a:spcPct val="100000"/>
         </a:lnSpc>
@@ -7683,7 +7788,7 @@
           <a:spcPts val="0"/>
         </a:spcAft>
       </a:defPPr>
-      <a:lvl1pPr lvl="0" marR="0" rtl="0" algn="l">
+      <a:lvl1pPr marR="0" lvl="0" algn="l" rtl="0">
         <a:lnSpc>
           <a:spcPct val="100000"/>
         </a:lnSpc>
@@ -7697,7 +7802,7 @@
           <a:srgbClr val="000000"/>
         </a:buClr>
         <a:buFont typeface="Arial"/>
-        <a:defRPr b="0" i="0" sz="1400" u="none" cap="none" strike="noStrike">
+        <a:defRPr sz="1400" b="0" i="0" u="none" strike="noStrike" cap="none">
           <a:solidFill>
             <a:srgbClr val="000000"/>
           </a:solidFill>
@@ -7707,7 +7812,7 @@
           <a:sym typeface="Arial"/>
         </a:defRPr>
       </a:lvl1pPr>
-      <a:lvl2pPr lvl="1" marR="0" rtl="0" algn="l">
+      <a:lvl2pPr marR="0" lvl="1" algn="l" rtl="0">
         <a:lnSpc>
           <a:spcPct val="100000"/>
         </a:lnSpc>
@@ -7721,7 +7826,7 @@
           <a:srgbClr val="000000"/>
         </a:buClr>
         <a:buFont typeface="Arial"/>
-        <a:defRPr b="0" i="0" sz="1400" u="none" cap="none" strike="noStrike">
+        <a:defRPr sz="1400" b="0" i="0" u="none" strike="noStrike" cap="none">
           <a:solidFill>
             <a:srgbClr val="000000"/>
           </a:solidFill>
@@ -7731,7 +7836,7 @@
           <a:sym typeface="Arial"/>
         </a:defRPr>
       </a:lvl2pPr>
-      <a:lvl3pPr lvl="2" marR="0" rtl="0" algn="l">
+      <a:lvl3pPr marR="0" lvl="2" algn="l" rtl="0">
         <a:lnSpc>
           <a:spcPct val="100000"/>
         </a:lnSpc>
@@ -7745,7 +7850,7 @@
           <a:srgbClr val="000000"/>
         </a:buClr>
         <a:buFont typeface="Arial"/>
-        <a:defRPr b="0" i="0" sz="1400" u="none" cap="none" strike="noStrike">
+        <a:defRPr sz="1400" b="0" i="0" u="none" strike="noStrike" cap="none">
           <a:solidFill>
             <a:srgbClr val="000000"/>
           </a:solidFill>
@@ -7755,7 +7860,7 @@
           <a:sym typeface="Arial"/>
         </a:defRPr>
       </a:lvl3pPr>
-      <a:lvl4pPr lvl="3" marR="0" rtl="0" algn="l">
+      <a:lvl4pPr marR="0" lvl="3" algn="l" rtl="0">
         <a:lnSpc>
           <a:spcPct val="100000"/>
         </a:lnSpc>
@@ -7769,7 +7874,7 @@
           <a:srgbClr val="000000"/>
         </a:buClr>
         <a:buFont typeface="Arial"/>
-        <a:defRPr b="0" i="0" sz="1400" u="none" cap="none" strike="noStrike">
+        <a:defRPr sz="1400" b="0" i="0" u="none" strike="noStrike" cap="none">
           <a:solidFill>
             <a:srgbClr val="000000"/>
           </a:solidFill>
@@ -7779,7 +7884,7 @@
           <a:sym typeface="Arial"/>
         </a:defRPr>
       </a:lvl4pPr>
-      <a:lvl5pPr lvl="4" marR="0" rtl="0" algn="l">
+      <a:lvl5pPr marR="0" lvl="4" algn="l" rtl="0">
         <a:lnSpc>
           <a:spcPct val="100000"/>
         </a:lnSpc>
@@ -7793,7 +7898,7 @@
           <a:srgbClr val="000000"/>
         </a:buClr>
         <a:buFont typeface="Arial"/>
-        <a:defRPr b="0" i="0" sz="1400" u="none" cap="none" strike="noStrike">
+        <a:defRPr sz="1400" b="0" i="0" u="none" strike="noStrike" cap="none">
           <a:solidFill>
             <a:srgbClr val="000000"/>
           </a:solidFill>
@@ -7803,7 +7908,7 @@
           <a:sym typeface="Arial"/>
         </a:defRPr>
       </a:lvl5pPr>
-      <a:lvl6pPr lvl="5" marR="0" rtl="0" algn="l">
+      <a:lvl6pPr marR="0" lvl="5" algn="l" rtl="0">
         <a:lnSpc>
           <a:spcPct val="100000"/>
         </a:lnSpc>
@@ -7817,7 +7922,7 @@
           <a:srgbClr val="000000"/>
         </a:buClr>
         <a:buFont typeface="Arial"/>
-        <a:defRPr b="0" i="0" sz="1400" u="none" cap="none" strike="noStrike">
+        <a:defRPr sz="1400" b="0" i="0" u="none" strike="noStrike" cap="none">
           <a:solidFill>
             <a:srgbClr val="000000"/>
           </a:solidFill>
@@ -7827,7 +7932,7 @@
           <a:sym typeface="Arial"/>
         </a:defRPr>
       </a:lvl6pPr>
-      <a:lvl7pPr lvl="6" marR="0" rtl="0" algn="l">
+      <a:lvl7pPr marR="0" lvl="6" algn="l" rtl="0">
         <a:lnSpc>
           <a:spcPct val="100000"/>
         </a:lnSpc>
@@ -7841,7 +7946,7 @@
           <a:srgbClr val="000000"/>
         </a:buClr>
         <a:buFont typeface="Arial"/>
-        <a:defRPr b="0" i="0" sz="1400" u="none" cap="none" strike="noStrike">
+        <a:defRPr sz="1400" b="0" i="0" u="none" strike="noStrike" cap="none">
           <a:solidFill>
             <a:srgbClr val="000000"/>
           </a:solidFill>
@@ -7851,7 +7956,7 @@
           <a:sym typeface="Arial"/>
         </a:defRPr>
       </a:lvl7pPr>
-      <a:lvl8pPr lvl="7" marR="0" rtl="0" algn="l">
+      <a:lvl8pPr marR="0" lvl="7" algn="l" rtl="0">
         <a:lnSpc>
           <a:spcPct val="100000"/>
         </a:lnSpc>
@@ -7865,7 +7970,7 @@
           <a:srgbClr val="000000"/>
         </a:buClr>
         <a:buFont typeface="Arial"/>
-        <a:defRPr b="0" i="0" sz="1400" u="none" cap="none" strike="noStrike">
+        <a:defRPr sz="1400" b="0" i="0" u="none" strike="noStrike" cap="none">
           <a:solidFill>
             <a:srgbClr val="000000"/>
           </a:solidFill>
@@ -7875,7 +7980,7 @@
           <a:sym typeface="Arial"/>
         </a:defRPr>
       </a:lvl8pPr>
-      <a:lvl9pPr lvl="8" marR="0" rtl="0" algn="l">
+      <a:lvl9pPr marR="0" lvl="8" algn="l" rtl="0">
         <a:lnSpc>
           <a:spcPct val="100000"/>
         </a:lnSpc>
@@ -7889,7 +7994,7 @@
           <a:srgbClr val="000000"/>
         </a:buClr>
         <a:buFont typeface="Arial"/>
-        <a:defRPr b="0" i="0" sz="1400" u="none" cap="none" strike="noStrike">
+        <a:defRPr sz="1400" b="0" i="0" u="none" strike="noStrike" cap="none">
           <a:solidFill>
             <a:srgbClr val="000000"/>
           </a:solidFill>
@@ -7901,7 +8006,7 @@
       </a:lvl9pPr>
     </p:bodyStyle>
     <p:otherStyle>
-      <a:defPPr lvl="0" marR="0" rtl="0" algn="l">
+      <a:defPPr marR="0" lvl="0" algn="l" rtl="0">
         <a:lnSpc>
           <a:spcPct val="100000"/>
         </a:lnSpc>
@@ -7912,7 +8017,7 @@
           <a:spcPts val="0"/>
         </a:spcAft>
       </a:defPPr>
-      <a:lvl1pPr lvl="0" marR="0" rtl="0" algn="l">
+      <a:lvl1pPr marR="0" lvl="0" algn="l" rtl="0">
         <a:lnSpc>
           <a:spcPct val="100000"/>
         </a:lnSpc>
@@ -7926,7 +8031,7 @@
           <a:srgbClr val="000000"/>
         </a:buClr>
         <a:buFont typeface="Arial"/>
-        <a:defRPr b="0" i="0" sz="1400" u="none" cap="none" strike="noStrike">
+        <a:defRPr sz="1400" b="0" i="0" u="none" strike="noStrike" cap="none">
           <a:solidFill>
             <a:srgbClr val="000000"/>
           </a:solidFill>
@@ -7936,7 +8041,7 @@
           <a:sym typeface="Arial"/>
         </a:defRPr>
       </a:lvl1pPr>
-      <a:lvl2pPr lvl="1" marR="0" rtl="0" algn="l">
+      <a:lvl2pPr marR="0" lvl="1" algn="l" rtl="0">
         <a:lnSpc>
           <a:spcPct val="100000"/>
         </a:lnSpc>
@@ -7950,7 +8055,7 @@
           <a:srgbClr val="000000"/>
         </a:buClr>
         <a:buFont typeface="Arial"/>
-        <a:defRPr b="0" i="0" sz="1400" u="none" cap="none" strike="noStrike">
+        <a:defRPr sz="1400" b="0" i="0" u="none" strike="noStrike" cap="none">
           <a:solidFill>
             <a:srgbClr val="000000"/>
           </a:solidFill>
@@ -7960,7 +8065,7 @@
           <a:sym typeface="Arial"/>
         </a:defRPr>
       </a:lvl2pPr>
-      <a:lvl3pPr lvl="2" marR="0" rtl="0" algn="l">
+      <a:lvl3pPr marR="0" lvl="2" algn="l" rtl="0">
         <a:lnSpc>
           <a:spcPct val="100000"/>
         </a:lnSpc>
@@ -7974,7 +8079,7 @@
           <a:srgbClr val="000000"/>
         </a:buClr>
         <a:buFont typeface="Arial"/>
-        <a:defRPr b="0" i="0" sz="1400" u="none" cap="none" strike="noStrike">
+        <a:defRPr sz="1400" b="0" i="0" u="none" strike="noStrike" cap="none">
           <a:solidFill>
             <a:srgbClr val="000000"/>
           </a:solidFill>
@@ -7984,7 +8089,7 @@
           <a:sym typeface="Arial"/>
         </a:defRPr>
       </a:lvl3pPr>
-      <a:lvl4pPr lvl="3" marR="0" rtl="0" algn="l">
+      <a:lvl4pPr marR="0" lvl="3" algn="l" rtl="0">
         <a:lnSpc>
           <a:spcPct val="100000"/>
         </a:lnSpc>
@@ -7998,7 +8103,7 @@
           <a:srgbClr val="000000"/>
         </a:buClr>
         <a:buFont typeface="Arial"/>
-        <a:defRPr b="0" i="0" sz="1400" u="none" cap="none" strike="noStrike">
+        <a:defRPr sz="1400" b="0" i="0" u="none" strike="noStrike" cap="none">
           <a:solidFill>
             <a:srgbClr val="000000"/>
           </a:solidFill>
@@ -8008,7 +8113,7 @@
           <a:sym typeface="Arial"/>
         </a:defRPr>
       </a:lvl4pPr>
-      <a:lvl5pPr lvl="4" marR="0" rtl="0" algn="l">
+      <a:lvl5pPr marR="0" lvl="4" algn="l" rtl="0">
         <a:lnSpc>
           <a:spcPct val="100000"/>
         </a:lnSpc>
@@ -8022,7 +8127,7 @@
           <a:srgbClr val="000000"/>
         </a:buClr>
         <a:buFont typeface="Arial"/>
-        <a:defRPr b="0" i="0" sz="1400" u="none" cap="none" strike="noStrike">
+        <a:defRPr sz="1400" b="0" i="0" u="none" strike="noStrike" cap="none">
           <a:solidFill>
             <a:srgbClr val="000000"/>
           </a:solidFill>
@@ -8032,7 +8137,7 @@
           <a:sym typeface="Arial"/>
         </a:defRPr>
       </a:lvl5pPr>
-      <a:lvl6pPr lvl="5" marR="0" rtl="0" algn="l">
+      <a:lvl6pPr marR="0" lvl="5" algn="l" rtl="0">
         <a:lnSpc>
           <a:spcPct val="100000"/>
         </a:lnSpc>
@@ -8046,7 +8151,7 @@
           <a:srgbClr val="000000"/>
         </a:buClr>
         <a:buFont typeface="Arial"/>
-        <a:defRPr b="0" i="0" sz="1400" u="none" cap="none" strike="noStrike">
+        <a:defRPr sz="1400" b="0" i="0" u="none" strike="noStrike" cap="none">
           <a:solidFill>
             <a:srgbClr val="000000"/>
           </a:solidFill>
@@ -8056,7 +8161,7 @@
           <a:sym typeface="Arial"/>
         </a:defRPr>
       </a:lvl6pPr>
-      <a:lvl7pPr lvl="6" marR="0" rtl="0" algn="l">
+      <a:lvl7pPr marR="0" lvl="6" algn="l" rtl="0">
         <a:lnSpc>
           <a:spcPct val="100000"/>
         </a:lnSpc>
@@ -8070,7 +8175,7 @@
           <a:srgbClr val="000000"/>
         </a:buClr>
         <a:buFont typeface="Arial"/>
-        <a:defRPr b="0" i="0" sz="1400" u="none" cap="none" strike="noStrike">
+        <a:defRPr sz="1400" b="0" i="0" u="none" strike="noStrike" cap="none">
           <a:solidFill>
             <a:srgbClr val="000000"/>
           </a:solidFill>
@@ -8080,7 +8185,7 @@
           <a:sym typeface="Arial"/>
         </a:defRPr>
       </a:lvl7pPr>
-      <a:lvl8pPr lvl="7" marR="0" rtl="0" algn="l">
+      <a:lvl8pPr marR="0" lvl="7" algn="l" rtl="0">
         <a:lnSpc>
           <a:spcPct val="100000"/>
         </a:lnSpc>
@@ -8094,7 +8199,7 @@
           <a:srgbClr val="000000"/>
         </a:buClr>
         <a:buFont typeface="Arial"/>
-        <a:defRPr b="0" i="0" sz="1400" u="none" cap="none" strike="noStrike">
+        <a:defRPr sz="1400" b="0" i="0" u="none" strike="noStrike" cap="none">
           <a:solidFill>
             <a:srgbClr val="000000"/>
           </a:solidFill>
@@ -8104,7 +8209,7 @@
           <a:sym typeface="Arial"/>
         </a:defRPr>
       </a:lvl8pPr>
-      <a:lvl9pPr lvl="8" marR="0" rtl="0" algn="l">
+      <a:lvl9pPr marR="0" lvl="8" algn="l" rtl="0">
         <a:lnSpc>
           <a:spcPct val="100000"/>
         </a:lnSpc>
@@ -8118,7 +8223,7 @@
           <a:srgbClr val="000000"/>
         </a:buClr>
         <a:buFont typeface="Arial"/>
-        <a:defRPr b="0" i="0" sz="1400" u="none" cap="none" strike="noStrike">
+        <a:defRPr sz="1400" b="0" i="0" u="none" strike="noStrike" cap="none">
           <a:solidFill>
             <a:srgbClr val="000000"/>
           </a:solidFill>
@@ -8134,11 +8239,11 @@
 </file>
 
 <file path=ppt/slides/slide1.xml><?xml version="1.0" encoding="utf-8"?>
-<p:sld xmlns:a="http://schemas.openxmlformats.org/drawingml/2006/main" xmlns:r="http://schemas.openxmlformats.org/officeDocument/2006/relationships" xmlns:mc="http://schemas.openxmlformats.org/markup-compatibility/2006" xmlns:mv="urn:schemas-microsoft-com:mac:vml" xmlns:p="http://schemas.openxmlformats.org/presentationml/2006/main" xmlns:c="http://schemas.openxmlformats.org/drawingml/2006/chart" xmlns:dgm="http://schemas.openxmlformats.org/drawingml/2006/diagram" xmlns:o="urn:schemas-microsoft-com:office:office" xmlns:v="urn:schemas-microsoft-com:vml" xmlns:pvml="urn:schemas-microsoft-com:office:powerpoint" xmlns:com="http://schemas.openxmlformats.org/drawingml/2006/compatibility" xmlns:p14="http://schemas.microsoft.com/office/powerpoint/2010/main" xmlns:p15="http://schemas.microsoft.com/office/powerpoint/2012/main">
+<p:sld xmlns:a="http://schemas.openxmlformats.org/drawingml/2006/main" xmlns:r="http://schemas.openxmlformats.org/officeDocument/2006/relationships" xmlns:p="http://schemas.openxmlformats.org/presentationml/2006/main">
   <p:cSld>
     <p:spTree>
       <p:nvGrpSpPr>
-        <p:cNvPr id="85" name="Shape 85"/>
+        <p:cNvPr id="1" name="Shape 85"/>
         <p:cNvGrpSpPr/>
         <p:nvPr/>
       </p:nvGrpSpPr>
@@ -8170,12 +8275,12 @@
           </a:ln>
         </p:spPr>
         <p:txBody>
-          <a:bodyPr anchorCtr="0" anchor="t" bIns="91425" lIns="91425" spcFirstLastPara="1" rIns="91425" wrap="square" tIns="91425">
+          <a:bodyPr spcFirstLastPara="1" wrap="square" lIns="91425" tIns="91425" rIns="91425" bIns="91425" anchor="t" anchorCtr="0">
             <a:noAutofit/>
           </a:bodyPr>
           <a:lstStyle/>
           <a:p>
-            <a:pPr indent="0" lvl="0" marL="0" rtl="0" algn="ctr">
+            <a:pPr marL="0" lvl="0" indent="0" algn="ctr" rtl="0">
               <a:spcBef>
                 <a:spcPts val="0"/>
               </a:spcBef>
@@ -8185,7 +8290,7 @@
               <a:buNone/>
             </a:pPr>
             <a:r>
-              <a:rPr b="1" lang="en" sz="6000">
+              <a:rPr lang="en" sz="6000" b="1">
                 <a:solidFill>
                   <a:srgbClr val="F3F3F3"/>
                 </a:solidFill>
@@ -8196,7 +8301,7 @@
               </a:rPr>
               <a:t>Master of Science:</a:t>
             </a:r>
-            <a:endParaRPr b="1" sz="6000">
+            <a:endParaRPr sz="6000" b="1">
               <a:solidFill>
                 <a:srgbClr val="F3F3F3"/>
               </a:solidFill>
@@ -8207,7 +8312,7 @@
             </a:endParaRPr>
           </a:p>
           <a:p>
-            <a:pPr indent="0" lvl="0" marL="0" rtl="0" algn="ctr">
+            <a:pPr marL="0" lvl="0" indent="0" algn="ctr" rtl="0">
               <a:spcBef>
                 <a:spcPts val="0"/>
               </a:spcBef>
@@ -8217,7 +8322,7 @@
               <a:buNone/>
             </a:pPr>
             <a:r>
-              <a:rPr b="1" lang="en" sz="6000">
+              <a:rPr lang="en" sz="6000" b="1">
                 <a:solidFill>
                   <a:srgbClr val="F3F3F3"/>
                 </a:solidFill>
@@ -8228,7 +8333,7 @@
               </a:rPr>
               <a:t>Applied Data Science</a:t>
             </a:r>
-            <a:endParaRPr b="1" sz="6000">
+            <a:endParaRPr sz="6000" b="1">
               <a:solidFill>
                 <a:srgbClr val="F3F3F3"/>
               </a:solidFill>
@@ -8239,7 +8344,7 @@
             </a:endParaRPr>
           </a:p>
           <a:p>
-            <a:pPr indent="0" lvl="0" marL="0" rtl="0" algn="ctr">
+            <a:pPr marL="0" lvl="0" indent="0" algn="ctr" rtl="0">
               <a:spcBef>
                 <a:spcPts val="0"/>
               </a:spcBef>
@@ -8249,7 +8354,7 @@
               <a:buNone/>
             </a:pPr>
             <a:r>
-              <a:rPr b="1" lang="en" sz="6000">
+              <a:rPr lang="en" sz="6000" b="1">
                 <a:solidFill>
                   <a:srgbClr val="F3F3F3"/>
                 </a:solidFill>
@@ -8260,7 +8365,7 @@
               </a:rPr>
               <a:t>Portfolio</a:t>
             </a:r>
-            <a:endParaRPr b="1" sz="6000">
+            <a:endParaRPr sz="6000" b="1">
               <a:solidFill>
                 <a:srgbClr val="F3F3F3"/>
               </a:solidFill>
@@ -8292,12 +8397,12 @@
           </a:ln>
         </p:spPr>
         <p:txBody>
-          <a:bodyPr anchorCtr="0" anchor="t" bIns="91425" lIns="91425" spcFirstLastPara="1" rIns="91425" wrap="square" tIns="91425">
+          <a:bodyPr spcFirstLastPara="1" wrap="square" lIns="91425" tIns="91425" rIns="91425" bIns="91425" anchor="t" anchorCtr="0">
             <a:noAutofit/>
           </a:bodyPr>
           <a:lstStyle/>
           <a:p>
-            <a:pPr indent="0" lvl="0" marL="0" rtl="0" algn="ctr">
+            <a:pPr marL="0" lvl="0" indent="0" algn="ctr" rtl="0">
               <a:spcBef>
                 <a:spcPts val="0"/>
               </a:spcBef>
@@ -8307,7 +8412,7 @@
               <a:buNone/>
             </a:pPr>
             <a:r>
-              <a:rPr i="1" lang="en" sz="4800">
+              <a:rPr lang="en" sz="4800" i="1">
                 <a:solidFill>
                   <a:srgbClr val="FFFFFF"/>
                 </a:solidFill>
@@ -8318,7 +8423,7 @@
               </a:rPr>
               <a:t>Anthony (Ollie) Olivieri</a:t>
             </a:r>
-            <a:endParaRPr i="1" sz="4800">
+            <a:endParaRPr sz="4800" i="1">
               <a:solidFill>
                 <a:srgbClr val="FFFFFF"/>
               </a:solidFill>
@@ -8339,11 +8444,11 @@
 </file>
 
 <file path=ppt/slides/slide2.xml><?xml version="1.0" encoding="utf-8"?>
-<p:sld xmlns:a="http://schemas.openxmlformats.org/drawingml/2006/main" xmlns:r="http://schemas.openxmlformats.org/officeDocument/2006/relationships" xmlns:mc="http://schemas.openxmlformats.org/markup-compatibility/2006" xmlns:mv="urn:schemas-microsoft-com:mac:vml" xmlns:p="http://schemas.openxmlformats.org/presentationml/2006/main" xmlns:c="http://schemas.openxmlformats.org/drawingml/2006/chart" xmlns:dgm="http://schemas.openxmlformats.org/drawingml/2006/diagram" xmlns:o="urn:schemas-microsoft-com:office:office" xmlns:v="urn:schemas-microsoft-com:vml" xmlns:pvml="urn:schemas-microsoft-com:office:powerpoint" xmlns:com="http://schemas.openxmlformats.org/drawingml/2006/compatibility" xmlns:p14="http://schemas.microsoft.com/office/powerpoint/2010/main" xmlns:p15="http://schemas.microsoft.com/office/powerpoint/2012/main">
+<p:sld xmlns:a="http://schemas.openxmlformats.org/drawingml/2006/main" xmlns:r="http://schemas.openxmlformats.org/officeDocument/2006/relationships" xmlns:p="http://schemas.openxmlformats.org/presentationml/2006/main">
   <p:cSld>
     <p:spTree>
       <p:nvGrpSpPr>
-        <p:cNvPr id="91" name="Shape 91"/>
+        <p:cNvPr id="1" name="Shape 91"/>
         <p:cNvGrpSpPr/>
         <p:nvPr/>
       </p:nvGrpSpPr>
@@ -8377,12 +8482,12 @@
           </a:ln>
         </p:spPr>
         <p:txBody>
-          <a:bodyPr anchorCtr="0" anchor="ctr" bIns="91425" lIns="91425" spcFirstLastPara="1" rIns="91425" wrap="square" tIns="91425">
+          <a:bodyPr spcFirstLastPara="1" wrap="square" lIns="91425" tIns="91425" rIns="91425" bIns="91425" anchor="ctr" anchorCtr="0">
             <a:noAutofit/>
           </a:bodyPr>
           <a:lstStyle/>
           <a:p>
-            <a:pPr indent="0" lvl="0" marL="0" rtl="0" algn="l">
+            <a:pPr marL="0" lvl="0" indent="0" algn="l" rtl="0">
               <a:spcBef>
                 <a:spcPts val="0"/>
               </a:spcBef>
@@ -8391,9 +8496,6 @@
               </a:spcAft>
               <a:buNone/>
             </a:pPr>
-            <a:r>
-              <a:t/>
-            </a:r>
             <a:endParaRPr/>
           </a:p>
         </p:txBody>
@@ -8420,12 +8522,12 @@
           </a:ln>
         </p:spPr>
         <p:txBody>
-          <a:bodyPr anchorCtr="0" anchor="ctr" bIns="91425" lIns="91425" spcFirstLastPara="1" rIns="91425" wrap="square" tIns="91425">
+          <a:bodyPr spcFirstLastPara="1" wrap="square" lIns="91425" tIns="91425" rIns="91425" bIns="91425" anchor="ctr" anchorCtr="0">
             <a:noAutofit/>
           </a:bodyPr>
           <a:lstStyle/>
           <a:p>
-            <a:pPr indent="0" lvl="0" marL="0" rtl="0" algn="l">
+            <a:pPr marL="0" lvl="0" indent="0" algn="l" rtl="0">
               <a:spcBef>
                 <a:spcPts val="0"/>
               </a:spcBef>
@@ -8434,9 +8536,6 @@
               </a:spcAft>
               <a:buNone/>
             </a:pPr>
-            <a:r>
-              <a:t/>
-            </a:r>
             <a:endParaRPr/>
           </a:p>
         </p:txBody>
@@ -8461,12 +8560,12 @@
           </a:ln>
         </p:spPr>
         <p:txBody>
-          <a:bodyPr anchorCtr="0" anchor="ctr" bIns="91425" lIns="91425" spcFirstLastPara="1" rIns="91425" wrap="square" tIns="91425">
+          <a:bodyPr spcFirstLastPara="1" wrap="square" lIns="91425" tIns="91425" rIns="91425" bIns="91425" anchor="ctr" anchorCtr="0">
             <a:noAutofit/>
           </a:bodyPr>
           <a:lstStyle/>
           <a:p>
-            <a:pPr indent="0" lvl="0" marL="0" rtl="0" algn="ctr">
+            <a:pPr marL="0" lvl="0" indent="0" algn="ctr" rtl="0">
               <a:spcBef>
                 <a:spcPts val="0"/>
               </a:spcBef>
@@ -8476,7 +8575,7 @@
               <a:buNone/>
             </a:pPr>
             <a:r>
-              <a:rPr b="1" lang="en" sz="2400">
+              <a:rPr lang="en" sz="2400" b="1">
                 <a:solidFill>
                   <a:schemeClr val="lt1"/>
                 </a:solidFill>
@@ -8487,7 +8586,7 @@
               </a:rPr>
               <a:t>1</a:t>
             </a:r>
-            <a:endParaRPr b="1" sz="2400">
+            <a:endParaRPr sz="2400" b="1">
               <a:solidFill>
                 <a:schemeClr val="lt1"/>
               </a:solidFill>
@@ -8519,12 +8618,12 @@
           </a:ln>
         </p:spPr>
         <p:txBody>
-          <a:bodyPr anchorCtr="0" anchor="t" bIns="91425" lIns="91425" spcFirstLastPara="1" rIns="91425" wrap="square" tIns="91425">
+          <a:bodyPr spcFirstLastPara="1" wrap="square" lIns="91425" tIns="91425" rIns="91425" bIns="91425" anchor="t" anchorCtr="0">
             <a:noAutofit/>
           </a:bodyPr>
           <a:lstStyle/>
           <a:p>
-            <a:pPr indent="-419100" lvl="0" marL="457200" rtl="0" algn="l">
+            <a:pPr marL="457200" lvl="0" indent="-419100" algn="l" rtl="0">
               <a:spcBef>
                 <a:spcPts val="0"/>
               </a:spcBef>
@@ -8561,7 +8660,7 @@
             </a:endParaRPr>
           </a:p>
           <a:p>
-            <a:pPr indent="-342900" lvl="1" marL="914400" rtl="0" algn="l">
+            <a:pPr marL="914400" lvl="1" indent="-342900" algn="l" rtl="0">
               <a:spcBef>
                 <a:spcPts val="0"/>
               </a:spcBef>
@@ -8598,7 +8697,7 @@
             </a:endParaRPr>
           </a:p>
           <a:p>
-            <a:pPr indent="-342900" lvl="2" marL="1371600" rtl="0" algn="l">
+            <a:pPr marL="1371600" lvl="2" indent="-342900" algn="l" rtl="0">
               <a:spcBef>
                 <a:spcPts val="0"/>
               </a:spcBef>
@@ -8635,7 +8734,7 @@
             </a:endParaRPr>
           </a:p>
           <a:p>
-            <a:pPr indent="-342900" lvl="2" marL="1371600" rtl="0" algn="l">
+            <a:pPr marL="1371600" lvl="2" indent="-342900" algn="l" rtl="0">
               <a:spcBef>
                 <a:spcPts val="0"/>
               </a:spcBef>
@@ -8672,7 +8771,7 @@
             </a:endParaRPr>
           </a:p>
           <a:p>
-            <a:pPr indent="-342900" lvl="2" marL="1371600" rtl="0" algn="l">
+            <a:pPr marL="1371600" lvl="2" indent="-342900" algn="l" rtl="0">
               <a:spcBef>
                 <a:spcPts val="0"/>
               </a:spcBef>
@@ -8709,7 +8808,7 @@
             </a:endParaRPr>
           </a:p>
           <a:p>
-            <a:pPr indent="-342900" lvl="2" marL="1371600" rtl="0" algn="l">
+            <a:pPr marL="1371600" lvl="2" indent="-342900" algn="l" rtl="0">
               <a:spcBef>
                 <a:spcPts val="0"/>
               </a:spcBef>
@@ -8746,7 +8845,7 @@
             </a:endParaRPr>
           </a:p>
           <a:p>
-            <a:pPr indent="-342900" lvl="1" marL="914400" rtl="0" algn="l">
+            <a:pPr marL="914400" lvl="1" indent="-342900" algn="l" rtl="0">
               <a:spcBef>
                 <a:spcPts val="0"/>
               </a:spcBef>
@@ -8783,7 +8882,7 @@
             </a:endParaRPr>
           </a:p>
           <a:p>
-            <a:pPr indent="-342900" lvl="2" marL="1371600" rtl="0" algn="l">
+            <a:pPr marL="1371600" lvl="2" indent="-342900" algn="l" rtl="0">
               <a:spcBef>
                 <a:spcPts val="0"/>
               </a:spcBef>
@@ -8820,7 +8919,7 @@
             </a:endParaRPr>
           </a:p>
           <a:p>
-            <a:pPr indent="-342900" lvl="2" marL="1371600" rtl="0" algn="l">
+            <a:pPr marL="1371600" lvl="2" indent="-342900" algn="l" rtl="0">
               <a:spcBef>
                 <a:spcPts val="0"/>
               </a:spcBef>
@@ -8857,7 +8956,7 @@
             </a:endParaRPr>
           </a:p>
           <a:p>
-            <a:pPr indent="-342900" lvl="3" marL="1828800" rtl="0" algn="l">
+            <a:pPr marL="1828800" lvl="3" indent="-342900" algn="l" rtl="0">
               <a:spcBef>
                 <a:spcPts val="0"/>
               </a:spcBef>
@@ -8894,7 +8993,7 @@
             </a:endParaRPr>
           </a:p>
           <a:p>
-            <a:pPr indent="-342900" lvl="4" marL="2286000" rtl="0" algn="l">
+            <a:pPr marL="2286000" lvl="4" indent="-342900" algn="l" rtl="0">
               <a:spcBef>
                 <a:spcPts val="0"/>
               </a:spcBef>
@@ -8954,12 +9053,12 @@
           </a:ln>
         </p:spPr>
         <p:txBody>
-          <a:bodyPr anchorCtr="0" anchor="ctr" bIns="91425" lIns="91425" spcFirstLastPara="1" rIns="91425" wrap="square" tIns="91425">
+          <a:bodyPr spcFirstLastPara="1" wrap="square" lIns="91425" tIns="91425" rIns="91425" bIns="91425" anchor="ctr" anchorCtr="0">
             <a:noAutofit/>
           </a:bodyPr>
           <a:lstStyle/>
           <a:p>
-            <a:pPr indent="0" lvl="0" marL="0" rtl="0" algn="l">
+            <a:pPr marL="0" lvl="0" indent="0" algn="l" rtl="0">
               <a:spcBef>
                 <a:spcPts val="0"/>
               </a:spcBef>
@@ -8968,9 +9067,6 @@
               </a:spcAft>
               <a:buNone/>
             </a:pPr>
-            <a:r>
-              <a:t/>
-            </a:r>
             <a:endParaRPr/>
           </a:p>
         </p:txBody>
@@ -8984,11 +9080,11 @@
 </file>
 
 <file path=ppt/slides/slide3.xml><?xml version="1.0" encoding="utf-8"?>
-<p:sld xmlns:a="http://schemas.openxmlformats.org/drawingml/2006/main" xmlns:r="http://schemas.openxmlformats.org/officeDocument/2006/relationships" xmlns:mc="http://schemas.openxmlformats.org/markup-compatibility/2006" xmlns:mv="urn:schemas-microsoft-com:mac:vml" xmlns:p="http://schemas.openxmlformats.org/presentationml/2006/main" xmlns:c="http://schemas.openxmlformats.org/drawingml/2006/chart" xmlns:dgm="http://schemas.openxmlformats.org/drawingml/2006/diagram" xmlns:o="urn:schemas-microsoft-com:office:office" xmlns:v="urn:schemas-microsoft-com:vml" xmlns:pvml="urn:schemas-microsoft-com:office:powerpoint" xmlns:com="http://schemas.openxmlformats.org/drawingml/2006/compatibility" xmlns:p14="http://schemas.microsoft.com/office/powerpoint/2010/main" xmlns:p15="http://schemas.microsoft.com/office/powerpoint/2012/main">
+<p:sld xmlns:a="http://schemas.openxmlformats.org/drawingml/2006/main" xmlns:r="http://schemas.openxmlformats.org/officeDocument/2006/relationships" xmlns:p="http://schemas.openxmlformats.org/presentationml/2006/main">
   <p:cSld>
     <p:spTree>
       <p:nvGrpSpPr>
-        <p:cNvPr id="100" name="Shape 100"/>
+        <p:cNvPr id="1" name="Shape 100"/>
         <p:cNvGrpSpPr/>
         <p:nvPr/>
       </p:nvGrpSpPr>
@@ -9022,12 +9118,12 @@
           </a:ln>
         </p:spPr>
         <p:txBody>
-          <a:bodyPr anchorCtr="0" anchor="ctr" bIns="91425" lIns="91425" spcFirstLastPara="1" rIns="91425" wrap="square" tIns="91425">
+          <a:bodyPr spcFirstLastPara="1" wrap="square" lIns="91425" tIns="91425" rIns="91425" bIns="91425" anchor="ctr" anchorCtr="0">
             <a:noAutofit/>
           </a:bodyPr>
           <a:lstStyle/>
           <a:p>
-            <a:pPr indent="0" lvl="0" marL="0" rtl="0" algn="l">
+            <a:pPr marL="0" lvl="0" indent="0" algn="l" rtl="0">
               <a:spcBef>
                 <a:spcPts val="0"/>
               </a:spcBef>
@@ -9036,9 +9132,6 @@
               </a:spcAft>
               <a:buNone/>
             </a:pPr>
-            <a:r>
-              <a:t/>
-            </a:r>
             <a:endParaRPr/>
           </a:p>
         </p:txBody>
@@ -9065,12 +9158,12 @@
           </a:ln>
         </p:spPr>
         <p:txBody>
-          <a:bodyPr anchorCtr="0" anchor="ctr" bIns="91425" lIns="91425" spcFirstLastPara="1" rIns="91425" wrap="square" tIns="91425">
+          <a:bodyPr spcFirstLastPara="1" wrap="square" lIns="91425" tIns="91425" rIns="91425" bIns="91425" anchor="ctr" anchorCtr="0">
             <a:noAutofit/>
           </a:bodyPr>
           <a:lstStyle/>
           <a:p>
-            <a:pPr indent="0" lvl="0" marL="0" rtl="0" algn="l">
+            <a:pPr marL="0" lvl="0" indent="0" algn="l" rtl="0">
               <a:spcBef>
                 <a:spcPts val="0"/>
               </a:spcBef>
@@ -9079,9 +9172,6 @@
               </a:spcAft>
               <a:buNone/>
             </a:pPr>
-            <a:r>
-              <a:t/>
-            </a:r>
             <a:endParaRPr/>
           </a:p>
         </p:txBody>
@@ -9106,12 +9196,12 @@
           </a:ln>
         </p:spPr>
         <p:txBody>
-          <a:bodyPr anchorCtr="0" anchor="ctr" bIns="91425" lIns="91425" spcFirstLastPara="1" rIns="91425" wrap="square" tIns="91425">
+          <a:bodyPr spcFirstLastPara="1" wrap="square" lIns="91425" tIns="91425" rIns="91425" bIns="91425" anchor="ctr" anchorCtr="0">
             <a:noAutofit/>
           </a:bodyPr>
           <a:lstStyle/>
           <a:p>
-            <a:pPr indent="0" lvl="0" marL="0" rtl="0" algn="ctr">
+            <a:pPr marL="0" lvl="0" indent="0" algn="ctr" rtl="0">
               <a:spcBef>
                 <a:spcPts val="0"/>
               </a:spcBef>
@@ -9121,7 +9211,7 @@
               <a:buNone/>
             </a:pPr>
             <a:r>
-              <a:rPr b="1" lang="en" sz="2400">
+              <a:rPr lang="en" sz="2400" b="1">
                 <a:solidFill>
                   <a:schemeClr val="lt1"/>
                 </a:solidFill>
@@ -9132,7 +9222,7 @@
               </a:rPr>
               <a:t>2</a:t>
             </a:r>
-            <a:endParaRPr b="1" sz="2400">
+            <a:endParaRPr sz="2400" b="1">
               <a:solidFill>
                 <a:schemeClr val="lt1"/>
               </a:solidFill>
@@ -9164,12 +9254,12 @@
           </a:ln>
         </p:spPr>
         <p:txBody>
-          <a:bodyPr anchorCtr="0" anchor="t" bIns="91425" lIns="91425" spcFirstLastPara="1" rIns="91425" wrap="square" tIns="91425">
+          <a:bodyPr spcFirstLastPara="1" wrap="square" lIns="91425" tIns="91425" rIns="91425" bIns="91425" anchor="t" anchorCtr="0">
             <a:noAutofit/>
           </a:bodyPr>
           <a:lstStyle/>
           <a:p>
-            <a:pPr indent="-419100" lvl="0" marL="457200" rtl="0" algn="l">
+            <a:pPr marL="457200" lvl="0" indent="-419100" algn="l" rtl="0">
               <a:spcBef>
                 <a:spcPts val="0"/>
               </a:spcBef>
@@ -9206,7 +9296,7 @@
             </a:endParaRPr>
           </a:p>
           <a:p>
-            <a:pPr indent="-330200" lvl="1" marL="914400" rtl="0" algn="l">
+            <a:pPr marL="914400" lvl="1" indent="-330200" algn="l" rtl="0">
               <a:spcBef>
                 <a:spcPts val="0"/>
               </a:spcBef>
@@ -9243,7 +9333,7 @@
             </a:endParaRPr>
           </a:p>
           <a:p>
-            <a:pPr indent="-330200" lvl="2" marL="1371600" rtl="0" algn="l">
+            <a:pPr marL="1371600" lvl="2" indent="-330200" algn="l" rtl="0">
               <a:spcBef>
                 <a:spcPts val="0"/>
               </a:spcBef>
@@ -9267,31 +9357,7 @@
                 <a:cs typeface="Questrial"/>
                 <a:sym typeface="Questrial"/>
               </a:rPr>
-              <a:t>R, Python, SQL, NoSQL, Spark, Jupyter, Numpy, Pandas, </a:t>
-            </a:r>
-            <a:r>
-              <a:rPr lang="en" sz="1600">
-                <a:solidFill>
-                  <a:srgbClr val="F3F3F3"/>
-                </a:solidFill>
-                <a:latin typeface="Questrial"/>
-                <a:ea typeface="Questrial"/>
-                <a:cs typeface="Questrial"/>
-                <a:sym typeface="Questrial"/>
-              </a:rPr>
-              <a:t>Scikit</a:t>
-            </a:r>
-            <a:r>
-              <a:rPr lang="en" sz="1600">
-                <a:solidFill>
-                  <a:srgbClr val="F3F3F3"/>
-                </a:solidFill>
-                <a:latin typeface="Questrial"/>
-                <a:ea typeface="Questrial"/>
-                <a:cs typeface="Questrial"/>
-                <a:sym typeface="Questrial"/>
-              </a:rPr>
-              <a:t> Learn</a:t>
+              <a:t>R, Python, SQL, NoSQL, Spark, Jupyter, Numpy, Pandas, Scikit Learn</a:t>
             </a:r>
             <a:endParaRPr sz="1600">
               <a:solidFill>
@@ -9304,7 +9370,7 @@
             </a:endParaRPr>
           </a:p>
           <a:p>
-            <a:pPr indent="-330200" lvl="1" marL="914400" rtl="0" algn="l">
+            <a:pPr marL="914400" lvl="1" indent="-330200" algn="l" rtl="0">
               <a:spcBef>
                 <a:spcPts val="0"/>
               </a:spcBef>
@@ -9341,7 +9407,7 @@
             </a:endParaRPr>
           </a:p>
           <a:p>
-            <a:pPr indent="-330200" lvl="2" marL="1371600" rtl="0" algn="l">
+            <a:pPr marL="1371600" lvl="2" indent="-330200" algn="l" rtl="0">
               <a:spcBef>
                 <a:spcPts val="0"/>
               </a:spcBef>
@@ -9378,7 +9444,7 @@
             </a:endParaRPr>
           </a:p>
           <a:p>
-            <a:pPr indent="-330200" lvl="2" marL="1371600" rtl="0" algn="l">
+            <a:pPr marL="1371600" lvl="2" indent="-330200" algn="l" rtl="0">
               <a:spcBef>
                 <a:spcPts val="0"/>
               </a:spcBef>
@@ -9415,7 +9481,7 @@
             </a:endParaRPr>
           </a:p>
           <a:p>
-            <a:pPr indent="-330200" lvl="2" marL="1371600" rtl="0" algn="l">
+            <a:pPr marL="1371600" lvl="2" indent="-330200" algn="l" rtl="0">
               <a:spcBef>
                 <a:spcPts val="0"/>
               </a:spcBef>
@@ -9452,7 +9518,7 @@
             </a:endParaRPr>
           </a:p>
           <a:p>
-            <a:pPr indent="-330200" lvl="2" marL="1371600" rtl="0" algn="l">
+            <a:pPr marL="1371600" lvl="2" indent="-330200" algn="l" rtl="0">
               <a:spcBef>
                 <a:spcPts val="0"/>
               </a:spcBef>
@@ -9489,7 +9555,7 @@
             </a:endParaRPr>
           </a:p>
           <a:p>
-            <a:pPr indent="-330200" lvl="1" marL="914400" rtl="0" algn="l">
+            <a:pPr marL="914400" lvl="1" indent="-330200" algn="l" rtl="0">
               <a:spcBef>
                 <a:spcPts val="0"/>
               </a:spcBef>
@@ -9526,7 +9592,7 @@
             </a:endParaRPr>
           </a:p>
           <a:p>
-            <a:pPr indent="-330200" lvl="2" marL="1371600" marR="0" rtl="0" algn="l">
+            <a:pPr marL="1371600" marR="0" lvl="2" indent="-330200" algn="l" rtl="0">
               <a:lnSpc>
                 <a:spcPct val="100000"/>
               </a:lnSpc>
@@ -9566,7 +9632,7 @@
             </a:endParaRPr>
           </a:p>
           <a:p>
-            <a:pPr indent="-330200" lvl="2" marL="1371600" marR="0" rtl="0" algn="l">
+            <a:pPr marL="1371600" marR="0" lvl="2" indent="-330200" algn="l" rtl="0">
               <a:lnSpc>
                 <a:spcPct val="100000"/>
               </a:lnSpc>
@@ -9606,7 +9672,7 @@
             </a:endParaRPr>
           </a:p>
           <a:p>
-            <a:pPr indent="-330200" lvl="2" marL="1371600" marR="0" rtl="0" algn="l">
+            <a:pPr marL="1371600" marR="0" lvl="2" indent="-330200" algn="l" rtl="0">
               <a:lnSpc>
                 <a:spcPct val="100000"/>
               </a:lnSpc>
@@ -9646,7 +9712,7 @@
             </a:endParaRPr>
           </a:p>
           <a:p>
-            <a:pPr indent="-330200" lvl="1" marL="914400" marR="0" rtl="0" algn="l">
+            <a:pPr marL="914400" marR="0" lvl="1" indent="-330200" algn="l" rtl="0">
               <a:lnSpc>
                 <a:spcPct val="100000"/>
               </a:lnSpc>
@@ -9686,7 +9752,7 @@
             </a:endParaRPr>
           </a:p>
           <a:p>
-            <a:pPr indent="-330200" lvl="1" marL="914400" marR="0" rtl="0" algn="l">
+            <a:pPr marL="914400" marR="0" lvl="1" indent="-330200" algn="l" rtl="0">
               <a:lnSpc>
                 <a:spcPct val="100000"/>
               </a:lnSpc>
@@ -9726,7 +9792,7 @@
             </a:endParaRPr>
           </a:p>
           <a:p>
-            <a:pPr indent="0" lvl="0" marL="1371600" marR="0" rtl="0" algn="l">
+            <a:pPr marL="1371600" marR="0" lvl="0" indent="0" algn="l" rtl="0">
               <a:lnSpc>
                 <a:spcPct val="100000"/>
               </a:lnSpc>
@@ -9738,9 +9804,6 @@
               </a:spcAft>
               <a:buNone/>
             </a:pPr>
-            <a:r>
-              <a:t/>
-            </a:r>
             <a:endParaRPr sz="1600">
               <a:solidFill>
                 <a:srgbClr val="F3F3F3"/>
@@ -9775,12 +9838,12 @@
           </a:ln>
         </p:spPr>
         <p:txBody>
-          <a:bodyPr anchorCtr="0" anchor="ctr" bIns="91425" lIns="91425" spcFirstLastPara="1" rIns="91425" wrap="square" tIns="91425">
+          <a:bodyPr spcFirstLastPara="1" wrap="square" lIns="91425" tIns="91425" rIns="91425" bIns="91425" anchor="ctr" anchorCtr="0">
             <a:noAutofit/>
           </a:bodyPr>
           <a:lstStyle/>
           <a:p>
-            <a:pPr indent="0" lvl="0" marL="0" rtl="0" algn="l">
+            <a:pPr marL="0" lvl="0" indent="0" algn="l" rtl="0">
               <a:spcBef>
                 <a:spcPts val="0"/>
               </a:spcBef>
@@ -9789,9 +9852,6 @@
               </a:spcAft>
               <a:buNone/>
             </a:pPr>
-            <a:r>
-              <a:t/>
-            </a:r>
             <a:endParaRPr/>
           </a:p>
         </p:txBody>
@@ -9805,11 +9865,11 @@
 </file>
 
 <file path=ppt/slides/slide4.xml><?xml version="1.0" encoding="utf-8"?>
-<p:sld xmlns:a="http://schemas.openxmlformats.org/drawingml/2006/main" xmlns:r="http://schemas.openxmlformats.org/officeDocument/2006/relationships" xmlns:mc="http://schemas.openxmlformats.org/markup-compatibility/2006" xmlns:mv="urn:schemas-microsoft-com:mac:vml" xmlns:p="http://schemas.openxmlformats.org/presentationml/2006/main" xmlns:c="http://schemas.openxmlformats.org/drawingml/2006/chart" xmlns:dgm="http://schemas.openxmlformats.org/drawingml/2006/diagram" xmlns:o="urn:schemas-microsoft-com:office:office" xmlns:v="urn:schemas-microsoft-com:vml" xmlns:pvml="urn:schemas-microsoft-com:office:powerpoint" xmlns:com="http://schemas.openxmlformats.org/drawingml/2006/compatibility" xmlns:p14="http://schemas.microsoft.com/office/powerpoint/2010/main" xmlns:p15="http://schemas.microsoft.com/office/powerpoint/2012/main">
+<p:sld xmlns:a="http://schemas.openxmlformats.org/drawingml/2006/main" xmlns:r="http://schemas.openxmlformats.org/officeDocument/2006/relationships" xmlns:p="http://schemas.openxmlformats.org/presentationml/2006/main">
   <p:cSld>
     <p:spTree>
       <p:nvGrpSpPr>
-        <p:cNvPr id="109" name="Shape 109"/>
+        <p:cNvPr id="1" name="Shape 109"/>
         <p:cNvGrpSpPr/>
         <p:nvPr/>
       </p:nvGrpSpPr>
@@ -9843,12 +9903,12 @@
           </a:ln>
         </p:spPr>
         <p:txBody>
-          <a:bodyPr anchorCtr="0" anchor="ctr" bIns="91425" lIns="91425" spcFirstLastPara="1" rIns="91425" wrap="square" tIns="91425">
+          <a:bodyPr spcFirstLastPara="1" wrap="square" lIns="91425" tIns="91425" rIns="91425" bIns="91425" anchor="ctr" anchorCtr="0">
             <a:noAutofit/>
           </a:bodyPr>
           <a:lstStyle/>
           <a:p>
-            <a:pPr indent="0" lvl="0" marL="0" rtl="0" algn="l">
+            <a:pPr marL="0" lvl="0" indent="0" algn="l" rtl="0">
               <a:spcBef>
                 <a:spcPts val="0"/>
               </a:spcBef>
@@ -9857,9 +9917,6 @@
               </a:spcAft>
               <a:buNone/>
             </a:pPr>
-            <a:r>
-              <a:t/>
-            </a:r>
             <a:endParaRPr/>
           </a:p>
         </p:txBody>
@@ -9884,12 +9941,12 @@
           </a:ln>
         </p:spPr>
         <p:txBody>
-          <a:bodyPr anchorCtr="0" anchor="t" bIns="91425" lIns="91425" spcFirstLastPara="1" rIns="91425" wrap="square" tIns="91425">
+          <a:bodyPr spcFirstLastPara="1" wrap="square" lIns="91425" tIns="91425" rIns="91425" bIns="91425" anchor="t" anchorCtr="0">
             <a:noAutofit/>
           </a:bodyPr>
           <a:lstStyle/>
           <a:p>
-            <a:pPr indent="0" lvl="0" marL="0" rtl="0" algn="l">
+            <a:pPr marL="0" lvl="0" indent="0" algn="l" rtl="0">
               <a:spcBef>
                 <a:spcPts val="0"/>
               </a:spcBef>
@@ -9899,7 +9956,7 @@
               <a:buNone/>
             </a:pPr>
             <a:r>
-              <a:rPr b="1" lang="en" sz="4000">
+              <a:rPr lang="en" sz="4000" b="1">
                 <a:solidFill>
                   <a:srgbClr val="26727E"/>
                 </a:solidFill>
@@ -9910,7 +9967,7 @@
               </a:rPr>
               <a:t>Collecting </a:t>
             </a:r>
-            <a:endParaRPr b="1" sz="4000">
+            <a:endParaRPr sz="4000" b="1">
               <a:solidFill>
                 <a:srgbClr val="26727E"/>
               </a:solidFill>
@@ -9921,7 +9978,7 @@
             </a:endParaRPr>
           </a:p>
           <a:p>
-            <a:pPr indent="0" lvl="0" marL="0" rtl="0" algn="l">
+            <a:pPr marL="0" lvl="0" indent="0" algn="l" rtl="0">
               <a:spcBef>
                 <a:spcPts val="0"/>
               </a:spcBef>
@@ -9931,7 +9988,7 @@
               <a:buNone/>
             </a:pPr>
             <a:r>
-              <a:rPr b="1" lang="en" sz="4000">
+              <a:rPr lang="en" sz="4000" b="1">
                 <a:solidFill>
                   <a:srgbClr val="26727E"/>
                 </a:solidFill>
@@ -9942,7 +9999,7 @@
               </a:rPr>
               <a:t>Data</a:t>
             </a:r>
-            <a:endParaRPr b="1" sz="4000">
+            <a:endParaRPr sz="4000" b="1">
               <a:solidFill>
                 <a:srgbClr val="26727E"/>
               </a:solidFill>
@@ -9974,12 +10031,12 @@
           </a:ln>
         </p:spPr>
         <p:txBody>
-          <a:bodyPr anchorCtr="0" anchor="t" bIns="91425" lIns="91425" spcFirstLastPara="1" rIns="91425" wrap="square" tIns="91425">
+          <a:bodyPr spcFirstLastPara="1" wrap="square" lIns="91425" tIns="91425" rIns="91425" bIns="91425" anchor="t" anchorCtr="0">
             <a:noAutofit/>
           </a:bodyPr>
           <a:lstStyle/>
           <a:p>
-            <a:pPr indent="0" lvl="0" marL="0" rtl="0" algn="l">
+            <a:pPr marL="0" lvl="0" indent="0" algn="l" rtl="0">
               <a:lnSpc>
                 <a:spcPct val="100000"/>
               </a:lnSpc>
@@ -10014,7 +10071,7 @@
             </a:endParaRPr>
           </a:p>
           <a:p>
-            <a:pPr indent="-317500" lvl="0" marL="457200" rtl="0" algn="l">
+            <a:pPr marL="457200" lvl="0" indent="-317500" algn="l" rtl="0">
               <a:lnSpc>
                 <a:spcPct val="100000"/>
               </a:lnSpc>
@@ -10054,7 +10111,7 @@
             </a:endParaRPr>
           </a:p>
           <a:p>
-            <a:pPr indent="-317500" lvl="1" marL="914400" rtl="0" algn="l">
+            <a:pPr marL="914400" lvl="1" indent="-317500" algn="l" rtl="0">
               <a:lnSpc>
                 <a:spcPct val="100000"/>
               </a:lnSpc>
@@ -10094,7 +10151,7 @@
             </a:endParaRPr>
           </a:p>
           <a:p>
-            <a:pPr indent="-292100" lvl="2" marL="1371600" rtl="0" algn="l">
+            <a:pPr marL="1371600" lvl="2" indent="-292100" algn="l" rtl="0">
               <a:lnSpc>
                 <a:spcPct val="100000"/>
               </a:lnSpc>
@@ -10135,7 +10192,7 @@
             </a:endParaRPr>
           </a:p>
           <a:p>
-            <a:pPr indent="-317500" lvl="1" marL="914400" rtl="0" algn="l">
+            <a:pPr marL="914400" lvl="1" indent="-317500" algn="l" rtl="0">
               <a:lnSpc>
                 <a:spcPct val="100000"/>
               </a:lnSpc>
@@ -10175,7 +10232,7 @@
             </a:endParaRPr>
           </a:p>
           <a:p>
-            <a:pPr indent="-292100" lvl="2" marL="1371600" rtl="0" algn="l">
+            <a:pPr marL="1371600" lvl="2" indent="-292100" algn="l" rtl="0">
               <a:lnSpc>
                 <a:spcPct val="100000"/>
               </a:lnSpc>
@@ -10216,7 +10273,7 @@
             </a:endParaRPr>
           </a:p>
           <a:p>
-            <a:pPr indent="-317500" lvl="0" marL="457200" rtl="0" algn="l">
+            <a:pPr marL="457200" lvl="0" indent="-317500" algn="l" rtl="0">
               <a:lnSpc>
                 <a:spcPct val="100000"/>
               </a:lnSpc>
@@ -10256,7 +10313,7 @@
             </a:endParaRPr>
           </a:p>
           <a:p>
-            <a:pPr indent="-317500" lvl="1" marL="914400" rtl="0" algn="l">
+            <a:pPr marL="914400" lvl="1" indent="-317500" algn="l" rtl="0">
               <a:lnSpc>
                 <a:spcPct val="100000"/>
               </a:lnSpc>
@@ -10296,7 +10353,7 @@
             </a:endParaRPr>
           </a:p>
           <a:p>
-            <a:pPr indent="-292100" lvl="2" marL="1371600" rtl="0" algn="l">
+            <a:pPr marL="1371600" lvl="2" indent="-292100" algn="l" rtl="0">
               <a:lnSpc>
                 <a:spcPct val="100000"/>
               </a:lnSpc>
@@ -10337,7 +10394,7 @@
             </a:endParaRPr>
           </a:p>
           <a:p>
-            <a:pPr indent="-317500" lvl="0" marL="457200" rtl="0" algn="l">
+            <a:pPr marL="457200" lvl="0" indent="-317500" algn="l" rtl="0">
               <a:lnSpc>
                 <a:spcPct val="100000"/>
               </a:lnSpc>
@@ -10377,7 +10434,7 @@
             </a:endParaRPr>
           </a:p>
           <a:p>
-            <a:pPr indent="-317500" lvl="1" marL="914400" rtl="0" algn="l">
+            <a:pPr marL="914400" lvl="1" indent="-317500" algn="l" rtl="0">
               <a:lnSpc>
                 <a:spcPct val="100000"/>
               </a:lnSpc>
@@ -10417,7 +10474,7 @@
             </a:endParaRPr>
           </a:p>
           <a:p>
-            <a:pPr indent="-292100" lvl="2" marL="1371600" rtl="0" algn="l">
+            <a:pPr marL="1371600" lvl="2" indent="-292100" algn="l" rtl="0">
               <a:lnSpc>
                 <a:spcPct val="100000"/>
               </a:lnSpc>
@@ -10458,7 +10515,7 @@
             </a:endParaRPr>
           </a:p>
           <a:p>
-            <a:pPr indent="-317500" lvl="1" marL="914400" rtl="0" algn="l">
+            <a:pPr marL="914400" lvl="1" indent="-317500" algn="l" rtl="0">
               <a:lnSpc>
                 <a:spcPct val="100000"/>
               </a:lnSpc>
@@ -10485,19 +10542,7 @@
                 <a:cs typeface="Lato"/>
                 <a:sym typeface="Lato"/>
               </a:rPr>
-              <a:t>Kaggle </a:t>
-            </a:r>
-            <a:r>
-              <a:rPr lang="en">
-                <a:solidFill>
-                  <a:srgbClr val="F3F3F3"/>
-                </a:solidFill>
-                <a:latin typeface="Lato"/>
-                <a:ea typeface="Lato"/>
-                <a:cs typeface="Lato"/>
-                <a:sym typeface="Lato"/>
-              </a:rPr>
-              <a:t>Tripadvisor</a:t>
+              <a:t>Kaggle Tripadvisor</a:t>
             </a:r>
             <a:endParaRPr>
               <a:solidFill>
@@ -10510,7 +10555,7 @@
             </a:endParaRPr>
           </a:p>
           <a:p>
-            <a:pPr indent="-317500" lvl="2" marL="1371600" rtl="0" algn="l">
+            <a:pPr marL="1371600" lvl="2" indent="-317500" algn="l" rtl="0">
               <a:lnSpc>
                 <a:spcPct val="100000"/>
               </a:lnSpc>
@@ -10551,7 +10596,7 @@
             </a:endParaRPr>
           </a:p>
           <a:p>
-            <a:pPr indent="-317500" lvl="0" marL="457200" marR="0" rtl="0" algn="l">
+            <a:pPr marL="457200" marR="0" lvl="0" indent="-317500" algn="l" rtl="0">
               <a:lnSpc>
                 <a:spcPct val="100000"/>
               </a:lnSpc>
@@ -10591,7 +10636,7 @@
             </a:endParaRPr>
           </a:p>
           <a:p>
-            <a:pPr indent="-317500" lvl="1" marL="914400" rtl="0" algn="l">
+            <a:pPr marL="914400" lvl="1" indent="-317500" algn="l" rtl="0">
               <a:lnSpc>
                 <a:spcPct val="100000"/>
               </a:lnSpc>
@@ -10631,7 +10676,7 @@
             </a:endParaRPr>
           </a:p>
           <a:p>
-            <a:pPr indent="-317500" lvl="2" marL="1371600" rtl="0" algn="l">
+            <a:pPr marL="1371600" lvl="2" indent="-317500" algn="l" rtl="0">
               <a:lnSpc>
                 <a:spcPct val="100000"/>
               </a:lnSpc>
@@ -10695,12 +10740,12 @@
           </a:ln>
         </p:spPr>
         <p:txBody>
-          <a:bodyPr anchorCtr="0" anchor="ctr" bIns="91425" lIns="91425" spcFirstLastPara="1" rIns="91425" wrap="square" tIns="91425">
+          <a:bodyPr spcFirstLastPara="1" wrap="square" lIns="91425" tIns="91425" rIns="91425" bIns="91425" anchor="ctr" anchorCtr="0">
             <a:noAutofit/>
           </a:bodyPr>
           <a:lstStyle/>
           <a:p>
-            <a:pPr indent="0" lvl="0" marL="0" rtl="0" algn="l">
+            <a:pPr marL="0" lvl="0" indent="0" algn="l" rtl="0">
               <a:spcBef>
                 <a:spcPts val="0"/>
               </a:spcBef>
@@ -10709,9 +10754,6 @@
               </a:spcAft>
               <a:buNone/>
             </a:pPr>
-            <a:r>
-              <a:t/>
-            </a:r>
             <a:endParaRPr/>
           </a:p>
         </p:txBody>
@@ -10738,12 +10780,12 @@
           </a:ln>
         </p:spPr>
         <p:txBody>
-          <a:bodyPr anchorCtr="0" anchor="ctr" bIns="91425" lIns="91425" spcFirstLastPara="1" rIns="91425" wrap="square" tIns="91425">
+          <a:bodyPr spcFirstLastPara="1" wrap="square" lIns="91425" tIns="91425" rIns="91425" bIns="91425" anchor="ctr" anchorCtr="0">
             <a:noAutofit/>
           </a:bodyPr>
           <a:lstStyle/>
           <a:p>
-            <a:pPr indent="0" lvl="0" marL="0" rtl="0" algn="l">
+            <a:pPr marL="0" lvl="0" indent="0" algn="l" rtl="0">
               <a:spcBef>
                 <a:spcPts val="0"/>
               </a:spcBef>
@@ -10752,9 +10794,6 @@
               </a:spcAft>
               <a:buNone/>
             </a:pPr>
-            <a:r>
-              <a:t/>
-            </a:r>
             <a:endParaRPr/>
           </a:p>
         </p:txBody>
@@ -10779,12 +10818,12 @@
           </a:ln>
         </p:spPr>
         <p:txBody>
-          <a:bodyPr anchorCtr="0" anchor="ctr" bIns="91425" lIns="91425" spcFirstLastPara="1" rIns="91425" wrap="square" tIns="91425">
+          <a:bodyPr spcFirstLastPara="1" wrap="square" lIns="91425" tIns="91425" rIns="91425" bIns="91425" anchor="ctr" anchorCtr="0">
             <a:noAutofit/>
           </a:bodyPr>
           <a:lstStyle/>
           <a:p>
-            <a:pPr indent="0" lvl="0" marL="0" rtl="0" algn="ctr">
+            <a:pPr marL="0" lvl="0" indent="0" algn="ctr" rtl="0">
               <a:spcBef>
                 <a:spcPts val="0"/>
               </a:spcBef>
@@ -10794,7 +10833,7 @@
               <a:buNone/>
             </a:pPr>
             <a:r>
-              <a:rPr b="1" lang="en" sz="2400">
+              <a:rPr lang="en" sz="2400" b="1">
                 <a:solidFill>
                   <a:schemeClr val="lt1"/>
                 </a:solidFill>
@@ -10805,7 +10844,7 @@
               </a:rPr>
               <a:t>3</a:t>
             </a:r>
-            <a:endParaRPr b="1" sz="2400">
+            <a:endParaRPr sz="2400" b="1">
               <a:solidFill>
                 <a:schemeClr val="lt1"/>
               </a:solidFill>
@@ -10839,12 +10878,12 @@
           </a:ln>
         </p:spPr>
         <p:txBody>
-          <a:bodyPr anchorCtr="0" anchor="ctr" bIns="91425" lIns="91425" spcFirstLastPara="1" rIns="91425" wrap="square" tIns="91425">
+          <a:bodyPr spcFirstLastPara="1" wrap="square" lIns="91425" tIns="91425" rIns="91425" bIns="91425" anchor="ctr" anchorCtr="0">
             <a:noAutofit/>
           </a:bodyPr>
           <a:lstStyle/>
           <a:p>
-            <a:pPr indent="0" lvl="0" marL="0" rtl="0" algn="l">
+            <a:pPr marL="0" lvl="0" indent="0" algn="l" rtl="0">
               <a:spcBef>
                 <a:spcPts val="0"/>
               </a:spcBef>
@@ -10853,9 +10892,6 @@
               </a:spcAft>
               <a:buNone/>
             </a:pPr>
-            <a:r>
-              <a:t/>
-            </a:r>
             <a:endParaRPr/>
           </a:p>
         </p:txBody>
@@ -10869,11 +10905,11 @@
 </file>
 
 <file path=ppt/slides/slide5.xml><?xml version="1.0" encoding="utf-8"?>
-<p:sld xmlns:a="http://schemas.openxmlformats.org/drawingml/2006/main" xmlns:r="http://schemas.openxmlformats.org/officeDocument/2006/relationships" xmlns:mc="http://schemas.openxmlformats.org/markup-compatibility/2006" xmlns:mv="urn:schemas-microsoft-com:mac:vml" xmlns:p="http://schemas.openxmlformats.org/presentationml/2006/main" xmlns:c="http://schemas.openxmlformats.org/drawingml/2006/chart" xmlns:dgm="http://schemas.openxmlformats.org/drawingml/2006/diagram" xmlns:o="urn:schemas-microsoft-com:office:office" xmlns:v="urn:schemas-microsoft-com:vml" xmlns:pvml="urn:schemas-microsoft-com:office:powerpoint" xmlns:com="http://schemas.openxmlformats.org/drawingml/2006/compatibility" xmlns:p14="http://schemas.microsoft.com/office/powerpoint/2010/main" xmlns:p15="http://schemas.microsoft.com/office/powerpoint/2012/main">
+<p:sld xmlns:a="http://schemas.openxmlformats.org/drawingml/2006/main" xmlns:r="http://schemas.openxmlformats.org/officeDocument/2006/relationships" xmlns:p="http://schemas.openxmlformats.org/presentationml/2006/main">
   <p:cSld>
     <p:spTree>
       <p:nvGrpSpPr>
-        <p:cNvPr id="120" name="Shape 120"/>
+        <p:cNvPr id="1" name="Shape 120"/>
         <p:cNvGrpSpPr/>
         <p:nvPr/>
       </p:nvGrpSpPr>
@@ -10907,12 +10943,12 @@
           </a:ln>
         </p:spPr>
         <p:txBody>
-          <a:bodyPr anchorCtr="0" anchor="ctr" bIns="91425" lIns="91425" spcFirstLastPara="1" rIns="91425" wrap="square" tIns="91425">
+          <a:bodyPr spcFirstLastPara="1" wrap="square" lIns="91425" tIns="91425" rIns="91425" bIns="91425" anchor="ctr" anchorCtr="0">
             <a:noAutofit/>
           </a:bodyPr>
           <a:lstStyle/>
           <a:p>
-            <a:pPr indent="0" lvl="0" marL="0" rtl="0" algn="l">
+            <a:pPr marL="0" lvl="0" indent="0" algn="l" rtl="0">
               <a:spcBef>
                 <a:spcPts val="0"/>
               </a:spcBef>
@@ -10921,9 +10957,6 @@
               </a:spcAft>
               <a:buNone/>
             </a:pPr>
-            <a:r>
-              <a:t/>
-            </a:r>
             <a:endParaRPr/>
           </a:p>
         </p:txBody>
@@ -10948,12 +10981,12 @@
           </a:ln>
         </p:spPr>
         <p:txBody>
-          <a:bodyPr anchorCtr="0" anchor="t" bIns="91425" lIns="91425" spcFirstLastPara="1" rIns="91425" wrap="square" tIns="91425">
+          <a:bodyPr spcFirstLastPara="1" wrap="square" lIns="91425" tIns="91425" rIns="91425" bIns="91425" anchor="t" anchorCtr="0">
             <a:noAutofit/>
           </a:bodyPr>
           <a:lstStyle/>
           <a:p>
-            <a:pPr indent="0" lvl="0" marL="0" rtl="0" algn="l">
+            <a:pPr marL="0" lvl="0" indent="0" algn="l" rtl="0">
               <a:spcBef>
                 <a:spcPts val="0"/>
               </a:spcBef>
@@ -10963,7 +10996,7 @@
               <a:buNone/>
             </a:pPr>
             <a:r>
-              <a:rPr b="1" lang="en" sz="4000">
+              <a:rPr lang="en" sz="4000" b="1">
                 <a:solidFill>
                   <a:srgbClr val="26727E"/>
                 </a:solidFill>
@@ -10972,21 +11005,9 @@
                 <a:cs typeface="Questrial"/>
                 <a:sym typeface="Questrial"/>
               </a:rPr>
-              <a:t>Organizing</a:t>
+              <a:t>Organizing </a:t>
             </a:r>
-            <a:r>
-              <a:rPr b="1" lang="en" sz="4000">
-                <a:solidFill>
-                  <a:srgbClr val="26727E"/>
-                </a:solidFill>
-                <a:latin typeface="Questrial"/>
-                <a:ea typeface="Questrial"/>
-                <a:cs typeface="Questrial"/>
-                <a:sym typeface="Questrial"/>
-              </a:rPr>
-              <a:t> </a:t>
-            </a:r>
-            <a:endParaRPr b="1" sz="4000">
+            <a:endParaRPr sz="4000" b="1">
               <a:solidFill>
                 <a:srgbClr val="26727E"/>
               </a:solidFill>
@@ -10997,7 +11018,7 @@
             </a:endParaRPr>
           </a:p>
           <a:p>
-            <a:pPr indent="0" lvl="0" marL="0" rtl="0" algn="l">
+            <a:pPr marL="0" lvl="0" indent="0" algn="l" rtl="0">
               <a:spcBef>
                 <a:spcPts val="0"/>
               </a:spcBef>
@@ -11007,7 +11028,7 @@
               <a:buNone/>
             </a:pPr>
             <a:r>
-              <a:rPr b="1" lang="en" sz="4000">
+              <a:rPr lang="en" sz="4000" b="1">
                 <a:solidFill>
                   <a:srgbClr val="26727E"/>
                 </a:solidFill>
@@ -11018,7 +11039,7 @@
               </a:rPr>
               <a:t>Data</a:t>
             </a:r>
-            <a:endParaRPr b="1" sz="4000">
+            <a:endParaRPr sz="4000" b="1">
               <a:solidFill>
                 <a:srgbClr val="26727E"/>
               </a:solidFill>
@@ -11053,14 +11074,14 @@
             <a:avLst/>
           </a:prstGeom>
           <a:noFill/>
-          <a:ln cap="flat" cmpd="sng" w="28575">
+          <a:ln w="28575" cap="flat" cmpd="sng">
             <a:solidFill>
               <a:srgbClr val="666666"/>
             </a:solidFill>
             <a:prstDash val="solid"/>
             <a:round/>
-            <a:headEnd len="sm" w="sm" type="none"/>
-            <a:tailEnd len="sm" w="sm" type="none"/>
+            <a:headEnd type="none" w="sm" len="sm"/>
+            <a:tailEnd type="none" w="sm" len="sm"/>
           </a:ln>
         </p:spPr>
       </p:pic>
@@ -11086,12 +11107,12 @@
           </a:ln>
         </p:spPr>
         <p:txBody>
-          <a:bodyPr anchorCtr="0" anchor="ctr" bIns="91425" lIns="91425" spcFirstLastPara="1" rIns="91425" wrap="square" tIns="91425">
+          <a:bodyPr spcFirstLastPara="1" wrap="square" lIns="91425" tIns="91425" rIns="91425" bIns="91425" anchor="ctr" anchorCtr="0">
             <a:noAutofit/>
           </a:bodyPr>
           <a:lstStyle/>
           <a:p>
-            <a:pPr indent="0" lvl="0" marL="0" rtl="0" algn="l">
+            <a:pPr marL="0" lvl="0" indent="0" algn="l" rtl="0">
               <a:spcBef>
                 <a:spcPts val="0"/>
               </a:spcBef>
@@ -11100,9 +11121,6 @@
               </a:spcAft>
               <a:buNone/>
             </a:pPr>
-            <a:r>
-              <a:t/>
-            </a:r>
             <a:endParaRPr/>
           </a:p>
         </p:txBody>
@@ -11129,12 +11147,12 @@
           </a:ln>
         </p:spPr>
         <p:txBody>
-          <a:bodyPr anchorCtr="0" anchor="ctr" bIns="91425" lIns="91425" spcFirstLastPara="1" rIns="91425" wrap="square" tIns="91425">
+          <a:bodyPr spcFirstLastPara="1" wrap="square" lIns="91425" tIns="91425" rIns="91425" bIns="91425" anchor="ctr" anchorCtr="0">
             <a:noAutofit/>
           </a:bodyPr>
           <a:lstStyle/>
           <a:p>
-            <a:pPr indent="0" lvl="0" marL="0" rtl="0" algn="l">
+            <a:pPr marL="0" lvl="0" indent="0" algn="l" rtl="0">
               <a:spcBef>
                 <a:spcPts val="0"/>
               </a:spcBef>
@@ -11143,9 +11161,6 @@
               </a:spcAft>
               <a:buNone/>
             </a:pPr>
-            <a:r>
-              <a:t/>
-            </a:r>
             <a:endParaRPr/>
           </a:p>
         </p:txBody>
@@ -11170,12 +11185,12 @@
           </a:ln>
         </p:spPr>
         <p:txBody>
-          <a:bodyPr anchorCtr="0" anchor="ctr" bIns="91425" lIns="91425" spcFirstLastPara="1" rIns="91425" wrap="square" tIns="91425">
+          <a:bodyPr spcFirstLastPara="1" wrap="square" lIns="91425" tIns="91425" rIns="91425" bIns="91425" anchor="ctr" anchorCtr="0">
             <a:noAutofit/>
           </a:bodyPr>
           <a:lstStyle/>
           <a:p>
-            <a:pPr indent="0" lvl="0" marL="0" rtl="0" algn="ctr">
+            <a:pPr marL="0" lvl="0" indent="0" algn="ctr" rtl="0">
               <a:spcBef>
                 <a:spcPts val="0"/>
               </a:spcBef>
@@ -11185,7 +11200,7 @@
               <a:buNone/>
             </a:pPr>
             <a:r>
-              <a:rPr b="1" lang="en" sz="2400">
+              <a:rPr lang="en" sz="2400" b="1">
                 <a:solidFill>
                   <a:schemeClr val="lt1"/>
                 </a:solidFill>
@@ -11196,7 +11211,7 @@
               </a:rPr>
               <a:t>4</a:t>
             </a:r>
-            <a:endParaRPr b="1" sz="2400">
+            <a:endParaRPr sz="2400" b="1">
               <a:solidFill>
                 <a:schemeClr val="lt1"/>
               </a:solidFill>
@@ -11230,12 +11245,12 @@
           </a:ln>
         </p:spPr>
         <p:txBody>
-          <a:bodyPr anchorCtr="0" anchor="ctr" bIns="91425" lIns="91425" spcFirstLastPara="1" rIns="91425" wrap="square" tIns="91425">
+          <a:bodyPr spcFirstLastPara="1" wrap="square" lIns="91425" tIns="91425" rIns="91425" bIns="91425" anchor="ctr" anchorCtr="0">
             <a:noAutofit/>
           </a:bodyPr>
           <a:lstStyle/>
           <a:p>
-            <a:pPr indent="0" lvl="0" marL="0" rtl="0" algn="l">
+            <a:pPr marL="0" lvl="0" indent="0" algn="l" rtl="0">
               <a:spcBef>
                 <a:spcPts val="0"/>
               </a:spcBef>
@@ -11244,9 +11259,6 @@
               </a:spcAft>
               <a:buNone/>
             </a:pPr>
-            <a:r>
-              <a:t/>
-            </a:r>
             <a:endParaRPr/>
           </a:p>
         </p:txBody>
@@ -11274,14 +11286,14 @@
             <a:avLst/>
           </a:prstGeom>
           <a:noFill/>
-          <a:ln cap="flat" cmpd="sng" w="28575">
+          <a:ln w="28575" cap="flat" cmpd="sng">
             <a:solidFill>
               <a:srgbClr val="666666"/>
             </a:solidFill>
             <a:prstDash val="solid"/>
             <a:round/>
-            <a:headEnd len="sm" w="sm" type="none"/>
-            <a:tailEnd len="sm" w="sm" type="none"/>
+            <a:headEnd type="none" w="sm" len="sm"/>
+            <a:tailEnd type="none" w="sm" len="sm"/>
           </a:ln>
         </p:spPr>
       </p:pic>
@@ -11308,14 +11320,14 @@
             <a:avLst/>
           </a:prstGeom>
           <a:noFill/>
-          <a:ln cap="flat" cmpd="sng" w="28575">
+          <a:ln w="28575" cap="flat" cmpd="sng">
             <a:solidFill>
               <a:srgbClr val="666666"/>
             </a:solidFill>
             <a:prstDash val="solid"/>
             <a:round/>
-            <a:headEnd len="sm" w="sm" type="none"/>
-            <a:tailEnd len="sm" w="sm" type="none"/>
+            <a:headEnd type="none" w="sm" len="sm"/>
+            <a:tailEnd type="none" w="sm" len="sm"/>
           </a:ln>
         </p:spPr>
       </p:pic>
@@ -11328,11 +11340,11 @@
 </file>
 
 <file path=ppt/slides/slide6.xml><?xml version="1.0" encoding="utf-8"?>
-<p:sld xmlns:a="http://schemas.openxmlformats.org/drawingml/2006/main" xmlns:r="http://schemas.openxmlformats.org/officeDocument/2006/relationships" xmlns:mc="http://schemas.openxmlformats.org/markup-compatibility/2006" xmlns:mv="urn:schemas-microsoft-com:mac:vml" xmlns:p="http://schemas.openxmlformats.org/presentationml/2006/main" xmlns:c="http://schemas.openxmlformats.org/drawingml/2006/chart" xmlns:dgm="http://schemas.openxmlformats.org/drawingml/2006/diagram" xmlns:o="urn:schemas-microsoft-com:office:office" xmlns:v="urn:schemas-microsoft-com:vml" xmlns:pvml="urn:schemas-microsoft-com:office:powerpoint" xmlns:com="http://schemas.openxmlformats.org/drawingml/2006/compatibility" xmlns:p14="http://schemas.microsoft.com/office/powerpoint/2010/main" xmlns:p15="http://schemas.microsoft.com/office/powerpoint/2012/main">
+<p:sld xmlns:a="http://schemas.openxmlformats.org/drawingml/2006/main" xmlns:r="http://schemas.openxmlformats.org/officeDocument/2006/relationships" xmlns:p="http://schemas.openxmlformats.org/presentationml/2006/main">
   <p:cSld>
     <p:spTree>
       <p:nvGrpSpPr>
-        <p:cNvPr id="133" name="Shape 133"/>
+        <p:cNvPr id="1" name="Shape 133"/>
         <p:cNvGrpSpPr/>
         <p:nvPr/>
       </p:nvGrpSpPr>
@@ -11367,14 +11379,14 @@
             <a:avLst/>
           </a:prstGeom>
           <a:noFill/>
-          <a:ln cap="flat" cmpd="sng" w="28575">
+          <a:ln w="28575" cap="flat" cmpd="sng">
             <a:solidFill>
               <a:srgbClr val="666666"/>
             </a:solidFill>
             <a:prstDash val="solid"/>
             <a:round/>
-            <a:headEnd len="sm" w="sm" type="none"/>
-            <a:tailEnd len="sm" w="sm" type="none"/>
+            <a:headEnd type="none" w="sm" len="sm"/>
+            <a:tailEnd type="none" w="sm" len="sm"/>
           </a:ln>
         </p:spPr>
       </p:pic>
@@ -11400,12 +11412,12 @@
           </a:ln>
         </p:spPr>
         <p:txBody>
-          <a:bodyPr anchorCtr="0" anchor="ctr" bIns="91425" lIns="91425" spcFirstLastPara="1" rIns="91425" wrap="square" tIns="91425">
+          <a:bodyPr spcFirstLastPara="1" wrap="square" lIns="91425" tIns="91425" rIns="91425" bIns="91425" anchor="ctr" anchorCtr="0">
             <a:noAutofit/>
           </a:bodyPr>
           <a:lstStyle/>
           <a:p>
-            <a:pPr indent="0" lvl="0" marL="0" rtl="0" algn="l">
+            <a:pPr marL="0" lvl="0" indent="0" algn="l" rtl="0">
               <a:spcBef>
                 <a:spcPts val="0"/>
               </a:spcBef>
@@ -11414,9 +11426,6 @@
               </a:spcAft>
               <a:buNone/>
             </a:pPr>
-            <a:r>
-              <a:t/>
-            </a:r>
             <a:endParaRPr/>
           </a:p>
         </p:txBody>
@@ -11441,12 +11450,12 @@
           </a:ln>
         </p:spPr>
         <p:txBody>
-          <a:bodyPr anchorCtr="0" anchor="t" bIns="91425" lIns="91425" spcFirstLastPara="1" rIns="91425" wrap="square" tIns="91425">
+          <a:bodyPr spcFirstLastPara="1" wrap="square" lIns="91425" tIns="91425" rIns="91425" bIns="91425" anchor="t" anchorCtr="0">
             <a:noAutofit/>
           </a:bodyPr>
           <a:lstStyle/>
           <a:p>
-            <a:pPr indent="0" lvl="0" marL="0" rtl="0" algn="l">
+            <a:pPr marL="0" lvl="0" indent="0" algn="l" rtl="0">
               <a:spcBef>
                 <a:spcPts val="0"/>
               </a:spcBef>
@@ -11456,7 +11465,7 @@
               <a:buNone/>
             </a:pPr>
             <a:r>
-              <a:rPr b="1" lang="en" sz="4000">
+              <a:rPr lang="en" sz="4000" b="1">
                 <a:solidFill>
                   <a:srgbClr val="FF9900"/>
                 </a:solidFill>
@@ -11467,7 +11476,7 @@
               </a:rPr>
               <a:t>Analysis,</a:t>
             </a:r>
-            <a:endParaRPr b="1" sz="4000">
+            <a:endParaRPr sz="4000" b="1">
               <a:solidFill>
                 <a:srgbClr val="FF9900"/>
               </a:solidFill>
@@ -11478,7 +11487,7 @@
             </a:endParaRPr>
           </a:p>
           <a:p>
-            <a:pPr indent="0" lvl="0" marL="0" rtl="0" algn="l">
+            <a:pPr marL="0" lvl="0" indent="0" algn="l" rtl="0">
               <a:spcBef>
                 <a:spcPts val="0"/>
               </a:spcBef>
@@ -11488,7 +11497,7 @@
               <a:buNone/>
             </a:pPr>
             <a:r>
-              <a:rPr b="1" lang="en" sz="4000">
+              <a:rPr lang="en" sz="4000" b="1">
                 <a:solidFill>
                   <a:srgbClr val="FF9900"/>
                 </a:solidFill>
@@ -11499,7 +11508,7 @@
               </a:rPr>
               <a:t>Visualization,</a:t>
             </a:r>
-            <a:endParaRPr b="1" sz="4000">
+            <a:endParaRPr sz="4000" b="1">
               <a:solidFill>
                 <a:srgbClr val="FF9900"/>
               </a:solidFill>
@@ -11510,7 +11519,7 @@
             </a:endParaRPr>
           </a:p>
           <a:p>
-            <a:pPr indent="0" lvl="0" marL="0" rtl="0" algn="l">
+            <a:pPr marL="0" lvl="0" indent="0" algn="l" rtl="0">
               <a:spcBef>
                 <a:spcPts val="0"/>
               </a:spcBef>
@@ -11520,7 +11529,7 @@
               <a:buNone/>
             </a:pPr>
             <a:r>
-              <a:rPr b="1" lang="en" sz="4000">
+              <a:rPr lang="en" sz="4000" b="1">
                 <a:solidFill>
                   <a:srgbClr val="FF9900"/>
                 </a:solidFill>
@@ -11531,7 +11540,7 @@
               </a:rPr>
               <a:t>Data Mining</a:t>
             </a:r>
-            <a:endParaRPr b="1" sz="4000">
+            <a:endParaRPr sz="4000" b="1">
               <a:solidFill>
                 <a:srgbClr val="FF9900"/>
               </a:solidFill>
@@ -11565,12 +11574,12 @@
           </a:ln>
         </p:spPr>
         <p:txBody>
-          <a:bodyPr anchorCtr="0" anchor="ctr" bIns="91425" lIns="91425" spcFirstLastPara="1" rIns="91425" wrap="square" tIns="91425">
+          <a:bodyPr spcFirstLastPara="1" wrap="square" lIns="91425" tIns="91425" rIns="91425" bIns="91425" anchor="ctr" anchorCtr="0">
             <a:noAutofit/>
           </a:bodyPr>
           <a:lstStyle/>
           <a:p>
-            <a:pPr indent="0" lvl="0" marL="0" rtl="0" algn="l">
+            <a:pPr marL="0" lvl="0" indent="0" algn="l" rtl="0">
               <a:spcBef>
                 <a:spcPts val="0"/>
               </a:spcBef>
@@ -11579,9 +11588,6 @@
               </a:spcAft>
               <a:buNone/>
             </a:pPr>
-            <a:r>
-              <a:t/>
-            </a:r>
             <a:endParaRPr/>
           </a:p>
         </p:txBody>
@@ -11608,12 +11614,12 @@
           </a:ln>
         </p:spPr>
         <p:txBody>
-          <a:bodyPr anchorCtr="0" anchor="ctr" bIns="91425" lIns="91425" spcFirstLastPara="1" rIns="91425" wrap="square" tIns="91425">
+          <a:bodyPr spcFirstLastPara="1" wrap="square" lIns="91425" tIns="91425" rIns="91425" bIns="91425" anchor="ctr" anchorCtr="0">
             <a:noAutofit/>
           </a:bodyPr>
           <a:lstStyle/>
           <a:p>
-            <a:pPr indent="0" lvl="0" marL="0" rtl="0" algn="l">
+            <a:pPr marL="0" lvl="0" indent="0" algn="l" rtl="0">
               <a:spcBef>
                 <a:spcPts val="0"/>
               </a:spcBef>
@@ -11622,9 +11628,6 @@
               </a:spcAft>
               <a:buNone/>
             </a:pPr>
-            <a:r>
-              <a:t/>
-            </a:r>
             <a:endParaRPr/>
           </a:p>
         </p:txBody>
@@ -11649,12 +11652,12 @@
           </a:ln>
         </p:spPr>
         <p:txBody>
-          <a:bodyPr anchorCtr="0" anchor="ctr" bIns="91425" lIns="91425" spcFirstLastPara="1" rIns="91425" wrap="square" tIns="91425">
+          <a:bodyPr spcFirstLastPara="1" wrap="square" lIns="91425" tIns="91425" rIns="91425" bIns="91425" anchor="ctr" anchorCtr="0">
             <a:noAutofit/>
           </a:bodyPr>
           <a:lstStyle/>
           <a:p>
-            <a:pPr indent="0" lvl="0" marL="0" rtl="0" algn="ctr">
+            <a:pPr marL="0" lvl="0" indent="0" algn="ctr" rtl="0">
               <a:spcBef>
                 <a:spcPts val="0"/>
               </a:spcBef>
@@ -11664,7 +11667,7 @@
               <a:buNone/>
             </a:pPr>
             <a:r>
-              <a:rPr b="1" lang="en" sz="2400">
+              <a:rPr lang="en" sz="2400" b="1">
                 <a:solidFill>
                   <a:schemeClr val="lt1"/>
                 </a:solidFill>
@@ -11675,7 +11678,7 @@
               </a:rPr>
               <a:t>5</a:t>
             </a:r>
-            <a:endParaRPr b="1" sz="2400">
+            <a:endParaRPr sz="2400" b="1">
               <a:solidFill>
                 <a:schemeClr val="lt1"/>
               </a:solidFill>
@@ -11709,12 +11712,12 @@
           </a:ln>
         </p:spPr>
         <p:txBody>
-          <a:bodyPr anchorCtr="0" anchor="ctr" bIns="91425" lIns="91425" spcFirstLastPara="1" rIns="91425" wrap="square" tIns="91425">
+          <a:bodyPr spcFirstLastPara="1" wrap="square" lIns="91425" tIns="91425" rIns="91425" bIns="91425" anchor="ctr" anchorCtr="0">
             <a:noAutofit/>
           </a:bodyPr>
           <a:lstStyle/>
           <a:p>
-            <a:pPr indent="0" lvl="0" marL="0" rtl="0" algn="l">
+            <a:pPr marL="0" lvl="0" indent="0" algn="l" rtl="0">
               <a:spcBef>
                 <a:spcPts val="0"/>
               </a:spcBef>
@@ -11723,9 +11726,6 @@
               </a:spcAft>
               <a:buNone/>
             </a:pPr>
-            <a:r>
-              <a:t/>
-            </a:r>
             <a:endParaRPr/>
           </a:p>
         </p:txBody>
@@ -11753,14 +11753,14 @@
             <a:avLst/>
           </a:prstGeom>
           <a:noFill/>
-          <a:ln cap="flat" cmpd="sng" w="28575">
+          <a:ln w="28575" cap="flat" cmpd="sng">
             <a:solidFill>
               <a:srgbClr val="666666"/>
             </a:solidFill>
             <a:prstDash val="solid"/>
             <a:round/>
-            <a:headEnd len="sm" w="sm" type="none"/>
-            <a:tailEnd len="sm" w="sm" type="none"/>
+            <a:headEnd type="none" w="sm" len="sm"/>
+            <a:tailEnd type="none" w="sm" len="sm"/>
           </a:ln>
         </p:spPr>
       </p:pic>
@@ -11787,14 +11787,14 @@
             <a:avLst/>
           </a:prstGeom>
           <a:noFill/>
-          <a:ln cap="flat" cmpd="sng" w="28575">
+          <a:ln w="28575" cap="flat" cmpd="sng">
             <a:solidFill>
               <a:srgbClr val="666666"/>
             </a:solidFill>
             <a:prstDash val="solid"/>
             <a:round/>
-            <a:headEnd len="sm" w="sm" type="none"/>
-            <a:tailEnd len="sm" w="sm" type="none"/>
+            <a:headEnd type="none" w="sm" len="sm"/>
+            <a:tailEnd type="none" w="sm" len="sm"/>
           </a:ln>
         </p:spPr>
       </p:pic>
@@ -11821,14 +11821,14 @@
             <a:avLst/>
           </a:prstGeom>
           <a:noFill/>
-          <a:ln cap="flat" cmpd="sng" w="28575">
+          <a:ln w="28575" cap="flat" cmpd="sng">
             <a:solidFill>
               <a:srgbClr val="666666"/>
             </a:solidFill>
             <a:prstDash val="solid"/>
             <a:round/>
-            <a:headEnd len="sm" w="sm" type="none"/>
-            <a:tailEnd len="sm" w="sm" type="none"/>
+            <a:headEnd type="none" w="sm" len="sm"/>
+            <a:tailEnd type="none" w="sm" len="sm"/>
           </a:ln>
         </p:spPr>
       </p:pic>
@@ -11841,11 +11841,11 @@
 </file>
 
 <file path=ppt/slides/slide7.xml><?xml version="1.0" encoding="utf-8"?>
-<p:sld xmlns:a="http://schemas.openxmlformats.org/drawingml/2006/main" xmlns:r="http://schemas.openxmlformats.org/officeDocument/2006/relationships" xmlns:mc="http://schemas.openxmlformats.org/markup-compatibility/2006" xmlns:mv="urn:schemas-microsoft-com:mac:vml" xmlns:p="http://schemas.openxmlformats.org/presentationml/2006/main" xmlns:c="http://schemas.openxmlformats.org/drawingml/2006/chart" xmlns:dgm="http://schemas.openxmlformats.org/drawingml/2006/diagram" xmlns:o="urn:schemas-microsoft-com:office:office" xmlns:v="urn:schemas-microsoft-com:vml" xmlns:pvml="urn:schemas-microsoft-com:office:powerpoint" xmlns:com="http://schemas.openxmlformats.org/drawingml/2006/compatibility" xmlns:p14="http://schemas.microsoft.com/office/powerpoint/2010/main" xmlns:p15="http://schemas.microsoft.com/office/powerpoint/2012/main">
+<p:sld xmlns:a="http://schemas.openxmlformats.org/drawingml/2006/main" xmlns:r="http://schemas.openxmlformats.org/officeDocument/2006/relationships" xmlns:p="http://schemas.openxmlformats.org/presentationml/2006/main">
   <p:cSld>
     <p:spTree>
       <p:nvGrpSpPr>
-        <p:cNvPr id="147" name="Shape 147"/>
+        <p:cNvPr id="1" name="Shape 147"/>
         <p:cNvGrpSpPr/>
         <p:nvPr/>
       </p:nvGrpSpPr>
@@ -11877,12 +11877,12 @@
           </a:ln>
         </p:spPr>
         <p:txBody>
-          <a:bodyPr anchorCtr="0" anchor="ctr" bIns="91425" lIns="91425" spcFirstLastPara="1" rIns="91425" wrap="square" tIns="91425">
+          <a:bodyPr spcFirstLastPara="1" wrap="square" lIns="91425" tIns="91425" rIns="91425" bIns="91425" anchor="ctr" anchorCtr="0">
             <a:noAutofit/>
           </a:bodyPr>
           <a:lstStyle/>
           <a:p>
-            <a:pPr indent="0" lvl="0" marL="0" rtl="0" algn="l">
+            <a:pPr marL="0" lvl="0" indent="0" algn="l" rtl="0">
               <a:lnSpc>
                 <a:spcPct val="115000"/>
               </a:lnSpc>
@@ -11900,7 +11900,7 @@
               <a:buNone/>
             </a:pPr>
             <a:r>
-              <a:rPr b="1" lang="en" sz="3600">
+              <a:rPr lang="en" sz="3600" b="1">
                 <a:solidFill>
                   <a:srgbClr val="FF9900"/>
                 </a:solidFill>
@@ -11911,7 +11911,7 @@
               </a:rPr>
               <a:t>Business Recommendations</a:t>
             </a:r>
-            <a:endParaRPr b="1" sz="3600">
+            <a:endParaRPr sz="3600" b="1">
               <a:solidFill>
                 <a:srgbClr val="FF9900"/>
               </a:solidFill>
@@ -11946,14 +11946,14 @@
             <a:avLst/>
           </a:prstGeom>
           <a:noFill/>
-          <a:ln cap="flat" cmpd="sng" w="28575">
+          <a:ln w="28575" cap="flat" cmpd="sng">
             <a:solidFill>
               <a:srgbClr val="666666"/>
             </a:solidFill>
             <a:prstDash val="solid"/>
             <a:round/>
-            <a:headEnd len="sm" w="sm" type="none"/>
-            <a:tailEnd len="sm" w="sm" type="none"/>
+            <a:headEnd type="none" w="sm" len="sm"/>
+            <a:tailEnd type="none" w="sm" len="sm"/>
           </a:ln>
         </p:spPr>
       </p:pic>
@@ -11979,12 +11979,12 @@
           </a:ln>
         </p:spPr>
         <p:txBody>
-          <a:bodyPr anchorCtr="0" anchor="ctr" bIns="91425" lIns="91425" spcFirstLastPara="1" rIns="91425" wrap="square" tIns="91425">
+          <a:bodyPr spcFirstLastPara="1" wrap="square" lIns="91425" tIns="91425" rIns="91425" bIns="91425" anchor="ctr" anchorCtr="0">
             <a:noAutofit/>
           </a:bodyPr>
           <a:lstStyle/>
           <a:p>
-            <a:pPr indent="0" lvl="0" marL="0" rtl="0" algn="l">
+            <a:pPr marL="0" lvl="0" indent="0" algn="l" rtl="0">
               <a:spcBef>
                 <a:spcPts val="0"/>
               </a:spcBef>
@@ -11993,9 +11993,6 @@
               </a:spcAft>
               <a:buNone/>
             </a:pPr>
-            <a:r>
-              <a:t/>
-            </a:r>
             <a:endParaRPr/>
           </a:p>
         </p:txBody>
@@ -12022,12 +12019,12 @@
           </a:ln>
         </p:spPr>
         <p:txBody>
-          <a:bodyPr anchorCtr="0" anchor="ctr" bIns="91425" lIns="91425" spcFirstLastPara="1" rIns="91425" wrap="square" tIns="91425">
+          <a:bodyPr spcFirstLastPara="1" wrap="square" lIns="91425" tIns="91425" rIns="91425" bIns="91425" anchor="ctr" anchorCtr="0">
             <a:noAutofit/>
           </a:bodyPr>
           <a:lstStyle/>
           <a:p>
-            <a:pPr indent="0" lvl="0" marL="0" rtl="0" algn="l">
+            <a:pPr marL="0" lvl="0" indent="0" algn="l" rtl="0">
               <a:spcBef>
                 <a:spcPts val="0"/>
               </a:spcBef>
@@ -12036,9 +12033,6 @@
               </a:spcAft>
               <a:buNone/>
             </a:pPr>
-            <a:r>
-              <a:t/>
-            </a:r>
             <a:endParaRPr/>
           </a:p>
         </p:txBody>
@@ -12063,12 +12057,12 @@
           </a:ln>
         </p:spPr>
         <p:txBody>
-          <a:bodyPr anchorCtr="0" anchor="ctr" bIns="91425" lIns="91425" spcFirstLastPara="1" rIns="91425" wrap="square" tIns="91425">
+          <a:bodyPr spcFirstLastPara="1" wrap="square" lIns="91425" tIns="91425" rIns="91425" bIns="91425" anchor="ctr" anchorCtr="0">
             <a:noAutofit/>
           </a:bodyPr>
           <a:lstStyle/>
           <a:p>
-            <a:pPr indent="0" lvl="0" marL="0" rtl="0" algn="ctr">
+            <a:pPr marL="0" lvl="0" indent="0" algn="ctr" rtl="0">
               <a:spcBef>
                 <a:spcPts val="0"/>
               </a:spcBef>
@@ -12078,7 +12072,7 @@
               <a:buNone/>
             </a:pPr>
             <a:r>
-              <a:rPr b="1" lang="en" sz="2400">
+              <a:rPr lang="en" sz="2400" b="1">
                 <a:solidFill>
                   <a:schemeClr val="lt1"/>
                 </a:solidFill>
@@ -12089,7 +12083,7 @@
               </a:rPr>
               <a:t>6</a:t>
             </a:r>
-            <a:endParaRPr b="1" sz="2400">
+            <a:endParaRPr sz="2400" b="1">
               <a:solidFill>
                 <a:schemeClr val="lt1"/>
               </a:solidFill>
@@ -12123,12 +12117,12 @@
           </a:ln>
         </p:spPr>
         <p:txBody>
-          <a:bodyPr anchorCtr="0" anchor="ctr" bIns="91425" lIns="91425" spcFirstLastPara="1" rIns="91425" wrap="square" tIns="91425">
+          <a:bodyPr spcFirstLastPara="1" wrap="square" lIns="91425" tIns="91425" rIns="91425" bIns="91425" anchor="ctr" anchorCtr="0">
             <a:noAutofit/>
           </a:bodyPr>
           <a:lstStyle/>
           <a:p>
-            <a:pPr indent="0" lvl="0" marL="0" rtl="0" algn="l">
+            <a:pPr marL="0" lvl="0" indent="0" algn="l" rtl="0">
               <a:spcBef>
                 <a:spcPts val="0"/>
               </a:spcBef>
@@ -12137,9 +12131,6 @@
               </a:spcAft>
               <a:buNone/>
             </a:pPr>
-            <a:r>
-              <a:t/>
-            </a:r>
             <a:endParaRPr/>
           </a:p>
         </p:txBody>
@@ -12167,14 +12158,14 @@
             <a:avLst/>
           </a:prstGeom>
           <a:noFill/>
-          <a:ln cap="flat" cmpd="sng" w="28575">
+          <a:ln w="28575" cap="flat" cmpd="sng">
             <a:solidFill>
               <a:srgbClr val="666666"/>
             </a:solidFill>
             <a:prstDash val="solid"/>
             <a:round/>
-            <a:headEnd len="sm" w="sm" type="none"/>
-            <a:tailEnd len="sm" w="sm" type="none"/>
+            <a:headEnd type="none" w="sm" len="sm"/>
+            <a:tailEnd type="none" w="sm" len="sm"/>
           </a:ln>
         </p:spPr>
       </p:pic>
@@ -12187,11 +12178,11 @@
 </file>
 
 <file path=ppt/slides/slide8.xml><?xml version="1.0" encoding="utf-8"?>
-<p:sld xmlns:a="http://schemas.openxmlformats.org/drawingml/2006/main" xmlns:r="http://schemas.openxmlformats.org/officeDocument/2006/relationships" xmlns:mc="http://schemas.openxmlformats.org/markup-compatibility/2006" xmlns:mv="urn:schemas-microsoft-com:mac:vml" xmlns:p="http://schemas.openxmlformats.org/presentationml/2006/main" xmlns:c="http://schemas.openxmlformats.org/drawingml/2006/chart" xmlns:dgm="http://schemas.openxmlformats.org/drawingml/2006/diagram" xmlns:o="urn:schemas-microsoft-com:office:office" xmlns:v="urn:schemas-microsoft-com:vml" xmlns:pvml="urn:schemas-microsoft-com:office:powerpoint" xmlns:com="http://schemas.openxmlformats.org/drawingml/2006/compatibility" xmlns:p14="http://schemas.microsoft.com/office/powerpoint/2010/main" xmlns:p15="http://schemas.microsoft.com/office/powerpoint/2012/main">
+<p:sld xmlns:a="http://schemas.openxmlformats.org/drawingml/2006/main" xmlns:r="http://schemas.openxmlformats.org/officeDocument/2006/relationships" xmlns:p="http://schemas.openxmlformats.org/presentationml/2006/main">
   <p:cSld>
     <p:spTree>
       <p:nvGrpSpPr>
-        <p:cNvPr id="158" name="Shape 158"/>
+        <p:cNvPr id="1" name="Shape 158"/>
         <p:cNvGrpSpPr/>
         <p:nvPr/>
       </p:nvGrpSpPr>
@@ -12223,12 +12214,12 @@
           </a:ln>
         </p:spPr>
         <p:txBody>
-          <a:bodyPr anchorCtr="0" anchor="ctr" bIns="91425" lIns="91425" spcFirstLastPara="1" rIns="91425" wrap="square" tIns="91425">
+          <a:bodyPr spcFirstLastPara="1" wrap="square" lIns="91425" tIns="91425" rIns="91425" bIns="91425" anchor="ctr" anchorCtr="0">
             <a:noAutofit/>
           </a:bodyPr>
           <a:lstStyle/>
           <a:p>
-            <a:pPr indent="0" lvl="0" marL="0" rtl="0" algn="l">
+            <a:pPr marL="0" lvl="0" indent="0" algn="l" rtl="0">
               <a:lnSpc>
                 <a:spcPct val="115000"/>
               </a:lnSpc>
@@ -12246,7 +12237,7 @@
               <a:buNone/>
             </a:pPr>
             <a:r>
-              <a:rPr b="1" lang="en" sz="3600">
+              <a:rPr lang="en" sz="3600" b="1">
                 <a:solidFill>
                   <a:srgbClr val="FF9900"/>
                 </a:solidFill>
@@ -12257,7 +12248,7 @@
               </a:rPr>
               <a:t>Information Security</a:t>
             </a:r>
-            <a:endParaRPr b="1" sz="3600">
+            <a:endParaRPr sz="3600" b="1">
               <a:solidFill>
                 <a:srgbClr val="FF9900"/>
               </a:solidFill>
@@ -12286,23 +12277,23 @@
           <a:solidFill>
             <a:srgbClr val="F3F3F3"/>
           </a:solidFill>
-          <a:ln cap="flat" cmpd="sng" w="9525">
+          <a:ln w="9525" cap="flat" cmpd="sng">
             <a:solidFill>
               <a:schemeClr val="dk2"/>
             </a:solidFill>
             <a:prstDash val="solid"/>
             <a:round/>
-            <a:headEnd len="sm" w="sm" type="none"/>
-            <a:tailEnd len="sm" w="sm" type="none"/>
+            <a:headEnd type="none" w="sm" len="sm"/>
+            <a:tailEnd type="none" w="sm" len="sm"/>
           </a:ln>
         </p:spPr>
         <p:txBody>
-          <a:bodyPr anchorCtr="0" anchor="ctr" bIns="91425" lIns="91425" spcFirstLastPara="1" rIns="91425" wrap="square" tIns="91425">
+          <a:bodyPr spcFirstLastPara="1" wrap="square" lIns="91425" tIns="91425" rIns="91425" bIns="91425" anchor="ctr" anchorCtr="0">
             <a:noAutofit/>
           </a:bodyPr>
           <a:lstStyle/>
           <a:p>
-            <a:pPr indent="0" lvl="0" marL="0" rtl="0" algn="l">
+            <a:pPr marL="0" lvl="0" indent="0" algn="l" rtl="0">
               <a:spcBef>
                 <a:spcPts val="0"/>
               </a:spcBef>
@@ -12311,9 +12302,6 @@
               </a:spcAft>
               <a:buNone/>
             </a:pPr>
-            <a:r>
-              <a:t/>
-            </a:r>
             <a:endParaRPr/>
           </a:p>
         </p:txBody>
@@ -12341,14 +12329,14 @@
             <a:avLst/>
           </a:prstGeom>
           <a:noFill/>
-          <a:ln cap="flat" cmpd="sng" w="28575">
+          <a:ln w="28575" cap="flat" cmpd="sng">
             <a:solidFill>
               <a:srgbClr val="666666"/>
             </a:solidFill>
             <a:prstDash val="solid"/>
             <a:round/>
-            <a:headEnd len="sm" w="sm" type="none"/>
-            <a:tailEnd len="sm" w="sm" type="none"/>
+            <a:headEnd type="none" w="sm" len="sm"/>
+            <a:tailEnd type="none" w="sm" len="sm"/>
           </a:ln>
         </p:spPr>
       </p:pic>
@@ -12374,12 +12362,12 @@
           </a:ln>
         </p:spPr>
         <p:txBody>
-          <a:bodyPr anchorCtr="0" anchor="ctr" bIns="91425" lIns="91425" spcFirstLastPara="1" rIns="91425" wrap="square" tIns="91425">
+          <a:bodyPr spcFirstLastPara="1" wrap="square" lIns="91425" tIns="91425" rIns="91425" bIns="91425" anchor="ctr" anchorCtr="0">
             <a:noAutofit/>
           </a:bodyPr>
           <a:lstStyle/>
           <a:p>
-            <a:pPr indent="0" lvl="0" marL="0" rtl="0" algn="l">
+            <a:pPr marL="0" lvl="0" indent="0" algn="l" rtl="0">
               <a:spcBef>
                 <a:spcPts val="0"/>
               </a:spcBef>
@@ -12388,9 +12376,6 @@
               </a:spcAft>
               <a:buNone/>
             </a:pPr>
-            <a:r>
-              <a:t/>
-            </a:r>
             <a:endParaRPr/>
           </a:p>
         </p:txBody>
@@ -12417,12 +12402,12 @@
           </a:ln>
         </p:spPr>
         <p:txBody>
-          <a:bodyPr anchorCtr="0" anchor="ctr" bIns="91425" lIns="91425" spcFirstLastPara="1" rIns="91425" wrap="square" tIns="91425">
+          <a:bodyPr spcFirstLastPara="1" wrap="square" lIns="91425" tIns="91425" rIns="91425" bIns="91425" anchor="ctr" anchorCtr="0">
             <a:noAutofit/>
           </a:bodyPr>
           <a:lstStyle/>
           <a:p>
-            <a:pPr indent="0" lvl="0" marL="0" rtl="0" algn="l">
+            <a:pPr marL="0" lvl="0" indent="0" algn="l" rtl="0">
               <a:spcBef>
                 <a:spcPts val="0"/>
               </a:spcBef>
@@ -12431,9 +12416,6 @@
               </a:spcAft>
               <a:buNone/>
             </a:pPr>
-            <a:r>
-              <a:t/>
-            </a:r>
             <a:endParaRPr/>
           </a:p>
         </p:txBody>
@@ -12458,12 +12440,12 @@
           </a:ln>
         </p:spPr>
         <p:txBody>
-          <a:bodyPr anchorCtr="0" anchor="ctr" bIns="91425" lIns="91425" spcFirstLastPara="1" rIns="91425" wrap="square" tIns="91425">
+          <a:bodyPr spcFirstLastPara="1" wrap="square" lIns="91425" tIns="91425" rIns="91425" bIns="91425" anchor="ctr" anchorCtr="0">
             <a:noAutofit/>
           </a:bodyPr>
           <a:lstStyle/>
           <a:p>
-            <a:pPr indent="0" lvl="0" marL="0" rtl="0" algn="ctr">
+            <a:pPr marL="0" lvl="0" indent="0" algn="ctr" rtl="0">
               <a:spcBef>
                 <a:spcPts val="0"/>
               </a:spcBef>
@@ -12473,7 +12455,7 @@
               <a:buNone/>
             </a:pPr>
             <a:r>
-              <a:rPr b="1" lang="en" sz="2400">
+              <a:rPr lang="en" sz="2400" b="1">
                 <a:solidFill>
                   <a:schemeClr val="lt1"/>
                 </a:solidFill>
@@ -12484,7 +12466,7 @@
               </a:rPr>
               <a:t>7</a:t>
             </a:r>
-            <a:endParaRPr b="1" sz="2400">
+            <a:endParaRPr sz="2400" b="1">
               <a:solidFill>
                 <a:schemeClr val="lt1"/>
               </a:solidFill>
@@ -12518,12 +12500,12 @@
           </a:ln>
         </p:spPr>
         <p:txBody>
-          <a:bodyPr anchorCtr="0" anchor="ctr" bIns="91425" lIns="91425" spcFirstLastPara="1" rIns="91425" wrap="square" tIns="91425">
+          <a:bodyPr spcFirstLastPara="1" wrap="square" lIns="91425" tIns="91425" rIns="91425" bIns="91425" anchor="ctr" anchorCtr="0">
             <a:noAutofit/>
           </a:bodyPr>
           <a:lstStyle/>
           <a:p>
-            <a:pPr indent="0" lvl="0" marL="0" rtl="0" algn="l">
+            <a:pPr marL="0" lvl="0" indent="0" algn="l" rtl="0">
               <a:spcBef>
                 <a:spcPts val="0"/>
               </a:spcBef>
@@ -12532,9 +12514,6 @@
               </a:spcAft>
               <a:buNone/>
             </a:pPr>
-            <a:r>
-              <a:t/>
-            </a:r>
             <a:endParaRPr/>
           </a:p>
         </p:txBody>
@@ -12554,23 +12533,23 @@
             <a:avLst/>
           </a:prstGeom>
           <a:noFill/>
-          <a:ln cap="flat" cmpd="sng" w="76200">
+          <a:ln w="76200" cap="flat" cmpd="sng">
             <a:solidFill>
               <a:srgbClr val="FF9900"/>
             </a:solidFill>
             <a:prstDash val="solid"/>
             <a:round/>
-            <a:headEnd len="sm" w="sm" type="none"/>
-            <a:tailEnd len="sm" w="sm" type="none"/>
+            <a:headEnd type="none" w="sm" len="sm"/>
+            <a:tailEnd type="none" w="sm" len="sm"/>
           </a:ln>
         </p:spPr>
         <p:txBody>
-          <a:bodyPr anchorCtr="0" anchor="ctr" bIns="91425" lIns="91425" spcFirstLastPara="1" rIns="91425" wrap="square" tIns="91425">
+          <a:bodyPr spcFirstLastPara="1" wrap="square" lIns="91425" tIns="91425" rIns="91425" bIns="91425" anchor="ctr" anchorCtr="0">
             <a:noAutofit/>
           </a:bodyPr>
           <a:lstStyle/>
           <a:p>
-            <a:pPr indent="0" lvl="0" marL="0" rtl="0" algn="l">
+            <a:pPr marL="0" lvl="0" indent="0" algn="l" rtl="0">
               <a:spcBef>
                 <a:spcPts val="0"/>
               </a:spcBef>
@@ -12579,9 +12558,6 @@
               </a:spcAft>
               <a:buNone/>
             </a:pPr>
-            <a:r>
-              <a:t/>
-            </a:r>
             <a:endParaRPr>
               <a:solidFill>
                 <a:schemeClr val="accent3"/>
@@ -12605,14 +12581,14 @@
             <a:avLst/>
           </a:prstGeom>
           <a:noFill/>
-          <a:ln cap="flat" cmpd="sng" w="28575">
+          <a:ln w="28575" cap="flat" cmpd="sng">
             <a:solidFill>
               <a:srgbClr val="FF9900"/>
             </a:solidFill>
             <a:prstDash val="solid"/>
             <a:round/>
-            <a:headEnd len="med" w="med" type="none"/>
-            <a:tailEnd len="med" w="med" type="none"/>
+            <a:headEnd type="none" w="med" len="med"/>
+            <a:tailEnd type="none" w="med" len="med"/>
           </a:ln>
         </p:spPr>
       </p:cxnSp>
@@ -12631,14 +12607,14 @@
             <a:avLst/>
           </a:prstGeom>
           <a:noFill/>
-          <a:ln cap="flat" cmpd="sng" w="28575">
+          <a:ln w="28575" cap="flat" cmpd="sng">
             <a:solidFill>
               <a:srgbClr val="FF9900"/>
             </a:solidFill>
             <a:prstDash val="solid"/>
             <a:round/>
-            <a:headEnd len="med" w="med" type="none"/>
-            <a:tailEnd len="med" w="med" type="triangle"/>
+            <a:headEnd type="none" w="med" len="med"/>
+            <a:tailEnd type="triangle" w="med" len="med"/>
           </a:ln>
         </p:spPr>
       </p:cxnSp>
@@ -12651,11 +12627,11 @@
 </file>
 
 <file path=ppt/slides/slide9.xml><?xml version="1.0" encoding="utf-8"?>
-<p:sld xmlns:a="http://schemas.openxmlformats.org/drawingml/2006/main" xmlns:r="http://schemas.openxmlformats.org/officeDocument/2006/relationships" xmlns:mc="http://schemas.openxmlformats.org/markup-compatibility/2006" xmlns:mv="urn:schemas-microsoft-com:mac:vml" xmlns:p="http://schemas.openxmlformats.org/presentationml/2006/main" xmlns:c="http://schemas.openxmlformats.org/drawingml/2006/chart" xmlns:dgm="http://schemas.openxmlformats.org/drawingml/2006/diagram" xmlns:o="urn:schemas-microsoft-com:office:office" xmlns:v="urn:schemas-microsoft-com:vml" xmlns:pvml="urn:schemas-microsoft-com:office:powerpoint" xmlns:com="http://schemas.openxmlformats.org/drawingml/2006/compatibility" xmlns:p14="http://schemas.microsoft.com/office/powerpoint/2010/main" xmlns:p15="http://schemas.microsoft.com/office/powerpoint/2012/main">
+<p:sld xmlns:a="http://schemas.openxmlformats.org/drawingml/2006/main" xmlns:r="http://schemas.openxmlformats.org/officeDocument/2006/relationships" xmlns:p="http://schemas.openxmlformats.org/presentationml/2006/main">
   <p:cSld>
     <p:spTree>
       <p:nvGrpSpPr>
-        <p:cNvPr id="172" name="Shape 172"/>
+        <p:cNvPr id="1" name="Shape 172"/>
         <p:cNvGrpSpPr/>
         <p:nvPr/>
       </p:nvGrpSpPr>
@@ -12687,12 +12663,12 @@
           </a:ln>
         </p:spPr>
         <p:txBody>
-          <a:bodyPr anchorCtr="0" anchor="ctr" bIns="91425" lIns="91425" spcFirstLastPara="1" rIns="91425" wrap="square" tIns="91425">
+          <a:bodyPr spcFirstLastPara="1" wrap="square" lIns="91425" tIns="91425" rIns="91425" bIns="91425" anchor="ctr" anchorCtr="0">
             <a:noAutofit/>
           </a:bodyPr>
           <a:lstStyle/>
           <a:p>
-            <a:pPr indent="0" lvl="0" marL="0" rtl="0" algn="l">
+            <a:pPr marL="0" lvl="0" indent="0" algn="l" rtl="0">
               <a:lnSpc>
                 <a:spcPct val="115000"/>
               </a:lnSpc>
@@ -12710,7 +12686,7 @@
               <a:buNone/>
             </a:pPr>
             <a:r>
-              <a:rPr b="1" lang="en" sz="3600">
+              <a:rPr lang="en" sz="3600" b="1">
                 <a:solidFill>
                   <a:srgbClr val="FF9900"/>
                 </a:solidFill>
@@ -12721,7 +12697,7 @@
               </a:rPr>
               <a:t>Next Steps</a:t>
             </a:r>
-            <a:endParaRPr b="1" sz="3600">
+            <a:endParaRPr sz="3600" b="1">
               <a:solidFill>
                 <a:srgbClr val="FF9900"/>
               </a:solidFill>
@@ -12755,12 +12731,12 @@
           </a:ln>
         </p:spPr>
         <p:txBody>
-          <a:bodyPr anchorCtr="0" anchor="ctr" bIns="91425" lIns="91425" spcFirstLastPara="1" rIns="91425" wrap="square" tIns="91425">
+          <a:bodyPr spcFirstLastPara="1" wrap="square" lIns="91425" tIns="91425" rIns="91425" bIns="91425" anchor="ctr" anchorCtr="0">
             <a:noAutofit/>
           </a:bodyPr>
           <a:lstStyle/>
           <a:p>
-            <a:pPr indent="0" lvl="0" marL="0" rtl="0" algn="l">
+            <a:pPr marL="0" lvl="0" indent="0" algn="l" rtl="0">
               <a:spcBef>
                 <a:spcPts val="0"/>
               </a:spcBef>
@@ -12769,9 +12745,6 @@
               </a:spcAft>
               <a:buNone/>
             </a:pPr>
-            <a:r>
-              <a:t/>
-            </a:r>
             <a:endParaRPr/>
           </a:p>
         </p:txBody>
@@ -12796,12 +12769,12 @@
           </a:ln>
         </p:spPr>
         <p:txBody>
-          <a:bodyPr anchorCtr="0" anchor="ctr" bIns="91425" lIns="91425" spcFirstLastPara="1" rIns="91425" wrap="square" tIns="91425">
+          <a:bodyPr spcFirstLastPara="1" wrap="square" lIns="91425" tIns="91425" rIns="91425" bIns="91425" anchor="ctr" anchorCtr="0">
             <a:noAutofit/>
           </a:bodyPr>
           <a:lstStyle/>
           <a:p>
-            <a:pPr indent="0" lvl="0" marL="0" rtl="0" algn="ctr">
+            <a:pPr marL="0" lvl="0" indent="0" algn="ctr" rtl="0">
               <a:spcBef>
                 <a:spcPts val="0"/>
               </a:spcBef>
@@ -12810,10 +12783,7 @@
               </a:spcAft>
               <a:buNone/>
             </a:pPr>
-            <a:r>
-              <a:t/>
-            </a:r>
-            <a:endParaRPr b="1" sz="2400">
+            <a:endParaRPr sz="2400" b="1">
               <a:solidFill>
                 <a:schemeClr val="lt1"/>
               </a:solidFill>
@@ -12845,12 +12815,12 @@
           </a:ln>
         </p:spPr>
         <p:txBody>
-          <a:bodyPr anchorCtr="0" anchor="t" bIns="91425" lIns="91425" spcFirstLastPara="1" rIns="91425" wrap="square" tIns="91425">
+          <a:bodyPr spcFirstLastPara="1" wrap="square" lIns="91425" tIns="91425" rIns="91425" bIns="91425" anchor="t" anchorCtr="0">
             <a:noAutofit/>
           </a:bodyPr>
           <a:lstStyle/>
           <a:p>
-            <a:pPr indent="0" lvl="0" marL="0" rtl="0" algn="l">
+            <a:pPr marL="0" lvl="0" indent="0" algn="l" rtl="0">
               <a:spcBef>
                 <a:spcPts val="0"/>
               </a:spcBef>
@@ -12876,7 +12846,7 @@
             </a:endParaRPr>
           </a:p>
           <a:p>
-            <a:pPr indent="0" lvl="0" marL="0" rtl="0" algn="l">
+            <a:pPr marL="0" lvl="0" indent="0" algn="l" rtl="0">
               <a:spcBef>
                 <a:spcPts val="0"/>
               </a:spcBef>
@@ -12885,9 +12855,6 @@
               </a:spcAft>
               <a:buNone/>
             </a:pPr>
-            <a:r>
-              <a:t/>
-            </a:r>
             <a:endParaRPr>
               <a:latin typeface="Lato"/>
               <a:ea typeface="Lato"/>
@@ -12896,7 +12863,7 @@
             </a:endParaRPr>
           </a:p>
           <a:p>
-            <a:pPr indent="-317500" lvl="0" marL="457200" rtl="0" algn="l">
+            <a:pPr marL="457200" lvl="0" indent="-317500" algn="l" rtl="0">
               <a:spcBef>
                 <a:spcPts val="0"/>
               </a:spcBef>
@@ -12924,7 +12891,7 @@
             </a:endParaRPr>
           </a:p>
           <a:p>
-            <a:pPr indent="-317500" lvl="1" marL="914400" rtl="0" algn="l">
+            <a:pPr marL="914400" lvl="1" indent="-317500" algn="l" rtl="0">
               <a:spcBef>
                 <a:spcPts val="0"/>
               </a:spcBef>
@@ -12956,7 +12923,7 @@
             </a:endParaRPr>
           </a:p>
           <a:p>
-            <a:pPr indent="-317500" lvl="0" marL="457200" rtl="0" algn="l">
+            <a:pPr marL="457200" lvl="0" indent="-317500" algn="l" rtl="0">
               <a:spcBef>
                 <a:spcPts val="0"/>
               </a:spcBef>
@@ -12984,7 +12951,7 @@
             </a:endParaRPr>
           </a:p>
           <a:p>
-            <a:pPr indent="-317500" lvl="1" marL="914400" rtl="0" algn="l">
+            <a:pPr marL="914400" lvl="1" indent="-317500" algn="l" rtl="0">
               <a:spcBef>
                 <a:spcPts val="0"/>
               </a:spcBef>
@@ -13012,7 +12979,7 @@
             </a:endParaRPr>
           </a:p>
           <a:p>
-            <a:pPr indent="0" lvl="0" marL="0" rtl="0" algn="l">
+            <a:pPr marL="0" lvl="0" indent="0" algn="l" rtl="0">
               <a:spcBef>
                 <a:spcPts val="0"/>
               </a:spcBef>
@@ -13021,9 +12988,6 @@
               </a:spcAft>
               <a:buNone/>
             </a:pPr>
-            <a:r>
-              <a:t/>
-            </a:r>
             <a:endParaRPr>
               <a:latin typeface="Lato"/>
               <a:ea typeface="Lato"/>
@@ -13032,7 +12996,7 @@
             </a:endParaRPr>
           </a:p>
           <a:p>
-            <a:pPr indent="0" lvl="0" marL="0" rtl="0" algn="l">
+            <a:pPr marL="0" lvl="0" indent="0" algn="l" rtl="0">
               <a:spcBef>
                 <a:spcPts val="0"/>
               </a:spcBef>
@@ -13058,7 +13022,7 @@
             </a:endParaRPr>
           </a:p>
           <a:p>
-            <a:pPr indent="-317500" lvl="0" marL="457200" rtl="0" algn="l">
+            <a:pPr marL="457200" lvl="0" indent="-317500" algn="l" rtl="0">
               <a:spcBef>
                 <a:spcPts val="0"/>
               </a:spcBef>
@@ -13086,7 +13050,7 @@
             </a:endParaRPr>
           </a:p>
           <a:p>
-            <a:pPr indent="-317500" lvl="0" marL="457200" rtl="0" algn="l">
+            <a:pPr marL="457200" lvl="0" indent="-317500" algn="l" rtl="0">
               <a:spcBef>
                 <a:spcPts val="0"/>
               </a:spcBef>
@@ -13114,7 +13078,7 @@
             </a:endParaRPr>
           </a:p>
           <a:p>
-            <a:pPr indent="-317500" lvl="0" marL="457200" rtl="0" algn="l">
+            <a:pPr marL="457200" lvl="0" indent="-317500" algn="l" rtl="0">
               <a:spcBef>
                 <a:spcPts val="0"/>
               </a:spcBef>
@@ -13142,7 +13106,7 @@
             </a:endParaRPr>
           </a:p>
           <a:p>
-            <a:pPr indent="-317500" lvl="0" marL="457200" rtl="0" algn="l">
+            <a:pPr marL="457200" lvl="0" indent="-317500" algn="l" rtl="0">
               <a:spcBef>
                 <a:spcPts val="0"/>
               </a:spcBef>
@@ -13170,7 +13134,7 @@
             </a:endParaRPr>
           </a:p>
           <a:p>
-            <a:pPr indent="0" lvl="0" marL="0" rtl="0" algn="l">
+            <a:pPr marL="0" lvl="0" indent="0" algn="l" rtl="0">
               <a:spcBef>
                 <a:spcPts val="0"/>
               </a:spcBef>
@@ -13179,9 +13143,6 @@
               </a:spcAft>
               <a:buNone/>
             </a:pPr>
-            <a:r>
-              <a:t/>
-            </a:r>
             <a:endParaRPr>
               <a:latin typeface="Lato"/>
               <a:ea typeface="Lato"/>
@@ -13190,7 +13151,7 @@
             </a:endParaRPr>
           </a:p>
           <a:p>
-            <a:pPr indent="0" lvl="0" marL="0" rtl="0" algn="l">
+            <a:pPr marL="0" lvl="0" indent="0" algn="l" rtl="0">
               <a:spcBef>
                 <a:spcPts val="0"/>
               </a:spcBef>
@@ -13216,7 +13177,7 @@
             </a:endParaRPr>
           </a:p>
           <a:p>
-            <a:pPr indent="-317500" lvl="0" marL="457200" rtl="0" algn="l">
+            <a:pPr marL="457200" lvl="0" indent="-317500" algn="l" rtl="0">
               <a:spcBef>
                 <a:spcPts val="0"/>
               </a:spcBef>
@@ -13244,7 +13205,7 @@
             </a:endParaRPr>
           </a:p>
           <a:p>
-            <a:pPr indent="-317500" lvl="0" marL="457200" rtl="0" algn="l">
+            <a:pPr marL="457200" lvl="0" indent="-317500" algn="l" rtl="0">
               <a:spcBef>
                 <a:spcPts val="0"/>
               </a:spcBef>
@@ -13282,7 +13243,7 @@
 </file>
 
 <file path=ppt/theme/theme1.xml><?xml version="1.0" encoding="utf-8"?>
-<a:theme xmlns:a="http://schemas.openxmlformats.org/drawingml/2006/main" xmlns:r="http://schemas.openxmlformats.org/officeDocument/2006/relationships" name="Streamline">
+<a:theme xmlns:a="http://schemas.openxmlformats.org/drawingml/2006/main" name="Streamline">
   <a:themeElements>
     <a:clrScheme name="Streamline">
       <a:dk1>
@@ -13557,11 +13518,13 @@
       </a:bgFillStyleLst>
     </a:fmtScheme>
   </a:themeElements>
+  <a:objectDefaults/>
+  <a:extraClrSchemeLst/>
 </a:theme>
 </file>
 
 <file path=ppt/theme/theme2.xml><?xml version="1.0" encoding="utf-8"?>
-<a:theme xmlns:a="http://schemas.openxmlformats.org/drawingml/2006/main" xmlns:r="http://schemas.openxmlformats.org/officeDocument/2006/relationships">
+<a:theme xmlns:a="http://schemas.openxmlformats.org/drawingml/2006/main">
   <a:themeElements>
     <a:clrScheme name="Default">
       <a:dk1>
@@ -13836,5 +13799,7 @@
       </a:bgFillStyleLst>
     </a:fmtScheme>
   </a:themeElements>
+  <a:objectDefaults/>
+  <a:extraClrSchemeLst/>
 </a:theme>
 </file>